--- a/Worship_Ref.pptx
+++ b/Worship_Ref.pptx
@@ -106,6 +106,11 @@
       </a:defRPr>
     </a:lvl9pPr>
   </p:defaultTextStyle>
+  <p:extLst>
+    <p:ext uri="{EFAFB233-063F-42B5-8137-9DF3F51BA10A}">
+      <p15:sldGuideLst xmlns:p15="http://schemas.microsoft.com/office/powerpoint/2012/main"/>
+    </p:ext>
+  </p:extLst>
 </p:presentation>
 </file>
 
@@ -335,7 +340,7 @@
           <a:p>
             <a:fld id="{E88F6602-6C17-4B44-91DB-BAA29CC744E9}" type="datetimeFigureOut">
               <a:rPr lang="vi-VN" smtClean="0"/>
-              <a:t>17/11/2024</a:t>
+              <a:t>18/11/2024</a:t>
             </a:fld>
             <a:endParaRPr lang="vi-VN"/>
           </a:p>
@@ -543,7 +548,7 @@
           <a:p>
             <a:fld id="{E88F6602-6C17-4B44-91DB-BAA29CC744E9}" type="datetimeFigureOut">
               <a:rPr lang="vi-VN" smtClean="0"/>
-              <a:t>17/11/2024</a:t>
+              <a:t>18/11/2024</a:t>
             </a:fld>
             <a:endParaRPr lang="vi-VN"/>
           </a:p>
@@ -799,7 +804,7 @@
           <a:p>
             <a:fld id="{E88F6602-6C17-4B44-91DB-BAA29CC744E9}" type="datetimeFigureOut">
               <a:rPr lang="vi-VN" smtClean="0"/>
-              <a:t>17/11/2024</a:t>
+              <a:t>18/11/2024</a:t>
             </a:fld>
             <a:endParaRPr lang="vi-VN"/>
           </a:p>
@@ -973,7 +978,7 @@
           <a:p>
             <a:fld id="{E88F6602-6C17-4B44-91DB-BAA29CC744E9}" type="datetimeFigureOut">
               <a:rPr lang="vi-VN" smtClean="0"/>
-              <a:t>17/11/2024</a:t>
+              <a:t>18/11/2024</a:t>
             </a:fld>
             <a:endParaRPr lang="vi-VN"/>
           </a:p>
@@ -1316,7 +1321,7 @@
           <a:p>
             <a:fld id="{E88F6602-6C17-4B44-91DB-BAA29CC744E9}" type="datetimeFigureOut">
               <a:rPr lang="vi-VN" smtClean="0"/>
-              <a:t>17/11/2024</a:t>
+              <a:t>18/11/2024</a:t>
             </a:fld>
             <a:endParaRPr lang="vi-VN"/>
           </a:p>
@@ -1591,7 +1596,7 @@
           <a:p>
             <a:fld id="{E88F6602-6C17-4B44-91DB-BAA29CC744E9}" type="datetimeFigureOut">
               <a:rPr lang="vi-VN" smtClean="0"/>
-              <a:t>17/11/2024</a:t>
+              <a:t>18/11/2024</a:t>
             </a:fld>
             <a:endParaRPr lang="vi-VN"/>
           </a:p>
@@ -1970,7 +1975,7 @@
           <a:p>
             <a:fld id="{E88F6602-6C17-4B44-91DB-BAA29CC744E9}" type="datetimeFigureOut">
               <a:rPr lang="vi-VN" smtClean="0"/>
-              <a:t>17/11/2024</a:t>
+              <a:t>18/11/2024</a:t>
             </a:fld>
             <a:endParaRPr lang="vi-VN"/>
           </a:p>
@@ -2088,7 +2093,7 @@
           <a:p>
             <a:fld id="{E88F6602-6C17-4B44-91DB-BAA29CC744E9}" type="datetimeFigureOut">
               <a:rPr lang="vi-VN" smtClean="0"/>
-              <a:t>17/11/2024</a:t>
+              <a:t>18/11/2024</a:t>
             </a:fld>
             <a:endParaRPr lang="vi-VN"/>
           </a:p>
@@ -2259,7 +2264,7 @@
           <a:p>
             <a:fld id="{E88F6602-6C17-4B44-91DB-BAA29CC744E9}" type="datetimeFigureOut">
               <a:rPr lang="vi-VN" smtClean="0"/>
-              <a:t>17/11/2024</a:t>
+              <a:t>18/11/2024</a:t>
             </a:fld>
             <a:endParaRPr lang="vi-VN"/>
           </a:p>
@@ -2613,7 +2618,7 @@
           <a:p>
             <a:fld id="{E88F6602-6C17-4B44-91DB-BAA29CC744E9}" type="datetimeFigureOut">
               <a:rPr lang="vi-VN" smtClean="0"/>
-              <a:t>17/11/2024</a:t>
+              <a:t>18/11/2024</a:t>
             </a:fld>
             <a:endParaRPr lang="vi-VN"/>
           </a:p>
@@ -2995,7 +3000,7 @@
           <a:p>
             <a:fld id="{E88F6602-6C17-4B44-91DB-BAA29CC744E9}" type="datetimeFigureOut">
               <a:rPr lang="vi-VN" smtClean="0"/>
-              <a:t>17/11/2024</a:t>
+              <a:t>18/11/2024</a:t>
             </a:fld>
             <a:endParaRPr lang="vi-VN"/>
           </a:p>
@@ -3282,7 +3287,7 @@
           <a:p>
             <a:fld id="{E88F6602-6C17-4B44-91DB-BAA29CC744E9}" type="datetimeFigureOut">
               <a:rPr lang="vi-VN" smtClean="0"/>
-              <a:t>17/11/2024</a:t>
+              <a:t>18/11/2024</a:t>
             </a:fld>
             <a:endParaRPr lang="vi-VN"/>
           </a:p>
@@ -3937,72 +3942,746 @@
           </a:p>
         </p:txBody>
       </p:sp>
-      <p:sp>
-        <p:nvSpPr>
-          <p:cNvPr id="3" name="Content Placeholder 2">
+      <p:grpSp>
+        <p:nvGrpSpPr>
+          <p:cNvPr id="15" name="Group 14">
             <a:extLst>
               <a:ext uri="{FF2B5EF4-FFF2-40B4-BE49-F238E27FC236}">
-                <a16:creationId xmlns:a16="http://schemas.microsoft.com/office/drawing/2014/main" id="{5FC083EF-4B7B-7EFB-CFE7-55A36ABF6AA3}"/>
+                <a16:creationId xmlns:a16="http://schemas.microsoft.com/office/drawing/2014/main" id="{5092E4F3-B6E8-415F-4498-AB836AFEBB40}"/>
               </a:ext>
             </a:extLst>
           </p:cNvPr>
-          <p:cNvSpPr>
-            <a:spLocks noGrp="1"/>
-          </p:cNvSpPr>
-          <p:nvPr>
-            <p:ph idx="1"/>
-          </p:nvPr>
-        </p:nvSpPr>
-        <p:spPr/>
-        <p:txBody>
-          <a:bodyPr/>
-          <a:lstStyle/>
-          <a:p>
-            <a:pPr marL="0" indent="0">
-              <a:buNone/>
-            </a:pPr>
-            <a:r>
-              <a:rPr lang="en-US" sz="2800" dirty="0">
+          <p:cNvGrpSpPr/>
+          <p:nvPr/>
+        </p:nvGrpSpPr>
+        <p:grpSpPr>
+          <a:xfrm>
+            <a:off x="1249680" y="1820332"/>
+            <a:ext cx="4533054" cy="1457963"/>
+            <a:chOff x="1249680" y="1820332"/>
+            <a:chExt cx="4533054" cy="1457963"/>
+          </a:xfrm>
+        </p:grpSpPr>
+        <p:sp>
+          <p:nvSpPr>
+            <p:cNvPr id="5" name="Rectangle: Single Corner Snipped 4">
+              <a:extLst>
+                <a:ext uri="{FF2B5EF4-FFF2-40B4-BE49-F238E27FC236}">
+                  <a16:creationId xmlns:a16="http://schemas.microsoft.com/office/drawing/2014/main" id="{467FFF8F-810E-15FD-BE37-469B8D728472}"/>
+                </a:ext>
+              </a:extLst>
+            </p:cNvPr>
+            <p:cNvSpPr/>
+            <p:nvPr/>
+          </p:nvSpPr>
+          <p:spPr>
+            <a:xfrm>
+              <a:off x="1249680" y="1820332"/>
+              <a:ext cx="2848187" cy="516467"/>
+            </a:xfrm>
+            <a:prstGeom prst="snip1Rect">
+              <a:avLst/>
+            </a:prstGeom>
+            <a:solidFill>
+              <a:schemeClr val="accent1">
+                <a:lumMod val="20000"/>
+                <a:lumOff val="80000"/>
+              </a:schemeClr>
+            </a:solidFill>
+          </p:spPr>
+          <p:style>
+            <a:lnRef idx="2">
+              <a:schemeClr val="accent1">
+                <a:shade val="15000"/>
+              </a:schemeClr>
+            </a:lnRef>
+            <a:fillRef idx="1">
+              <a:schemeClr val="accent1"/>
+            </a:fillRef>
+            <a:effectRef idx="0">
+              <a:schemeClr val="accent1"/>
+            </a:effectRef>
+            <a:fontRef idx="minor">
+              <a:schemeClr val="lt1"/>
+            </a:fontRef>
+          </p:style>
+          <p:txBody>
+            <a:bodyPr rtlCol="0" anchor="ctr"/>
+            <a:lstStyle/>
+            <a:p>
+              <a:r>
+                <a:rPr kumimoji="0" lang="en-US" sz="2800" b="0" i="0" u="none" strike="noStrike" kern="1200" cap="none" spc="0" normalizeH="0" baseline="0" noProof="0" dirty="0">
+                  <a:ln>
+                    <a:noFill/>
+                  </a:ln>
+                  <a:solidFill>
+                    <a:srgbClr val="000000">
+                      <a:lumMod val="75000"/>
+                      <a:lumOff val="25000"/>
+                    </a:srgbClr>
+                  </a:solidFill>
+                  <a:effectLst/>
+                  <a:uLnTx/>
+                  <a:uFillTx/>
+                  <a:latin typeface="SF Compact Text" panose="02000000000000000000" pitchFamily="50" charset="0"/>
+                  <a:ea typeface="+mn-ea"/>
+                  <a:cs typeface="+mn-cs"/>
+                </a:rPr>
+                <a:t>Worship</a:t>
+              </a:r>
+              <a:endParaRPr lang="vi-VN" dirty="0"/>
+            </a:p>
+          </p:txBody>
+        </p:sp>
+        <p:sp>
+          <p:nvSpPr>
+            <p:cNvPr id="6" name="Arrow: Pentagon 5">
+              <a:extLst>
+                <a:ext uri="{FF2B5EF4-FFF2-40B4-BE49-F238E27FC236}">
+                  <a16:creationId xmlns:a16="http://schemas.microsoft.com/office/drawing/2014/main" id="{7CEA70F0-6E5E-5081-CDBC-D881B2AE84E7}"/>
+                </a:ext>
+              </a:extLst>
+            </p:cNvPr>
+            <p:cNvSpPr/>
+            <p:nvPr/>
+          </p:nvSpPr>
+          <p:spPr>
+            <a:xfrm>
+              <a:off x="1794933" y="2419771"/>
+              <a:ext cx="3987801" cy="355600"/>
+            </a:xfrm>
+            <a:prstGeom prst="homePlate">
+              <a:avLst/>
+            </a:prstGeom>
+            <a:solidFill>
+              <a:schemeClr val="accent5">
+                <a:lumMod val="20000"/>
+                <a:lumOff val="80000"/>
+              </a:schemeClr>
+            </a:solidFill>
+          </p:spPr>
+          <p:style>
+            <a:lnRef idx="2">
+              <a:schemeClr val="accent1">
+                <a:shade val="15000"/>
+              </a:schemeClr>
+            </a:lnRef>
+            <a:fillRef idx="1">
+              <a:schemeClr val="accent1"/>
+            </a:fillRef>
+            <a:effectRef idx="0">
+              <a:schemeClr val="accent1"/>
+            </a:effectRef>
+            <a:fontRef idx="minor">
+              <a:schemeClr val="lt1"/>
+            </a:fontRef>
+          </p:style>
+          <p:txBody>
+            <a:bodyPr rtlCol="0" anchor="ctr"/>
+            <a:lstStyle/>
+            <a:p>
+              <a:pPr marL="201168" marR="0" lvl="1" defTabSz="914400" rtl="0" eaLnBrk="1" fontAlgn="auto" latinLnBrk="0" hangingPunct="1">
+                <a:lnSpc>
+                  <a:spcPct val="90000"/>
+                </a:lnSpc>
+                <a:spcBef>
+                  <a:spcPts val="200"/>
+                </a:spcBef>
+                <a:spcAft>
+                  <a:spcPts val="400"/>
+                </a:spcAft>
+                <a:buClr>
+                  <a:srgbClr val="E48312"/>
+                </a:buClr>
+                <a:buSzTx/>
+                <a:tabLst/>
+                <a:defRPr/>
+              </a:pPr>
+              <a:r>
+                <a:rPr kumimoji="0" lang="en-US" sz="1800" b="0" i="0" u="none" strike="noStrike" kern="1200" cap="none" spc="0" normalizeH="0" baseline="0" noProof="0" dirty="0">
+                  <a:ln>
+                    <a:noFill/>
+                  </a:ln>
+                  <a:solidFill>
+                    <a:srgbClr val="000000">
+                      <a:lumMod val="75000"/>
+                      <a:lumOff val="25000"/>
+                    </a:srgbClr>
+                  </a:solidFill>
+                  <a:effectLst/>
+                  <a:uLnTx/>
+                  <a:uFillTx/>
+                  <a:latin typeface="SF Compact Text" panose="02000000000000000000" pitchFamily="50" charset="0"/>
+                  <a:ea typeface="+mn-ea"/>
+                  <a:cs typeface="+mn-cs"/>
+                </a:rPr>
+                <a:t>The fact of worship nowadays</a:t>
+              </a:r>
+            </a:p>
+          </p:txBody>
+        </p:sp>
+        <p:sp>
+          <p:nvSpPr>
+            <p:cNvPr id="7" name="Arrow: Pentagon 6">
+              <a:extLst>
+                <a:ext uri="{FF2B5EF4-FFF2-40B4-BE49-F238E27FC236}">
+                  <a16:creationId xmlns:a16="http://schemas.microsoft.com/office/drawing/2014/main" id="{0E2E4713-C4E1-F518-013C-E2C2BABD06B6}"/>
+                </a:ext>
+              </a:extLst>
+            </p:cNvPr>
+            <p:cNvSpPr/>
+            <p:nvPr/>
+          </p:nvSpPr>
+          <p:spPr>
+            <a:xfrm>
+              <a:off x="1794933" y="2922695"/>
+              <a:ext cx="3987801" cy="355600"/>
+            </a:xfrm>
+            <a:prstGeom prst="homePlate">
+              <a:avLst/>
+            </a:prstGeom>
+            <a:solidFill>
+              <a:schemeClr val="accent5">
+                <a:lumMod val="20000"/>
+                <a:lumOff val="80000"/>
+              </a:schemeClr>
+            </a:solidFill>
+          </p:spPr>
+          <p:style>
+            <a:lnRef idx="2">
+              <a:schemeClr val="accent1">
+                <a:shade val="15000"/>
+              </a:schemeClr>
+            </a:lnRef>
+            <a:fillRef idx="1">
+              <a:schemeClr val="accent1"/>
+            </a:fillRef>
+            <a:effectRef idx="0">
+              <a:schemeClr val="accent1"/>
+            </a:effectRef>
+            <a:fontRef idx="minor">
+              <a:schemeClr val="lt1"/>
+            </a:fontRef>
+          </p:style>
+          <p:txBody>
+            <a:bodyPr rtlCol="0" anchor="ctr"/>
+            <a:lstStyle/>
+            <a:p>
+              <a:pPr marL="201168" marR="0" lvl="1" algn="l" defTabSz="914400" rtl="0" eaLnBrk="1" fontAlgn="auto" latinLnBrk="0" hangingPunct="1">
+                <a:lnSpc>
+                  <a:spcPct val="90000"/>
+                </a:lnSpc>
+                <a:spcBef>
+                  <a:spcPts val="200"/>
+                </a:spcBef>
+                <a:spcAft>
+                  <a:spcPts val="400"/>
+                </a:spcAft>
+                <a:buClr>
+                  <a:srgbClr val="E48312"/>
+                </a:buClr>
+                <a:buSzTx/>
+                <a:tabLst/>
+                <a:defRPr/>
+              </a:pPr>
+              <a:r>
+                <a:rPr kumimoji="0" lang="en-US" sz="1800" b="0" i="0" u="none" strike="noStrike" kern="1200" cap="none" spc="0" normalizeH="0" baseline="0" noProof="0" dirty="0">
+                  <a:ln>
+                    <a:noFill/>
+                  </a:ln>
+                  <a:solidFill>
+                    <a:srgbClr val="000000">
+                      <a:lumMod val="75000"/>
+                      <a:lumOff val="25000"/>
+                    </a:srgbClr>
+                  </a:solidFill>
+                  <a:effectLst/>
+                  <a:uLnTx/>
+                  <a:uFillTx/>
+                  <a:latin typeface="SF Compact Text" panose="02000000000000000000" pitchFamily="50" charset="0"/>
+                  <a:ea typeface="+mn-ea"/>
+                  <a:cs typeface="+mn-cs"/>
+                </a:rPr>
+                <a:t>Understanding about worship</a:t>
+              </a:r>
+            </a:p>
+          </p:txBody>
+        </p:sp>
+      </p:grpSp>
+      <p:grpSp>
+        <p:nvGrpSpPr>
+          <p:cNvPr id="14" name="Group 13">
+            <a:extLst>
+              <a:ext uri="{FF2B5EF4-FFF2-40B4-BE49-F238E27FC236}">
+                <a16:creationId xmlns:a16="http://schemas.microsoft.com/office/drawing/2014/main" id="{91A49C7A-C897-8AF9-8839-0AF592F4052D}"/>
+              </a:ext>
+            </a:extLst>
+          </p:cNvPr>
+          <p:cNvGrpSpPr/>
+          <p:nvPr/>
+        </p:nvGrpSpPr>
+        <p:grpSpPr>
+          <a:xfrm>
+            <a:off x="6096000" y="3977641"/>
+            <a:ext cx="4533054" cy="1888067"/>
+            <a:chOff x="1249680" y="3928535"/>
+            <a:chExt cx="4533054" cy="1888067"/>
+          </a:xfrm>
+        </p:grpSpPr>
+        <p:sp>
+          <p:nvSpPr>
+            <p:cNvPr id="10" name="Rectangle: Single Corner Snipped 9">
+              <a:extLst>
+                <a:ext uri="{FF2B5EF4-FFF2-40B4-BE49-F238E27FC236}">
+                  <a16:creationId xmlns:a16="http://schemas.microsoft.com/office/drawing/2014/main" id="{F9F564A9-2C57-CF2F-ADAB-3295FC77D9F3}"/>
+                </a:ext>
+              </a:extLst>
+            </p:cNvPr>
+            <p:cNvSpPr/>
+            <p:nvPr/>
+          </p:nvSpPr>
+          <p:spPr>
+            <a:xfrm>
+              <a:off x="1249680" y="3928535"/>
+              <a:ext cx="2848187" cy="516467"/>
+            </a:xfrm>
+            <a:prstGeom prst="snip1Rect">
+              <a:avLst/>
+            </a:prstGeom>
+            <a:solidFill>
+              <a:schemeClr val="accent1">
+                <a:lumMod val="20000"/>
+                <a:lumOff val="80000"/>
+              </a:schemeClr>
+            </a:solidFill>
+          </p:spPr>
+          <p:style>
+            <a:lnRef idx="2">
+              <a:schemeClr val="accent1">
+                <a:shade val="15000"/>
+              </a:schemeClr>
+            </a:lnRef>
+            <a:fillRef idx="1">
+              <a:schemeClr val="accent1"/>
+            </a:fillRef>
+            <a:effectRef idx="0">
+              <a:schemeClr val="accent1"/>
+            </a:effectRef>
+            <a:fontRef idx="minor">
+              <a:schemeClr val="lt1"/>
+            </a:fontRef>
+          </p:style>
+          <p:txBody>
+            <a:bodyPr rtlCol="0" anchor="ctr"/>
+            <a:lstStyle/>
+            <a:p>
+              <a:r>
+                <a:rPr kumimoji="0" lang="en-US" sz="2800" b="0" i="0" u="none" strike="noStrike" kern="1200" cap="none" spc="0" normalizeH="0" baseline="0" noProof="0" dirty="0">
+                  <a:ln>
+                    <a:noFill/>
+                  </a:ln>
+                  <a:solidFill>
+                    <a:srgbClr val="000000">
+                      <a:lumMod val="75000"/>
+                      <a:lumOff val="25000"/>
+                    </a:srgbClr>
+                  </a:solidFill>
+                  <a:effectLst/>
+                  <a:uLnTx/>
+                  <a:uFillTx/>
+                  <a:latin typeface="SF Compact Text" panose="02000000000000000000" pitchFamily="50" charset="0"/>
+                  <a:ea typeface="+mn-ea"/>
+                  <a:cs typeface="+mn-cs"/>
+                </a:rPr>
+                <a:t>Worship Leader</a:t>
+              </a:r>
+              <a:endParaRPr lang="vi-VN" dirty="0"/>
+            </a:p>
+          </p:txBody>
+        </p:sp>
+        <p:sp>
+          <p:nvSpPr>
+            <p:cNvPr id="11" name="Arrow: Pentagon 10">
+              <a:extLst>
+                <a:ext uri="{FF2B5EF4-FFF2-40B4-BE49-F238E27FC236}">
+                  <a16:creationId xmlns:a16="http://schemas.microsoft.com/office/drawing/2014/main" id="{3564E051-EE43-2791-2278-2F956DEA3480}"/>
+                </a:ext>
+              </a:extLst>
+            </p:cNvPr>
+            <p:cNvSpPr/>
+            <p:nvPr/>
+          </p:nvSpPr>
+          <p:spPr>
+            <a:xfrm>
+              <a:off x="1794933" y="4546602"/>
+              <a:ext cx="3987801" cy="355600"/>
+            </a:xfrm>
+            <a:prstGeom prst="homePlate">
+              <a:avLst/>
+            </a:prstGeom>
+            <a:solidFill>
+              <a:schemeClr val="accent5">
+                <a:lumMod val="20000"/>
+                <a:lumOff val="80000"/>
+              </a:schemeClr>
+            </a:solidFill>
+          </p:spPr>
+          <p:style>
+            <a:lnRef idx="2">
+              <a:schemeClr val="accent1">
+                <a:shade val="15000"/>
+              </a:schemeClr>
+            </a:lnRef>
+            <a:fillRef idx="1">
+              <a:schemeClr val="accent1"/>
+            </a:fillRef>
+            <a:effectRef idx="0">
+              <a:schemeClr val="accent1"/>
+            </a:effectRef>
+            <a:fontRef idx="minor">
+              <a:schemeClr val="lt1"/>
+            </a:fontRef>
+          </p:style>
+          <p:txBody>
+            <a:bodyPr rtlCol="0" anchor="ctr"/>
+            <a:lstStyle/>
+            <a:p>
+              <a:pPr marL="201168" marR="0" lvl="1" defTabSz="914400" rtl="0" eaLnBrk="1" fontAlgn="auto" latinLnBrk="0" hangingPunct="1">
+                <a:lnSpc>
+                  <a:spcPct val="90000"/>
+                </a:lnSpc>
+                <a:spcBef>
+                  <a:spcPts val="200"/>
+                </a:spcBef>
+                <a:spcAft>
+                  <a:spcPts val="400"/>
+                </a:spcAft>
+                <a:buClr>
+                  <a:srgbClr val="E48312"/>
+                </a:buClr>
+                <a:buSzTx/>
+                <a:tabLst/>
+                <a:defRPr/>
+              </a:pPr>
+              <a:r>
+                <a:rPr kumimoji="0" lang="en-US" sz="1800" b="0" i="0" u="none" strike="noStrike" kern="1200" cap="none" spc="0" normalizeH="0" baseline="0" noProof="0" dirty="0">
+                  <a:ln>
+                    <a:noFill/>
+                  </a:ln>
+                  <a:solidFill>
+                    <a:srgbClr val="000000">
+                      <a:lumMod val="75000"/>
+                      <a:lumOff val="25000"/>
+                    </a:srgbClr>
+                  </a:solidFill>
+                  <a:effectLst/>
+                  <a:uLnTx/>
+                  <a:uFillTx/>
+                  <a:latin typeface="SF Compact Text" panose="02000000000000000000" pitchFamily="50" charset="0"/>
+                  <a:ea typeface="+mn-ea"/>
+                  <a:cs typeface="+mn-cs"/>
+                </a:rPr>
+                <a:t>Who am I?</a:t>
+              </a:r>
+            </a:p>
+          </p:txBody>
+        </p:sp>
+        <p:sp>
+          <p:nvSpPr>
+            <p:cNvPr id="12" name="Arrow: Pentagon 11">
+              <a:extLst>
+                <a:ext uri="{FF2B5EF4-FFF2-40B4-BE49-F238E27FC236}">
+                  <a16:creationId xmlns:a16="http://schemas.microsoft.com/office/drawing/2014/main" id="{AFF001AB-A04B-41FC-789E-44E62EB7B10D}"/>
+                </a:ext>
+              </a:extLst>
+            </p:cNvPr>
+            <p:cNvSpPr/>
+            <p:nvPr/>
+          </p:nvSpPr>
+          <p:spPr>
+            <a:xfrm>
+              <a:off x="1794933" y="5003802"/>
+              <a:ext cx="3987801" cy="355600"/>
+            </a:xfrm>
+            <a:prstGeom prst="homePlate">
+              <a:avLst/>
+            </a:prstGeom>
+            <a:solidFill>
+              <a:schemeClr val="accent5">
+                <a:lumMod val="20000"/>
+                <a:lumOff val="80000"/>
+              </a:schemeClr>
+            </a:solidFill>
+          </p:spPr>
+          <p:style>
+            <a:lnRef idx="2">
+              <a:schemeClr val="accent1">
+                <a:shade val="15000"/>
+              </a:schemeClr>
+            </a:lnRef>
+            <a:fillRef idx="1">
+              <a:schemeClr val="accent1"/>
+            </a:fillRef>
+            <a:effectRef idx="0">
+              <a:schemeClr val="accent1"/>
+            </a:effectRef>
+            <a:fontRef idx="minor">
+              <a:schemeClr val="lt1"/>
+            </a:fontRef>
+          </p:style>
+          <p:txBody>
+            <a:bodyPr rtlCol="0" anchor="ctr"/>
+            <a:lstStyle/>
+            <a:p>
+              <a:pPr marL="201168" marR="0" lvl="1" defTabSz="914400" rtl="0" eaLnBrk="1" fontAlgn="auto" latinLnBrk="0" hangingPunct="1">
+                <a:lnSpc>
+                  <a:spcPct val="90000"/>
+                </a:lnSpc>
+                <a:spcBef>
+                  <a:spcPts val="200"/>
+                </a:spcBef>
+                <a:spcAft>
+                  <a:spcPts val="400"/>
+                </a:spcAft>
+                <a:buClr>
+                  <a:srgbClr val="E48312"/>
+                </a:buClr>
+                <a:buSzTx/>
+                <a:tabLst/>
+                <a:defRPr/>
+              </a:pPr>
+              <a:r>
+                <a:rPr kumimoji="0" lang="en-US" sz="1800" b="0" i="0" u="none" strike="noStrike" kern="1200" cap="none" spc="0" normalizeH="0" baseline="0" noProof="0" dirty="0">
+                  <a:ln>
+                    <a:noFill/>
+                  </a:ln>
+                  <a:solidFill>
+                    <a:srgbClr val="000000">
+                      <a:lumMod val="75000"/>
+                      <a:lumOff val="25000"/>
+                    </a:srgbClr>
+                  </a:solidFill>
+                  <a:effectLst/>
+                  <a:uLnTx/>
+                  <a:uFillTx/>
+                  <a:latin typeface="SF Compact Text" panose="02000000000000000000" pitchFamily="50" charset="0"/>
+                  <a:ea typeface="+mn-ea"/>
+                  <a:cs typeface="+mn-cs"/>
+                </a:rPr>
+                <a:t>What should I do?</a:t>
+              </a:r>
+            </a:p>
+          </p:txBody>
+        </p:sp>
+        <p:sp>
+          <p:nvSpPr>
+            <p:cNvPr id="13" name="Arrow: Pentagon 12">
+              <a:extLst>
+                <a:ext uri="{FF2B5EF4-FFF2-40B4-BE49-F238E27FC236}">
+                  <a16:creationId xmlns:a16="http://schemas.microsoft.com/office/drawing/2014/main" id="{EA459E9A-844D-3A41-7670-ECD8270DE58F}"/>
+                </a:ext>
+              </a:extLst>
+            </p:cNvPr>
+            <p:cNvSpPr/>
+            <p:nvPr/>
+          </p:nvSpPr>
+          <p:spPr>
+            <a:xfrm>
+              <a:off x="1794933" y="5461002"/>
+              <a:ext cx="3987801" cy="355600"/>
+            </a:xfrm>
+            <a:prstGeom prst="homePlate">
+              <a:avLst/>
+            </a:prstGeom>
+            <a:solidFill>
+              <a:schemeClr val="accent5">
+                <a:lumMod val="20000"/>
+                <a:lumOff val="80000"/>
+              </a:schemeClr>
+            </a:solidFill>
+          </p:spPr>
+          <p:style>
+            <a:lnRef idx="2">
+              <a:schemeClr val="accent1">
+                <a:shade val="15000"/>
+              </a:schemeClr>
+            </a:lnRef>
+            <a:fillRef idx="1">
+              <a:schemeClr val="accent1"/>
+            </a:fillRef>
+            <a:effectRef idx="0">
+              <a:schemeClr val="accent1"/>
+            </a:effectRef>
+            <a:fontRef idx="minor">
+              <a:schemeClr val="lt1"/>
+            </a:fontRef>
+          </p:style>
+          <p:txBody>
+            <a:bodyPr rtlCol="0" anchor="ctr"/>
+            <a:lstStyle/>
+            <a:p>
+              <a:pPr marL="201168" marR="0" lvl="1" defTabSz="914400" rtl="0" eaLnBrk="1" fontAlgn="auto" latinLnBrk="0" hangingPunct="1">
+                <a:lnSpc>
+                  <a:spcPct val="90000"/>
+                </a:lnSpc>
+                <a:spcBef>
+                  <a:spcPts val="200"/>
+                </a:spcBef>
+                <a:spcAft>
+                  <a:spcPts val="400"/>
+                </a:spcAft>
+                <a:buClr>
+                  <a:srgbClr val="E48312"/>
+                </a:buClr>
+                <a:buSzTx/>
+                <a:tabLst/>
+                <a:defRPr/>
+              </a:pPr>
+              <a:r>
+                <a:rPr kumimoji="0" lang="en-US" sz="1800" b="0" i="0" u="none" strike="noStrike" kern="1200" cap="none" spc="0" normalizeH="0" baseline="0" noProof="0" dirty="0" err="1">
+                  <a:ln>
+                    <a:noFill/>
+                  </a:ln>
+                  <a:solidFill>
+                    <a:srgbClr val="000000">
+                      <a:lumMod val="75000"/>
+                      <a:lumOff val="25000"/>
+                    </a:srgbClr>
+                  </a:solidFill>
+                  <a:effectLst/>
+                  <a:uLnTx/>
+                  <a:uFillTx/>
+                  <a:latin typeface="SF Compact Text" panose="02000000000000000000" pitchFamily="50" charset="0"/>
+                  <a:ea typeface="+mn-ea"/>
+                  <a:cs typeface="+mn-cs"/>
+                </a:rPr>
+                <a:t>Prac</a:t>
+              </a:r>
+              <a:r>
+                <a:rPr lang="en-US" dirty="0">
+                  <a:solidFill>
+                    <a:srgbClr val="000000">
+                      <a:lumMod val="75000"/>
+                      <a:lumOff val="25000"/>
+                    </a:srgbClr>
+                  </a:solidFill>
+                  <a:latin typeface="SF Compact Text" panose="02000000000000000000" pitchFamily="50" charset="0"/>
+                </a:rPr>
+                <a:t>tice Time</a:t>
+              </a:r>
+              <a:endParaRPr kumimoji="0" lang="en-US" sz="1800" b="0" i="0" u="none" strike="noStrike" kern="1200" cap="none" spc="0" normalizeH="0" baseline="0" noProof="0" dirty="0">
+                <a:ln>
+                  <a:noFill/>
+                </a:ln>
+                <a:solidFill>
+                  <a:srgbClr val="000000">
+                    <a:lumMod val="75000"/>
+                    <a:lumOff val="25000"/>
+                  </a:srgbClr>
+                </a:solidFill>
+                <a:effectLst/>
+                <a:uLnTx/>
+                <a:uFillTx/>
                 <a:latin typeface="SF Compact Text" panose="02000000000000000000" pitchFamily="50" charset="0"/>
-              </a:rPr>
-              <a:t>Worship</a:t>
-            </a:r>
-          </a:p>
-          <a:p>
-            <a:pPr lvl="1">
-              <a:buFont typeface="Arial" panose="020B0604020202020204" pitchFamily="34" charset="0"/>
-              <a:buChar char="•"/>
-            </a:pPr>
-            <a:r>
-              <a:rPr lang="en-US" dirty="0">
-                <a:latin typeface="SF Compact Text" panose="02000000000000000000" pitchFamily="50" charset="0"/>
-              </a:rPr>
-              <a:t>The fact of worship nowadays</a:t>
-            </a:r>
-          </a:p>
-          <a:p>
-            <a:pPr lvl="1">
-              <a:buFont typeface="Arial" panose="020B0604020202020204" pitchFamily="34" charset="0"/>
-              <a:buChar char="•"/>
-            </a:pPr>
-            <a:r>
-              <a:rPr lang="en-US" dirty="0">
-                <a:latin typeface="SF Compact Text" panose="02000000000000000000" pitchFamily="50" charset="0"/>
-              </a:rPr>
-              <a:t>Understanding about worship</a:t>
-            </a:r>
-          </a:p>
-          <a:p>
-            <a:pPr lvl="1">
-              <a:buFont typeface="Arial" panose="020B0604020202020204" pitchFamily="34" charset="0"/>
-              <a:buChar char="•"/>
-            </a:pPr>
-            <a:endParaRPr lang="en-US" dirty="0">
-              <a:latin typeface="SF Compact Text" panose="02000000000000000000" pitchFamily="50" charset="0"/>
-            </a:endParaRPr>
-          </a:p>
-        </p:txBody>
-      </p:sp>
+                <a:ea typeface="+mn-ea"/>
+                <a:cs typeface="+mn-cs"/>
+              </a:endParaRPr>
+            </a:p>
+          </p:txBody>
+        </p:sp>
+      </p:grpSp>
+      <p:pic>
+        <p:nvPicPr>
+          <p:cNvPr id="1026" name="Picture 2" descr="10 Things Yahweh Means That Many People Don't Know">
+            <a:extLst>
+              <a:ext uri="{FF2B5EF4-FFF2-40B4-BE49-F238E27FC236}">
+                <a16:creationId xmlns:a16="http://schemas.microsoft.com/office/drawing/2014/main" id="{1C2AABDB-7D6C-46E3-4783-8B280FF335D3}"/>
+              </a:ext>
+            </a:extLst>
+          </p:cNvPr>
+          <p:cNvPicPr>
+            <a:picLocks noChangeAspect="1" noChangeArrowheads="1"/>
+          </p:cNvPicPr>
+          <p:nvPr/>
+        </p:nvPicPr>
+        <p:blipFill rotWithShape="1">
+          <a:blip r:embed="rId2">
+            <a:extLst>
+              <a:ext uri="{28A0092B-C50C-407E-A947-70E740481C1C}">
+                <a14:useLocalDpi xmlns:a14="http://schemas.microsoft.com/office/drawing/2010/main" val="0"/>
+              </a:ext>
+            </a:extLst>
+          </a:blip>
+          <a:srcRect l="890" r="1280"/>
+          <a:stretch/>
+        </p:blipFill>
+        <p:spPr bwMode="auto">
+          <a:xfrm>
+            <a:off x="1097280" y="3457782"/>
+            <a:ext cx="4503404" cy="2590202"/>
+          </a:xfrm>
+          <a:prstGeom prst="rect">
+            <a:avLst/>
+          </a:prstGeom>
+          <a:noFill/>
+          <a:extLst>
+            <a:ext uri="{909E8E84-426E-40DD-AFC4-6F175D3DCCD1}">
+              <a14:hiddenFill xmlns:a14="http://schemas.microsoft.com/office/drawing/2010/main">
+                <a:solidFill>
+                  <a:srgbClr val="FFFFFF"/>
+                </a:solidFill>
+              </a14:hiddenFill>
+            </a:ext>
+          </a:extLst>
+        </p:spPr>
+      </p:pic>
+      <p:pic>
+        <p:nvPicPr>
+          <p:cNvPr id="1028" name="Picture 4" descr="Christ Has Died, Christ Is Risen, Christ Will Come Again! | Trinity  Lutheran Church -- Algona, Iowa">
+            <a:extLst>
+              <a:ext uri="{FF2B5EF4-FFF2-40B4-BE49-F238E27FC236}">
+                <a16:creationId xmlns:a16="http://schemas.microsoft.com/office/drawing/2014/main" id="{EA175EBD-64C7-1A92-159E-121D01B2BEEE}"/>
+              </a:ext>
+            </a:extLst>
+          </p:cNvPr>
+          <p:cNvPicPr>
+            <a:picLocks noChangeAspect="1" noChangeArrowheads="1"/>
+          </p:cNvPicPr>
+          <p:nvPr/>
+        </p:nvPicPr>
+        <p:blipFill>
+          <a:blip r:embed="rId3">
+            <a:extLst>
+              <a:ext uri="{28A0092B-C50C-407E-A947-70E740481C1C}">
+                <a14:useLocalDpi xmlns:a14="http://schemas.microsoft.com/office/drawing/2010/main" val="0"/>
+              </a:ext>
+            </a:extLst>
+          </a:blip>
+          <a:srcRect/>
+          <a:stretch>
+            <a:fillRect/>
+          </a:stretch>
+        </p:blipFill>
+        <p:spPr bwMode="auto">
+          <a:xfrm>
+            <a:off x="6126480" y="593868"/>
+            <a:ext cx="5598448" cy="2985838"/>
+          </a:xfrm>
+          <a:prstGeom prst="rect">
+            <a:avLst/>
+          </a:prstGeom>
+          <a:noFill/>
+          <a:extLst>
+            <a:ext uri="{909E8E84-426E-40DD-AFC4-6F175D3DCCD1}">
+              <a14:hiddenFill xmlns:a14="http://schemas.microsoft.com/office/drawing/2010/main">
+                <a:solidFill>
+                  <a:srgbClr val="FFFFFF"/>
+                </a:solidFill>
+              </a14:hiddenFill>
+            </a:ext>
+          </a:extLst>
+        </p:spPr>
+      </p:pic>
     </p:spTree>
     <p:extLst>
       <p:ext uri="{BB962C8B-B14F-4D97-AF65-F5344CB8AC3E}">
@@ -4049,16 +4728,25 @@
             <p:ph type="title"/>
           </p:nvPr>
         </p:nvSpPr>
-        <p:spPr/>
+        <p:spPr>
+          <a:xfrm>
+            <a:off x="1097280" y="956733"/>
+            <a:ext cx="10058400" cy="780627"/>
+          </a:xfrm>
+        </p:spPr>
         <p:txBody>
           <a:bodyPr/>
           <a:lstStyle/>
           <a:p>
             <a:r>
-              <a:rPr lang="en-US" dirty="0"/>
+              <a:rPr lang="en-US" dirty="0">
+                <a:latin typeface="SF Compact Display" panose="02000000000000000000" pitchFamily="50" charset="0"/>
+              </a:rPr>
               <a:t>The fact of the Church nowadays</a:t>
             </a:r>
-            <a:endParaRPr lang="vi-VN" dirty="0"/>
+            <a:endParaRPr lang="vi-VN" dirty="0">
+              <a:latin typeface="SF Compact Display" panose="02000000000000000000" pitchFamily="50" charset="0"/>
+            </a:endParaRPr>
           </a:p>
         </p:txBody>
       </p:sp>
@@ -4077,7 +4765,7 @@
         <p:spPr>
           <a:xfrm>
             <a:off x="1097280" y="1826736"/>
-            <a:ext cx="10058400" cy="2677656"/>
+            <a:ext cx="10058400" cy="3895810"/>
           </a:xfrm>
           <a:prstGeom prst="rect">
             <a:avLst/>
@@ -4090,7 +4778,11 @@
           </a:bodyPr>
           <a:lstStyle/>
           <a:p>
-            <a:pPr algn="just"/>
+            <a:pPr algn="just">
+              <a:lnSpc>
+                <a:spcPct val="150000"/>
+              </a:lnSpc>
+            </a:pPr>
             <a:r>
               <a:rPr lang="en-US" sz="2800" i="0" dirty="0">
                 <a:solidFill>
@@ -4108,6 +4800,11 @@
             </a:endParaRPr>
           </a:p>
           <a:p>
+            <a:pPr>
+              <a:lnSpc>
+                <a:spcPct val="150000"/>
+              </a:lnSpc>
+            </a:pPr>
             <a:r>
               <a:rPr lang="en-US" sz="2800" dirty="0">
                 <a:latin typeface="SF Mono Heavy" panose="02000000000000000000" pitchFamily="50" charset="0"/>
@@ -4118,6 +4815,114 @@
             <a:endParaRPr lang="vi-VN" sz="2800" dirty="0">
               <a:latin typeface="SF Mono Heavy" panose="02000000000000000000" pitchFamily="50" charset="0"/>
               <a:cs typeface="SF Mono Heavy" panose="02000000000000000000" pitchFamily="50" charset="0"/>
+            </a:endParaRPr>
+          </a:p>
+        </p:txBody>
+      </p:sp>
+      <p:sp>
+        <p:nvSpPr>
+          <p:cNvPr id="3" name="Rectangle 2">
+            <a:extLst>
+              <a:ext uri="{FF2B5EF4-FFF2-40B4-BE49-F238E27FC236}">
+                <a16:creationId xmlns:a16="http://schemas.microsoft.com/office/drawing/2014/main" id="{ACD3F802-E698-A02D-B86A-FFAA681B311F}"/>
+              </a:ext>
+            </a:extLst>
+          </p:cNvPr>
+          <p:cNvSpPr/>
+          <p:nvPr/>
+        </p:nvSpPr>
+        <p:spPr>
+          <a:xfrm>
+            <a:off x="321733" y="867357"/>
+            <a:ext cx="11667067" cy="79958"/>
+          </a:xfrm>
+          <a:prstGeom prst="rect">
+            <a:avLst/>
+          </a:prstGeom>
+        </p:spPr>
+        <p:style>
+          <a:lnRef idx="2">
+            <a:schemeClr val="accent1">
+              <a:shade val="15000"/>
+            </a:schemeClr>
+          </a:lnRef>
+          <a:fillRef idx="1">
+            <a:schemeClr val="accent1"/>
+          </a:fillRef>
+          <a:effectRef idx="0">
+            <a:schemeClr val="accent1"/>
+          </a:effectRef>
+          <a:fontRef idx="minor">
+            <a:schemeClr val="lt1"/>
+          </a:fontRef>
+        </p:style>
+        <p:txBody>
+          <a:bodyPr rtlCol="0" anchor="ctr"/>
+          <a:lstStyle/>
+          <a:p>
+            <a:pPr algn="ctr"/>
+            <a:endParaRPr lang="vi-VN"/>
+          </a:p>
+        </p:txBody>
+      </p:sp>
+      <p:sp>
+        <p:nvSpPr>
+          <p:cNvPr id="4" name="Title 1">
+            <a:extLst>
+              <a:ext uri="{FF2B5EF4-FFF2-40B4-BE49-F238E27FC236}">
+                <a16:creationId xmlns:a16="http://schemas.microsoft.com/office/drawing/2014/main" id="{CA898552-904F-FBAC-AADE-58BB375A8B18}"/>
+              </a:ext>
+            </a:extLst>
+          </p:cNvPr>
+          <p:cNvSpPr txBox="1">
+            <a:spLocks/>
+          </p:cNvSpPr>
+          <p:nvPr/>
+        </p:nvSpPr>
+        <p:spPr>
+          <a:xfrm>
+            <a:off x="321733" y="86730"/>
+            <a:ext cx="10058400" cy="780627"/>
+          </a:xfrm>
+          <a:prstGeom prst="rect">
+            <a:avLst/>
+          </a:prstGeom>
+        </p:spPr>
+        <p:txBody>
+          <a:bodyPr vert="horz" lIns="91440" tIns="45720" rIns="91440" bIns="45720" rtlCol="0" anchor="b">
+            <a:normAutofit/>
+          </a:bodyPr>
+          <a:lstStyle>
+            <a:lvl1pPr marL="0" algn="l" defTabSz="914400" rtl="0" eaLnBrk="1" latinLnBrk="0" hangingPunct="1">
+              <a:lnSpc>
+                <a:spcPct val="85000"/>
+              </a:lnSpc>
+              <a:spcBef>
+                <a:spcPct val="0"/>
+              </a:spcBef>
+              <a:buNone/>
+              <a:defRPr sz="4800" kern="1200" spc="-50" baseline="0">
+                <a:solidFill>
+                  <a:schemeClr val="tx1">
+                    <a:lumMod val="75000"/>
+                    <a:lumOff val="25000"/>
+                  </a:schemeClr>
+                </a:solidFill>
+                <a:latin typeface="+mj-lt"/>
+                <a:ea typeface="+mj-ea"/>
+                <a:cs typeface="+mj-cs"/>
+              </a:defRPr>
+            </a:lvl1pPr>
+          </a:lstStyle>
+          <a:p>
+            <a:r>
+              <a:rPr lang="en-US" b="1" dirty="0">
+                <a:latin typeface="SF Compact Display" panose="02000000000000000000" pitchFamily="50" charset="0"/>
+              </a:rPr>
+              <a:t>Worship</a:t>
+            </a:r>
+            <a:endParaRPr lang="vi-VN" b="1" dirty="0">
+              <a:latin typeface="SF Compact Display" panose="02000000000000000000" pitchFamily="50" charset="0"/>
             </a:endParaRPr>
           </a:p>
         </p:txBody>

--- a/Worship_Ref.pptx
+++ b/Worship_Ref.pptx
@@ -8,6 +8,18 @@
     <p:sldId id="256" r:id="rId2"/>
     <p:sldId id="259" r:id="rId3"/>
     <p:sldId id="257" r:id="rId4"/>
+    <p:sldId id="263" r:id="rId5"/>
+    <p:sldId id="260" r:id="rId6"/>
+    <p:sldId id="268" r:id="rId7"/>
+    <p:sldId id="261" r:id="rId8"/>
+    <p:sldId id="267" r:id="rId9"/>
+    <p:sldId id="262" r:id="rId10"/>
+    <p:sldId id="271" r:id="rId11"/>
+    <p:sldId id="270" r:id="rId12"/>
+    <p:sldId id="264" r:id="rId13"/>
+    <p:sldId id="266" r:id="rId14"/>
+    <p:sldId id="272" r:id="rId15"/>
+    <p:sldId id="269" r:id="rId16"/>
   </p:sldIdLst>
   <p:sldSz cx="12192000" cy="6858000"/>
   <p:notesSz cx="6858000" cy="9144000"/>
@@ -340,7 +352,7 @@
           <a:p>
             <a:fld id="{E88F6602-6C17-4B44-91DB-BAA29CC744E9}" type="datetimeFigureOut">
               <a:rPr lang="vi-VN" smtClean="0"/>
-              <a:t>18/11/2024</a:t>
+              <a:t>20/11/2024</a:t>
             </a:fld>
             <a:endParaRPr lang="vi-VN"/>
           </a:p>
@@ -548,7 +560,7 @@
           <a:p>
             <a:fld id="{E88F6602-6C17-4B44-91DB-BAA29CC744E9}" type="datetimeFigureOut">
               <a:rPr lang="vi-VN" smtClean="0"/>
-              <a:t>18/11/2024</a:t>
+              <a:t>20/11/2024</a:t>
             </a:fld>
             <a:endParaRPr lang="vi-VN"/>
           </a:p>
@@ -804,7 +816,7 @@
           <a:p>
             <a:fld id="{E88F6602-6C17-4B44-91DB-BAA29CC744E9}" type="datetimeFigureOut">
               <a:rPr lang="vi-VN" smtClean="0"/>
-              <a:t>18/11/2024</a:t>
+              <a:t>20/11/2024</a:t>
             </a:fld>
             <a:endParaRPr lang="vi-VN"/>
           </a:p>
@@ -978,7 +990,7 @@
           <a:p>
             <a:fld id="{E88F6602-6C17-4B44-91DB-BAA29CC744E9}" type="datetimeFigureOut">
               <a:rPr lang="vi-VN" smtClean="0"/>
-              <a:t>18/11/2024</a:t>
+              <a:t>20/11/2024</a:t>
             </a:fld>
             <a:endParaRPr lang="vi-VN"/>
           </a:p>
@@ -1321,7 +1333,7 @@
           <a:p>
             <a:fld id="{E88F6602-6C17-4B44-91DB-BAA29CC744E9}" type="datetimeFigureOut">
               <a:rPr lang="vi-VN" smtClean="0"/>
-              <a:t>18/11/2024</a:t>
+              <a:t>20/11/2024</a:t>
             </a:fld>
             <a:endParaRPr lang="vi-VN"/>
           </a:p>
@@ -1596,7 +1608,7 @@
           <a:p>
             <a:fld id="{E88F6602-6C17-4B44-91DB-BAA29CC744E9}" type="datetimeFigureOut">
               <a:rPr lang="vi-VN" smtClean="0"/>
-              <a:t>18/11/2024</a:t>
+              <a:t>20/11/2024</a:t>
             </a:fld>
             <a:endParaRPr lang="vi-VN"/>
           </a:p>
@@ -1975,7 +1987,7 @@
           <a:p>
             <a:fld id="{E88F6602-6C17-4B44-91DB-BAA29CC744E9}" type="datetimeFigureOut">
               <a:rPr lang="vi-VN" smtClean="0"/>
-              <a:t>18/11/2024</a:t>
+              <a:t>20/11/2024</a:t>
             </a:fld>
             <a:endParaRPr lang="vi-VN"/>
           </a:p>
@@ -2093,7 +2105,7 @@
           <a:p>
             <a:fld id="{E88F6602-6C17-4B44-91DB-BAA29CC744E9}" type="datetimeFigureOut">
               <a:rPr lang="vi-VN" smtClean="0"/>
-              <a:t>18/11/2024</a:t>
+              <a:t>20/11/2024</a:t>
             </a:fld>
             <a:endParaRPr lang="vi-VN"/>
           </a:p>
@@ -2264,7 +2276,7 @@
           <a:p>
             <a:fld id="{E88F6602-6C17-4B44-91DB-BAA29CC744E9}" type="datetimeFigureOut">
               <a:rPr lang="vi-VN" smtClean="0"/>
-              <a:t>18/11/2024</a:t>
+              <a:t>20/11/2024</a:t>
             </a:fld>
             <a:endParaRPr lang="vi-VN"/>
           </a:p>
@@ -2618,7 +2630,7 @@
           <a:p>
             <a:fld id="{E88F6602-6C17-4B44-91DB-BAA29CC744E9}" type="datetimeFigureOut">
               <a:rPr lang="vi-VN" smtClean="0"/>
-              <a:t>18/11/2024</a:t>
+              <a:t>20/11/2024</a:t>
             </a:fld>
             <a:endParaRPr lang="vi-VN"/>
           </a:p>
@@ -3000,7 +3012,7 @@
           <a:p>
             <a:fld id="{E88F6602-6C17-4B44-91DB-BAA29CC744E9}" type="datetimeFigureOut">
               <a:rPr lang="vi-VN" smtClean="0"/>
-              <a:t>18/11/2024</a:t>
+              <a:t>20/11/2024</a:t>
             </a:fld>
             <a:endParaRPr lang="vi-VN"/>
           </a:p>
@@ -3287,7 +3299,7 @@
           <a:p>
             <a:fld id="{E88F6602-6C17-4B44-91DB-BAA29CC744E9}" type="datetimeFigureOut">
               <a:rPr lang="vi-VN" smtClean="0"/>
-              <a:t>18/11/2024</a:t>
+              <a:t>20/11/2024</a:t>
             </a:fld>
             <a:endParaRPr lang="vi-VN"/>
           </a:p>
@@ -3830,17 +3842,17 @@
         <p:spPr/>
         <p:txBody>
           <a:bodyPr>
-            <a:normAutofit/>
+            <a:noAutofit/>
           </a:bodyPr>
           <a:lstStyle/>
           <a:p>
             <a:r>
-              <a:rPr lang="en-US" sz="19900" b="1" dirty="0">
+              <a:rPr lang="en-US" sz="12400" b="1" dirty="0">
                 <a:latin typeface="Berlin Sans FB Demi" panose="020E0802020502020306" pitchFamily="34" charset="0"/>
               </a:rPr>
-              <a:t>Worship</a:t>
-            </a:r>
-            <a:endParaRPr lang="vi-VN" sz="19900" b="1" dirty="0"/>
+              <a:t>To be Worshiper</a:t>
+            </a:r>
+            <a:endParaRPr lang="vi-VN" sz="12400" b="1" dirty="0"/>
           </a:p>
         </p:txBody>
       </p:sp>
@@ -3883,6 +3895,1692 @@
     <p:extLst>
       <p:ext uri="{BB962C8B-B14F-4D97-AF65-F5344CB8AC3E}">
         <p14:creationId xmlns:p14="http://schemas.microsoft.com/office/powerpoint/2010/main" val="2637248505"/>
+      </p:ext>
+    </p:extLst>
+  </p:cSld>
+  <p:clrMapOvr>
+    <a:masterClrMapping/>
+  </p:clrMapOvr>
+</p:sld>
+</file>
+
+<file path=ppt/slides/slide10.xml><?xml version="1.0" encoding="utf-8"?>
+<p:sld xmlns:a="http://schemas.openxmlformats.org/drawingml/2006/main" xmlns:r="http://schemas.openxmlformats.org/officeDocument/2006/relationships" xmlns:p="http://schemas.openxmlformats.org/presentationml/2006/main">
+  <p:cSld>
+    <p:spTree>
+      <p:nvGrpSpPr>
+        <p:cNvPr id="1" name=""/>
+        <p:cNvGrpSpPr/>
+        <p:nvPr/>
+      </p:nvGrpSpPr>
+      <p:grpSpPr>
+        <a:xfrm>
+          <a:off x="0" y="0"/>
+          <a:ext cx="0" cy="0"/>
+          <a:chOff x="0" y="0"/>
+          <a:chExt cx="0" cy="0"/>
+        </a:xfrm>
+      </p:grpSpPr>
+      <p:sp>
+        <p:nvSpPr>
+          <p:cNvPr id="2" name="Title 1">
+            <a:extLst>
+              <a:ext uri="{FF2B5EF4-FFF2-40B4-BE49-F238E27FC236}">
+                <a16:creationId xmlns:a16="http://schemas.microsoft.com/office/drawing/2014/main" id="{589F7C0B-8BA5-3BD7-4A2C-FA4BBC3B74B5}"/>
+              </a:ext>
+            </a:extLst>
+          </p:cNvPr>
+          <p:cNvSpPr>
+            <a:spLocks noGrp="1"/>
+          </p:cNvSpPr>
+          <p:nvPr>
+            <p:ph type="title"/>
+          </p:nvPr>
+        </p:nvSpPr>
+        <p:spPr>
+          <a:xfrm>
+            <a:off x="1097280" y="956733"/>
+            <a:ext cx="10058400" cy="780627"/>
+          </a:xfrm>
+        </p:spPr>
+        <p:txBody>
+          <a:bodyPr>
+            <a:normAutofit/>
+          </a:bodyPr>
+          <a:lstStyle/>
+          <a:p>
+            <a:r>
+              <a:rPr lang="en-US" sz="3600" dirty="0">
+                <a:latin typeface="SF Compact Display" panose="02000000000000000000" pitchFamily="50" charset="0"/>
+              </a:rPr>
+              <a:t>The action of worship</a:t>
+            </a:r>
+            <a:endParaRPr lang="vi-VN" sz="3600" dirty="0">
+              <a:latin typeface="SF Compact Display" panose="02000000000000000000" pitchFamily="50" charset="0"/>
+            </a:endParaRPr>
+          </a:p>
+        </p:txBody>
+      </p:sp>
+      <p:sp>
+        <p:nvSpPr>
+          <p:cNvPr id="7" name="TextBox 6">
+            <a:extLst>
+              <a:ext uri="{FF2B5EF4-FFF2-40B4-BE49-F238E27FC236}">
+                <a16:creationId xmlns:a16="http://schemas.microsoft.com/office/drawing/2014/main" id="{66D361DF-4053-70F3-3A59-1858DCB0B4A2}"/>
+              </a:ext>
+            </a:extLst>
+          </p:cNvPr>
+          <p:cNvSpPr txBox="1"/>
+          <p:nvPr/>
+        </p:nvSpPr>
+        <p:spPr>
+          <a:xfrm>
+            <a:off x="1097280" y="1826736"/>
+            <a:ext cx="10058400" cy="2244461"/>
+          </a:xfrm>
+          <a:prstGeom prst="rect">
+            <a:avLst/>
+          </a:prstGeom>
+          <a:noFill/>
+        </p:spPr>
+        <p:txBody>
+          <a:bodyPr wrap="square">
+            <a:spAutoFit/>
+          </a:bodyPr>
+          <a:lstStyle/>
+          <a:p>
+            <a:pPr algn="just">
+              <a:lnSpc>
+                <a:spcPct val="150000"/>
+              </a:lnSpc>
+            </a:pPr>
+            <a:r>
+              <a:rPr lang="en-US" sz="2400" b="1" dirty="0">
+                <a:solidFill>
+                  <a:srgbClr val="000000"/>
+                </a:solidFill>
+                <a:latin typeface="SF Compact Text" panose="02000000000000000000" pitchFamily="50" charset="0"/>
+                <a:cs typeface="SF Mono Heavy" panose="02000000000000000000" pitchFamily="50" charset="0"/>
+              </a:rPr>
+              <a:t>The nature of the LORD</a:t>
+            </a:r>
+            <a:r>
+              <a:rPr lang="en-US" sz="2400" dirty="0">
+                <a:solidFill>
+                  <a:srgbClr val="000000"/>
+                </a:solidFill>
+                <a:latin typeface="SF Compact Text" panose="02000000000000000000" pitchFamily="50" charset="0"/>
+                <a:cs typeface="SF Mono Heavy" panose="02000000000000000000" pitchFamily="50" charset="0"/>
+              </a:rPr>
+              <a:t>:</a:t>
+            </a:r>
+          </a:p>
+          <a:p>
+            <a:pPr algn="just">
+              <a:lnSpc>
+                <a:spcPct val="150000"/>
+              </a:lnSpc>
+            </a:pPr>
+            <a:r>
+              <a:rPr lang="en-US" sz="2400" dirty="0">
+                <a:latin typeface="SF Compact Text" panose="02000000000000000000" pitchFamily="50" charset="0"/>
+                <a:cs typeface="SF Mono Heavy" panose="02000000000000000000" pitchFamily="50" charset="0"/>
+              </a:rPr>
+              <a:t>“I will extol the LORD at all times; his praise will always be on my lips.” </a:t>
+            </a:r>
+          </a:p>
+          <a:p>
+            <a:pPr algn="just">
+              <a:lnSpc>
+                <a:spcPct val="150000"/>
+              </a:lnSpc>
+            </a:pPr>
+            <a:r>
+              <a:rPr lang="en-US" sz="2400" i="1" dirty="0">
+                <a:latin typeface="SF Compact Text" panose="02000000000000000000" pitchFamily="50" charset="0"/>
+                <a:cs typeface="SF Mono Heavy" panose="02000000000000000000" pitchFamily="50" charset="0"/>
+              </a:rPr>
+              <a:t>- Psalm 34:1</a:t>
+            </a:r>
+          </a:p>
+          <a:p>
+            <a:pPr algn="just">
+              <a:lnSpc>
+                <a:spcPct val="150000"/>
+              </a:lnSpc>
+            </a:pPr>
+            <a:endParaRPr lang="vi-VN" sz="2400" dirty="0">
+              <a:latin typeface="SF Compact Text" panose="02000000000000000000" pitchFamily="50" charset="0"/>
+              <a:cs typeface="SF Mono Heavy" panose="02000000000000000000" pitchFamily="50" charset="0"/>
+            </a:endParaRPr>
+          </a:p>
+        </p:txBody>
+      </p:sp>
+      <p:sp>
+        <p:nvSpPr>
+          <p:cNvPr id="4" name="Title 1">
+            <a:extLst>
+              <a:ext uri="{FF2B5EF4-FFF2-40B4-BE49-F238E27FC236}">
+                <a16:creationId xmlns:a16="http://schemas.microsoft.com/office/drawing/2014/main" id="{CA898552-904F-FBAC-AADE-58BB375A8B18}"/>
+              </a:ext>
+            </a:extLst>
+          </p:cNvPr>
+          <p:cNvSpPr txBox="1">
+            <a:spLocks/>
+          </p:cNvSpPr>
+          <p:nvPr/>
+        </p:nvSpPr>
+        <p:spPr>
+          <a:xfrm>
+            <a:off x="321733" y="86730"/>
+            <a:ext cx="10058400" cy="780627"/>
+          </a:xfrm>
+          <a:prstGeom prst="rect">
+            <a:avLst/>
+          </a:prstGeom>
+        </p:spPr>
+        <p:txBody>
+          <a:bodyPr vert="horz" lIns="91440" tIns="45720" rIns="91440" bIns="45720" rtlCol="0" anchor="b">
+            <a:normAutofit/>
+          </a:bodyPr>
+          <a:lstStyle>
+            <a:lvl1pPr marL="0" algn="l" defTabSz="914400" rtl="0" eaLnBrk="1" latinLnBrk="0" hangingPunct="1">
+              <a:lnSpc>
+                <a:spcPct val="85000"/>
+              </a:lnSpc>
+              <a:spcBef>
+                <a:spcPct val="0"/>
+              </a:spcBef>
+              <a:buNone/>
+              <a:defRPr sz="4800" kern="1200" spc="-50" baseline="0">
+                <a:solidFill>
+                  <a:schemeClr val="tx1">
+                    <a:lumMod val="75000"/>
+                    <a:lumOff val="25000"/>
+                  </a:schemeClr>
+                </a:solidFill>
+                <a:latin typeface="+mj-lt"/>
+                <a:ea typeface="+mj-ea"/>
+                <a:cs typeface="+mj-cs"/>
+              </a:defRPr>
+            </a:lvl1pPr>
+          </a:lstStyle>
+          <a:p>
+            <a:r>
+              <a:rPr lang="en-US" b="1" dirty="0">
+                <a:latin typeface="SF Compact Display" panose="02000000000000000000" pitchFamily="50" charset="0"/>
+              </a:rPr>
+              <a:t>To be worshiper</a:t>
+            </a:r>
+            <a:endParaRPr lang="vi-VN" b="1" dirty="0">
+              <a:latin typeface="SF Compact Display" panose="02000000000000000000" pitchFamily="50" charset="0"/>
+            </a:endParaRPr>
+          </a:p>
+        </p:txBody>
+      </p:sp>
+      <p:sp>
+        <p:nvSpPr>
+          <p:cNvPr id="5" name="Rectangle 4">
+            <a:extLst>
+              <a:ext uri="{FF2B5EF4-FFF2-40B4-BE49-F238E27FC236}">
+                <a16:creationId xmlns:a16="http://schemas.microsoft.com/office/drawing/2014/main" id="{0AD3A70E-0EB6-00C2-F33F-045C421DA2FA}"/>
+              </a:ext>
+            </a:extLst>
+          </p:cNvPr>
+          <p:cNvSpPr/>
+          <p:nvPr/>
+        </p:nvSpPr>
+        <p:spPr>
+          <a:xfrm>
+            <a:off x="321733" y="825022"/>
+            <a:ext cx="11667067" cy="36000"/>
+          </a:xfrm>
+          <a:prstGeom prst="rect">
+            <a:avLst/>
+          </a:prstGeom>
+          <a:ln w="6350">
+            <a:noFill/>
+          </a:ln>
+        </p:spPr>
+        <p:style>
+          <a:lnRef idx="2">
+            <a:schemeClr val="accent1">
+              <a:shade val="15000"/>
+            </a:schemeClr>
+          </a:lnRef>
+          <a:fillRef idx="1">
+            <a:schemeClr val="accent1"/>
+          </a:fillRef>
+          <a:effectRef idx="0">
+            <a:schemeClr val="accent1"/>
+          </a:effectRef>
+          <a:fontRef idx="minor">
+            <a:schemeClr val="lt1"/>
+          </a:fontRef>
+        </p:style>
+        <p:txBody>
+          <a:bodyPr rtlCol="0" anchor="ctr"/>
+          <a:lstStyle/>
+          <a:p>
+            <a:pPr algn="ctr"/>
+            <a:endParaRPr lang="vi-VN"/>
+          </a:p>
+        </p:txBody>
+      </p:sp>
+    </p:spTree>
+    <p:extLst>
+      <p:ext uri="{BB962C8B-B14F-4D97-AF65-F5344CB8AC3E}">
+        <p14:creationId xmlns:p14="http://schemas.microsoft.com/office/powerpoint/2010/main" val="2606184118"/>
+      </p:ext>
+    </p:extLst>
+  </p:cSld>
+  <p:clrMapOvr>
+    <a:masterClrMapping/>
+  </p:clrMapOvr>
+</p:sld>
+</file>
+
+<file path=ppt/slides/slide11.xml><?xml version="1.0" encoding="utf-8"?>
+<p:sld xmlns:a="http://schemas.openxmlformats.org/drawingml/2006/main" xmlns:r="http://schemas.openxmlformats.org/officeDocument/2006/relationships" xmlns:p="http://schemas.openxmlformats.org/presentationml/2006/main">
+  <p:cSld>
+    <p:spTree>
+      <p:nvGrpSpPr>
+        <p:cNvPr id="1" name=""/>
+        <p:cNvGrpSpPr/>
+        <p:nvPr/>
+      </p:nvGrpSpPr>
+      <p:grpSpPr>
+        <a:xfrm>
+          <a:off x="0" y="0"/>
+          <a:ext cx="0" cy="0"/>
+          <a:chOff x="0" y="0"/>
+          <a:chExt cx="0" cy="0"/>
+        </a:xfrm>
+      </p:grpSpPr>
+      <p:sp>
+        <p:nvSpPr>
+          <p:cNvPr id="2" name="Title 1">
+            <a:extLst>
+              <a:ext uri="{FF2B5EF4-FFF2-40B4-BE49-F238E27FC236}">
+                <a16:creationId xmlns:a16="http://schemas.microsoft.com/office/drawing/2014/main" id="{589F7C0B-8BA5-3BD7-4A2C-FA4BBC3B74B5}"/>
+              </a:ext>
+            </a:extLst>
+          </p:cNvPr>
+          <p:cNvSpPr>
+            <a:spLocks noGrp="1"/>
+          </p:cNvSpPr>
+          <p:nvPr>
+            <p:ph type="title"/>
+          </p:nvPr>
+        </p:nvSpPr>
+        <p:spPr>
+          <a:xfrm>
+            <a:off x="1097280" y="956733"/>
+            <a:ext cx="10058400" cy="780627"/>
+          </a:xfrm>
+        </p:spPr>
+        <p:txBody>
+          <a:bodyPr>
+            <a:normAutofit/>
+          </a:bodyPr>
+          <a:lstStyle/>
+          <a:p>
+            <a:r>
+              <a:rPr lang="en-US" sz="3600" dirty="0">
+                <a:latin typeface="SF Compact Display" panose="02000000000000000000" pitchFamily="50" charset="0"/>
+              </a:rPr>
+              <a:t>Worship with feeling</a:t>
+            </a:r>
+            <a:endParaRPr lang="vi-VN" sz="3600" dirty="0">
+              <a:latin typeface="SF Compact Display" panose="02000000000000000000" pitchFamily="50" charset="0"/>
+            </a:endParaRPr>
+          </a:p>
+        </p:txBody>
+      </p:sp>
+      <p:sp>
+        <p:nvSpPr>
+          <p:cNvPr id="3" name="Rectangle 2">
+            <a:extLst>
+              <a:ext uri="{FF2B5EF4-FFF2-40B4-BE49-F238E27FC236}">
+                <a16:creationId xmlns:a16="http://schemas.microsoft.com/office/drawing/2014/main" id="{ACD3F802-E698-A02D-B86A-FFAA681B311F}"/>
+              </a:ext>
+            </a:extLst>
+          </p:cNvPr>
+          <p:cNvSpPr/>
+          <p:nvPr/>
+        </p:nvSpPr>
+        <p:spPr>
+          <a:xfrm>
+            <a:off x="321733" y="825022"/>
+            <a:ext cx="11667067" cy="36000"/>
+          </a:xfrm>
+          <a:prstGeom prst="rect">
+            <a:avLst/>
+          </a:prstGeom>
+          <a:ln w="6350">
+            <a:noFill/>
+          </a:ln>
+        </p:spPr>
+        <p:style>
+          <a:lnRef idx="2">
+            <a:schemeClr val="accent1">
+              <a:shade val="15000"/>
+            </a:schemeClr>
+          </a:lnRef>
+          <a:fillRef idx="1">
+            <a:schemeClr val="accent1"/>
+          </a:fillRef>
+          <a:effectRef idx="0">
+            <a:schemeClr val="accent1"/>
+          </a:effectRef>
+          <a:fontRef idx="minor">
+            <a:schemeClr val="lt1"/>
+          </a:fontRef>
+        </p:style>
+        <p:txBody>
+          <a:bodyPr rtlCol="0" anchor="ctr"/>
+          <a:lstStyle/>
+          <a:p>
+            <a:pPr algn="ctr"/>
+            <a:endParaRPr lang="vi-VN"/>
+          </a:p>
+        </p:txBody>
+      </p:sp>
+      <p:sp>
+        <p:nvSpPr>
+          <p:cNvPr id="4" name="Title 1">
+            <a:extLst>
+              <a:ext uri="{FF2B5EF4-FFF2-40B4-BE49-F238E27FC236}">
+                <a16:creationId xmlns:a16="http://schemas.microsoft.com/office/drawing/2014/main" id="{CA898552-904F-FBAC-AADE-58BB375A8B18}"/>
+              </a:ext>
+            </a:extLst>
+          </p:cNvPr>
+          <p:cNvSpPr txBox="1">
+            <a:spLocks/>
+          </p:cNvSpPr>
+          <p:nvPr/>
+        </p:nvSpPr>
+        <p:spPr>
+          <a:xfrm>
+            <a:off x="321733" y="86730"/>
+            <a:ext cx="10058400" cy="780627"/>
+          </a:xfrm>
+          <a:prstGeom prst="rect">
+            <a:avLst/>
+          </a:prstGeom>
+        </p:spPr>
+        <p:txBody>
+          <a:bodyPr vert="horz" lIns="91440" tIns="45720" rIns="91440" bIns="45720" rtlCol="0" anchor="b">
+            <a:normAutofit/>
+          </a:bodyPr>
+          <a:lstStyle>
+            <a:lvl1pPr marL="0" algn="l" defTabSz="914400" rtl="0" eaLnBrk="1" latinLnBrk="0" hangingPunct="1">
+              <a:lnSpc>
+                <a:spcPct val="85000"/>
+              </a:lnSpc>
+              <a:spcBef>
+                <a:spcPct val="0"/>
+              </a:spcBef>
+              <a:buNone/>
+              <a:defRPr sz="4800" kern="1200" spc="-50" baseline="0">
+                <a:solidFill>
+                  <a:schemeClr val="tx1">
+                    <a:lumMod val="75000"/>
+                    <a:lumOff val="25000"/>
+                  </a:schemeClr>
+                </a:solidFill>
+                <a:latin typeface="+mj-lt"/>
+                <a:ea typeface="+mj-ea"/>
+                <a:cs typeface="+mj-cs"/>
+              </a:defRPr>
+            </a:lvl1pPr>
+          </a:lstStyle>
+          <a:p>
+            <a:r>
+              <a:rPr lang="en-US" b="1" dirty="0">
+                <a:latin typeface="SF Compact Display" panose="02000000000000000000" pitchFamily="50" charset="0"/>
+              </a:rPr>
+              <a:t>To be worshiper</a:t>
+            </a:r>
+            <a:endParaRPr lang="vi-VN" b="1" dirty="0">
+              <a:latin typeface="SF Compact Display" panose="02000000000000000000" pitchFamily="50" charset="0"/>
+            </a:endParaRPr>
+          </a:p>
+        </p:txBody>
+      </p:sp>
+      <p:sp>
+        <p:nvSpPr>
+          <p:cNvPr id="5" name="Title 1">
+            <a:extLst>
+              <a:ext uri="{FF2B5EF4-FFF2-40B4-BE49-F238E27FC236}">
+                <a16:creationId xmlns:a16="http://schemas.microsoft.com/office/drawing/2014/main" id="{D5A1F1D4-87BE-D927-A14A-CB3B28B1F60D}"/>
+              </a:ext>
+            </a:extLst>
+          </p:cNvPr>
+          <p:cNvSpPr txBox="1">
+            <a:spLocks/>
+          </p:cNvSpPr>
+          <p:nvPr/>
+        </p:nvSpPr>
+        <p:spPr>
+          <a:xfrm>
+            <a:off x="3088639" y="1916112"/>
+            <a:ext cx="6133253" cy="780627"/>
+          </a:xfrm>
+          <a:prstGeom prst="rect">
+            <a:avLst/>
+          </a:prstGeom>
+        </p:spPr>
+        <p:txBody>
+          <a:bodyPr vert="horz" lIns="91440" tIns="45720" rIns="91440" bIns="45720" rtlCol="0" anchor="ctr">
+            <a:normAutofit/>
+          </a:bodyPr>
+          <a:lstStyle>
+            <a:lvl1pPr marL="0" algn="l" defTabSz="914400" rtl="0" eaLnBrk="1" latinLnBrk="0" hangingPunct="1">
+              <a:lnSpc>
+                <a:spcPct val="85000"/>
+              </a:lnSpc>
+              <a:spcBef>
+                <a:spcPct val="0"/>
+              </a:spcBef>
+              <a:buNone/>
+              <a:defRPr sz="4800" kern="1200" spc="-50" baseline="0">
+                <a:solidFill>
+                  <a:schemeClr val="tx1">
+                    <a:lumMod val="75000"/>
+                    <a:lumOff val="25000"/>
+                  </a:schemeClr>
+                </a:solidFill>
+                <a:latin typeface="+mj-lt"/>
+                <a:ea typeface="+mj-ea"/>
+                <a:cs typeface="+mj-cs"/>
+              </a:defRPr>
+            </a:lvl1pPr>
+          </a:lstStyle>
+          <a:p>
+            <a:r>
+              <a:rPr lang="en-US" sz="2400" dirty="0">
+                <a:latin typeface="SF Compact Display" panose="02000000000000000000" pitchFamily="50" charset="0"/>
+              </a:rPr>
+              <a:t>Are you worshipping God with the feeling?</a:t>
+            </a:r>
+            <a:endParaRPr lang="vi-VN" sz="2400" dirty="0">
+              <a:latin typeface="SF Compact Display" panose="02000000000000000000" pitchFamily="50" charset="0"/>
+            </a:endParaRPr>
+          </a:p>
+        </p:txBody>
+      </p:sp>
+      <p:pic>
+        <p:nvPicPr>
+          <p:cNvPr id="1026" name="Picture 2" descr="Question Mark PNGs for Free Download">
+            <a:extLst>
+              <a:ext uri="{FF2B5EF4-FFF2-40B4-BE49-F238E27FC236}">
+                <a16:creationId xmlns:a16="http://schemas.microsoft.com/office/drawing/2014/main" id="{2CAFE274-1441-58FE-5CD5-8C51B62A2428}"/>
+              </a:ext>
+            </a:extLst>
+          </p:cNvPr>
+          <p:cNvPicPr>
+            <a:picLocks noChangeAspect="1" noChangeArrowheads="1"/>
+          </p:cNvPicPr>
+          <p:nvPr/>
+        </p:nvPicPr>
+        <p:blipFill>
+          <a:blip r:embed="rId2">
+            <a:extLst>
+              <a:ext uri="{28A0092B-C50C-407E-A947-70E740481C1C}">
+                <a14:useLocalDpi xmlns:a14="http://schemas.microsoft.com/office/drawing/2010/main" val="0"/>
+              </a:ext>
+            </a:extLst>
+          </a:blip>
+          <a:srcRect/>
+          <a:stretch>
+            <a:fillRect/>
+          </a:stretch>
+        </p:blipFill>
+        <p:spPr bwMode="auto">
+          <a:xfrm>
+            <a:off x="601132" y="1998133"/>
+            <a:ext cx="2861734" cy="2861734"/>
+          </a:xfrm>
+          <a:prstGeom prst="rect">
+            <a:avLst/>
+          </a:prstGeom>
+          <a:noFill/>
+          <a:extLst>
+            <a:ext uri="{909E8E84-426E-40DD-AFC4-6F175D3DCCD1}">
+              <a14:hiddenFill xmlns:a14="http://schemas.microsoft.com/office/drawing/2010/main">
+                <a:solidFill>
+                  <a:srgbClr val="FFFFFF"/>
+                </a:solidFill>
+              </a14:hiddenFill>
+            </a:ext>
+          </a:extLst>
+        </p:spPr>
+      </p:pic>
+      <p:sp>
+        <p:nvSpPr>
+          <p:cNvPr id="6" name="Title 1">
+            <a:extLst>
+              <a:ext uri="{FF2B5EF4-FFF2-40B4-BE49-F238E27FC236}">
+                <a16:creationId xmlns:a16="http://schemas.microsoft.com/office/drawing/2014/main" id="{08FFAE53-3782-ECC9-1D62-B7E5D62F435B}"/>
+              </a:ext>
+            </a:extLst>
+          </p:cNvPr>
+          <p:cNvSpPr txBox="1">
+            <a:spLocks/>
+          </p:cNvSpPr>
+          <p:nvPr/>
+        </p:nvSpPr>
+        <p:spPr>
+          <a:xfrm>
+            <a:off x="3088639" y="3907843"/>
+            <a:ext cx="7291494" cy="780627"/>
+          </a:xfrm>
+          <a:prstGeom prst="rect">
+            <a:avLst/>
+          </a:prstGeom>
+        </p:spPr>
+        <p:txBody>
+          <a:bodyPr vert="horz" lIns="91440" tIns="45720" rIns="91440" bIns="45720" rtlCol="0" anchor="ctr">
+            <a:normAutofit/>
+          </a:bodyPr>
+          <a:lstStyle>
+            <a:lvl1pPr marL="0" algn="l" defTabSz="914400" rtl="0" eaLnBrk="1" latinLnBrk="0" hangingPunct="1">
+              <a:lnSpc>
+                <a:spcPct val="85000"/>
+              </a:lnSpc>
+              <a:spcBef>
+                <a:spcPct val="0"/>
+              </a:spcBef>
+              <a:buNone/>
+              <a:defRPr sz="4800" kern="1200" spc="-50" baseline="0">
+                <a:solidFill>
+                  <a:schemeClr val="tx1">
+                    <a:lumMod val="75000"/>
+                    <a:lumOff val="25000"/>
+                  </a:schemeClr>
+                </a:solidFill>
+                <a:latin typeface="+mj-lt"/>
+                <a:ea typeface="+mj-ea"/>
+                <a:cs typeface="+mj-cs"/>
+              </a:defRPr>
+            </a:lvl1pPr>
+          </a:lstStyle>
+          <a:p>
+            <a:r>
+              <a:rPr lang="en-US" sz="2400" dirty="0">
+                <a:latin typeface="SF Compact Display" panose="02000000000000000000" pitchFamily="50" charset="0"/>
+              </a:rPr>
+              <a:t>What are you doing to worship the LORD?</a:t>
+            </a:r>
+            <a:endParaRPr lang="vi-VN" sz="2400" dirty="0">
+              <a:latin typeface="SF Compact Display" panose="02000000000000000000" pitchFamily="50" charset="0"/>
+            </a:endParaRPr>
+          </a:p>
+        </p:txBody>
+      </p:sp>
+      <p:sp>
+        <p:nvSpPr>
+          <p:cNvPr id="10" name="Title 1">
+            <a:extLst>
+              <a:ext uri="{FF2B5EF4-FFF2-40B4-BE49-F238E27FC236}">
+                <a16:creationId xmlns:a16="http://schemas.microsoft.com/office/drawing/2014/main" id="{1DA2CCCA-2F81-496B-1A7D-3BC4F3496442}"/>
+              </a:ext>
+            </a:extLst>
+          </p:cNvPr>
+          <p:cNvSpPr txBox="1">
+            <a:spLocks/>
+          </p:cNvSpPr>
+          <p:nvPr/>
+        </p:nvSpPr>
+        <p:spPr>
+          <a:xfrm>
+            <a:off x="3088639" y="2911978"/>
+            <a:ext cx="6133253" cy="780627"/>
+          </a:xfrm>
+          <a:prstGeom prst="rect">
+            <a:avLst/>
+          </a:prstGeom>
+        </p:spPr>
+        <p:txBody>
+          <a:bodyPr vert="horz" lIns="91440" tIns="45720" rIns="91440" bIns="45720" rtlCol="0" anchor="ctr">
+            <a:normAutofit/>
+          </a:bodyPr>
+          <a:lstStyle>
+            <a:lvl1pPr marL="0" algn="l" defTabSz="914400" rtl="0" eaLnBrk="1" latinLnBrk="0" hangingPunct="1">
+              <a:lnSpc>
+                <a:spcPct val="85000"/>
+              </a:lnSpc>
+              <a:spcBef>
+                <a:spcPct val="0"/>
+              </a:spcBef>
+              <a:buNone/>
+              <a:defRPr sz="4800" kern="1200" spc="-50" baseline="0">
+                <a:solidFill>
+                  <a:schemeClr val="tx1">
+                    <a:lumMod val="75000"/>
+                    <a:lumOff val="25000"/>
+                  </a:schemeClr>
+                </a:solidFill>
+                <a:latin typeface="+mj-lt"/>
+                <a:ea typeface="+mj-ea"/>
+                <a:cs typeface="+mj-cs"/>
+              </a:defRPr>
+            </a:lvl1pPr>
+          </a:lstStyle>
+          <a:p>
+            <a:r>
+              <a:rPr lang="en-US" sz="2400" dirty="0">
+                <a:latin typeface="SF Compact Display" panose="02000000000000000000" pitchFamily="50" charset="0"/>
+              </a:rPr>
+              <a:t>What is requirement to worship?</a:t>
+            </a:r>
+            <a:endParaRPr lang="vi-VN" sz="2400" dirty="0">
+              <a:latin typeface="SF Compact Display" panose="02000000000000000000" pitchFamily="50" charset="0"/>
+            </a:endParaRPr>
+          </a:p>
+        </p:txBody>
+      </p:sp>
+    </p:spTree>
+    <p:extLst>
+      <p:ext uri="{BB962C8B-B14F-4D97-AF65-F5344CB8AC3E}">
+        <p14:creationId xmlns:p14="http://schemas.microsoft.com/office/powerpoint/2010/main" val="680219088"/>
+      </p:ext>
+    </p:extLst>
+  </p:cSld>
+  <p:clrMapOvr>
+    <a:masterClrMapping/>
+  </p:clrMapOvr>
+</p:sld>
+</file>
+
+<file path=ppt/slides/slide12.xml><?xml version="1.0" encoding="utf-8"?>
+<p:sld xmlns:a="http://schemas.openxmlformats.org/drawingml/2006/main" xmlns:r="http://schemas.openxmlformats.org/officeDocument/2006/relationships" xmlns:p="http://schemas.openxmlformats.org/presentationml/2006/main">
+  <p:cSld>
+    <p:spTree>
+      <p:nvGrpSpPr>
+        <p:cNvPr id="1" name=""/>
+        <p:cNvGrpSpPr/>
+        <p:nvPr/>
+      </p:nvGrpSpPr>
+      <p:grpSpPr>
+        <a:xfrm>
+          <a:off x="0" y="0"/>
+          <a:ext cx="0" cy="0"/>
+          <a:chOff x="0" y="0"/>
+          <a:chExt cx="0" cy="0"/>
+        </a:xfrm>
+      </p:grpSpPr>
+      <p:sp>
+        <p:nvSpPr>
+          <p:cNvPr id="2" name="Title 1">
+            <a:extLst>
+              <a:ext uri="{FF2B5EF4-FFF2-40B4-BE49-F238E27FC236}">
+                <a16:creationId xmlns:a16="http://schemas.microsoft.com/office/drawing/2014/main" id="{589F7C0B-8BA5-3BD7-4A2C-FA4BBC3B74B5}"/>
+              </a:ext>
+            </a:extLst>
+          </p:cNvPr>
+          <p:cNvSpPr>
+            <a:spLocks noGrp="1"/>
+          </p:cNvSpPr>
+          <p:nvPr>
+            <p:ph type="title"/>
+          </p:nvPr>
+        </p:nvSpPr>
+        <p:spPr>
+          <a:xfrm>
+            <a:off x="1097280" y="956733"/>
+            <a:ext cx="10058400" cy="780627"/>
+          </a:xfrm>
+        </p:spPr>
+        <p:txBody>
+          <a:bodyPr>
+            <a:normAutofit/>
+          </a:bodyPr>
+          <a:lstStyle/>
+          <a:p>
+            <a:r>
+              <a:rPr lang="en-US" sz="3600" dirty="0">
+                <a:latin typeface="SF Compact Display" panose="02000000000000000000" pitchFamily="50" charset="0"/>
+              </a:rPr>
+              <a:t>Worship with feeling</a:t>
+            </a:r>
+            <a:endParaRPr lang="vi-VN" sz="3600" dirty="0">
+              <a:latin typeface="SF Compact Display" panose="02000000000000000000" pitchFamily="50" charset="0"/>
+            </a:endParaRPr>
+          </a:p>
+        </p:txBody>
+      </p:sp>
+      <p:sp>
+        <p:nvSpPr>
+          <p:cNvPr id="7" name="TextBox 6">
+            <a:extLst>
+              <a:ext uri="{FF2B5EF4-FFF2-40B4-BE49-F238E27FC236}">
+                <a16:creationId xmlns:a16="http://schemas.microsoft.com/office/drawing/2014/main" id="{66D361DF-4053-70F3-3A59-1858DCB0B4A2}"/>
+              </a:ext>
+            </a:extLst>
+          </p:cNvPr>
+          <p:cNvSpPr txBox="1"/>
+          <p:nvPr/>
+        </p:nvSpPr>
+        <p:spPr>
+          <a:xfrm>
+            <a:off x="1097280" y="1826736"/>
+            <a:ext cx="10058400" cy="2798458"/>
+          </a:xfrm>
+          <a:prstGeom prst="rect">
+            <a:avLst/>
+          </a:prstGeom>
+          <a:noFill/>
+        </p:spPr>
+        <p:txBody>
+          <a:bodyPr wrap="square">
+            <a:spAutoFit/>
+          </a:bodyPr>
+          <a:lstStyle/>
+          <a:p>
+            <a:pPr algn="just">
+              <a:lnSpc>
+                <a:spcPct val="150000"/>
+              </a:lnSpc>
+            </a:pPr>
+            <a:r>
+              <a:rPr lang="en-US" sz="2400" b="1" dirty="0">
+                <a:solidFill>
+                  <a:srgbClr val="000000"/>
+                </a:solidFill>
+                <a:latin typeface="SF Compact Text" panose="02000000000000000000" pitchFamily="50" charset="0"/>
+                <a:cs typeface="SF Mono Heavy" panose="02000000000000000000" pitchFamily="50" charset="0"/>
+              </a:rPr>
+              <a:t>Genuine worship involves feeling</a:t>
+            </a:r>
+            <a:r>
+              <a:rPr lang="en-US" sz="2400" dirty="0">
+                <a:solidFill>
+                  <a:srgbClr val="000000"/>
+                </a:solidFill>
+                <a:latin typeface="SF Compact Text" panose="02000000000000000000" pitchFamily="50" charset="0"/>
+                <a:cs typeface="SF Mono Heavy" panose="02000000000000000000" pitchFamily="50" charset="0"/>
+              </a:rPr>
+              <a:t>:</a:t>
+            </a:r>
+          </a:p>
+          <a:p>
+            <a:pPr algn="just">
+              <a:lnSpc>
+                <a:spcPct val="150000"/>
+              </a:lnSpc>
+            </a:pPr>
+            <a:r>
+              <a:rPr lang="en-US" sz="2400" dirty="0">
+                <a:latin typeface="SF Compact Text" panose="02000000000000000000" pitchFamily="50" charset="0"/>
+                <a:cs typeface="SF Mono Heavy" panose="02000000000000000000" pitchFamily="50" charset="0"/>
+              </a:rPr>
+              <a:t>“But I trust in your unfailing love; </a:t>
+            </a:r>
+          </a:p>
+          <a:p>
+            <a:pPr algn="just">
+              <a:lnSpc>
+                <a:spcPct val="150000"/>
+              </a:lnSpc>
+            </a:pPr>
+            <a:r>
+              <a:rPr lang="en-US" sz="2400" dirty="0">
+                <a:latin typeface="SF Compact Text" panose="02000000000000000000" pitchFamily="50" charset="0"/>
+                <a:cs typeface="SF Mono Heavy" panose="02000000000000000000" pitchFamily="50" charset="0"/>
+              </a:rPr>
+              <a:t>My heart rejoices in your salvation. </a:t>
+            </a:r>
+          </a:p>
+          <a:p>
+            <a:pPr algn="just">
+              <a:lnSpc>
+                <a:spcPct val="150000"/>
+              </a:lnSpc>
+            </a:pPr>
+            <a:r>
+              <a:rPr lang="en-US" sz="2400" dirty="0">
+                <a:latin typeface="SF Compact Text" panose="02000000000000000000" pitchFamily="50" charset="0"/>
+                <a:cs typeface="SF Mono Heavy" panose="02000000000000000000" pitchFamily="50" charset="0"/>
+              </a:rPr>
+              <a:t>I will sing the LORD’s praise, for he has been good to me”</a:t>
+            </a:r>
+          </a:p>
+          <a:p>
+            <a:pPr algn="just">
+              <a:lnSpc>
+                <a:spcPct val="150000"/>
+              </a:lnSpc>
+            </a:pPr>
+            <a:r>
+              <a:rPr lang="en-US" sz="2400" i="1" dirty="0">
+                <a:latin typeface="SF Compact Text" panose="02000000000000000000" pitchFamily="50" charset="0"/>
+                <a:cs typeface="SF Mono Heavy" panose="02000000000000000000" pitchFamily="50" charset="0"/>
+              </a:rPr>
+              <a:t> – Psalm 13:5-6</a:t>
+            </a:r>
+            <a:endParaRPr lang="vi-VN" sz="2400" i="1" dirty="0">
+              <a:latin typeface="SF Compact Text" panose="02000000000000000000" pitchFamily="50" charset="0"/>
+              <a:cs typeface="SF Mono Heavy" panose="02000000000000000000" pitchFamily="50" charset="0"/>
+            </a:endParaRPr>
+          </a:p>
+        </p:txBody>
+      </p:sp>
+      <p:sp>
+        <p:nvSpPr>
+          <p:cNvPr id="4" name="Title 1">
+            <a:extLst>
+              <a:ext uri="{FF2B5EF4-FFF2-40B4-BE49-F238E27FC236}">
+                <a16:creationId xmlns:a16="http://schemas.microsoft.com/office/drawing/2014/main" id="{CA898552-904F-FBAC-AADE-58BB375A8B18}"/>
+              </a:ext>
+            </a:extLst>
+          </p:cNvPr>
+          <p:cNvSpPr txBox="1">
+            <a:spLocks/>
+          </p:cNvSpPr>
+          <p:nvPr/>
+        </p:nvSpPr>
+        <p:spPr>
+          <a:xfrm>
+            <a:off x="321733" y="86730"/>
+            <a:ext cx="10058400" cy="780627"/>
+          </a:xfrm>
+          <a:prstGeom prst="rect">
+            <a:avLst/>
+          </a:prstGeom>
+        </p:spPr>
+        <p:txBody>
+          <a:bodyPr vert="horz" lIns="91440" tIns="45720" rIns="91440" bIns="45720" rtlCol="0" anchor="b">
+            <a:normAutofit/>
+          </a:bodyPr>
+          <a:lstStyle>
+            <a:lvl1pPr marL="0" algn="l" defTabSz="914400" rtl="0" eaLnBrk="1" latinLnBrk="0" hangingPunct="1">
+              <a:lnSpc>
+                <a:spcPct val="85000"/>
+              </a:lnSpc>
+              <a:spcBef>
+                <a:spcPct val="0"/>
+              </a:spcBef>
+              <a:buNone/>
+              <a:defRPr sz="4800" kern="1200" spc="-50" baseline="0">
+                <a:solidFill>
+                  <a:schemeClr val="tx1">
+                    <a:lumMod val="75000"/>
+                    <a:lumOff val="25000"/>
+                  </a:schemeClr>
+                </a:solidFill>
+                <a:latin typeface="+mj-lt"/>
+                <a:ea typeface="+mj-ea"/>
+                <a:cs typeface="+mj-cs"/>
+              </a:defRPr>
+            </a:lvl1pPr>
+          </a:lstStyle>
+          <a:p>
+            <a:r>
+              <a:rPr lang="en-US" b="1" dirty="0">
+                <a:latin typeface="SF Compact Display" panose="02000000000000000000" pitchFamily="50" charset="0"/>
+              </a:rPr>
+              <a:t>To be worshiper</a:t>
+            </a:r>
+            <a:endParaRPr lang="vi-VN" b="1" dirty="0">
+              <a:latin typeface="SF Compact Display" panose="02000000000000000000" pitchFamily="50" charset="0"/>
+            </a:endParaRPr>
+          </a:p>
+        </p:txBody>
+      </p:sp>
+      <p:sp>
+        <p:nvSpPr>
+          <p:cNvPr id="5" name="Rectangle 4">
+            <a:extLst>
+              <a:ext uri="{FF2B5EF4-FFF2-40B4-BE49-F238E27FC236}">
+                <a16:creationId xmlns:a16="http://schemas.microsoft.com/office/drawing/2014/main" id="{4E611A24-FAE7-F22A-664C-F25B609B83E7}"/>
+              </a:ext>
+            </a:extLst>
+          </p:cNvPr>
+          <p:cNvSpPr/>
+          <p:nvPr/>
+        </p:nvSpPr>
+        <p:spPr>
+          <a:xfrm>
+            <a:off x="321733" y="825022"/>
+            <a:ext cx="11667067" cy="36000"/>
+          </a:xfrm>
+          <a:prstGeom prst="rect">
+            <a:avLst/>
+          </a:prstGeom>
+          <a:ln w="6350">
+            <a:noFill/>
+          </a:ln>
+        </p:spPr>
+        <p:style>
+          <a:lnRef idx="2">
+            <a:schemeClr val="accent1">
+              <a:shade val="15000"/>
+            </a:schemeClr>
+          </a:lnRef>
+          <a:fillRef idx="1">
+            <a:schemeClr val="accent1"/>
+          </a:fillRef>
+          <a:effectRef idx="0">
+            <a:schemeClr val="accent1"/>
+          </a:effectRef>
+          <a:fontRef idx="minor">
+            <a:schemeClr val="lt1"/>
+          </a:fontRef>
+        </p:style>
+        <p:txBody>
+          <a:bodyPr rtlCol="0" anchor="ctr"/>
+          <a:lstStyle/>
+          <a:p>
+            <a:pPr algn="ctr"/>
+            <a:endParaRPr lang="vi-VN"/>
+          </a:p>
+        </p:txBody>
+      </p:sp>
+    </p:spTree>
+    <p:extLst>
+      <p:ext uri="{BB962C8B-B14F-4D97-AF65-F5344CB8AC3E}">
+        <p14:creationId xmlns:p14="http://schemas.microsoft.com/office/powerpoint/2010/main" val="668062213"/>
+      </p:ext>
+    </p:extLst>
+  </p:cSld>
+  <p:clrMapOvr>
+    <a:masterClrMapping/>
+  </p:clrMapOvr>
+</p:sld>
+</file>
+
+<file path=ppt/slides/slide13.xml><?xml version="1.0" encoding="utf-8"?>
+<p:sld xmlns:a="http://schemas.openxmlformats.org/drawingml/2006/main" xmlns:r="http://schemas.openxmlformats.org/officeDocument/2006/relationships" xmlns:p="http://schemas.openxmlformats.org/presentationml/2006/main">
+  <p:cSld>
+    <p:spTree>
+      <p:nvGrpSpPr>
+        <p:cNvPr id="1" name=""/>
+        <p:cNvGrpSpPr/>
+        <p:nvPr/>
+      </p:nvGrpSpPr>
+      <p:grpSpPr>
+        <a:xfrm>
+          <a:off x="0" y="0"/>
+          <a:ext cx="0" cy="0"/>
+          <a:chOff x="0" y="0"/>
+          <a:chExt cx="0" cy="0"/>
+        </a:xfrm>
+      </p:grpSpPr>
+      <p:sp>
+        <p:nvSpPr>
+          <p:cNvPr id="2" name="Title 1">
+            <a:extLst>
+              <a:ext uri="{FF2B5EF4-FFF2-40B4-BE49-F238E27FC236}">
+                <a16:creationId xmlns:a16="http://schemas.microsoft.com/office/drawing/2014/main" id="{589F7C0B-8BA5-3BD7-4A2C-FA4BBC3B74B5}"/>
+              </a:ext>
+            </a:extLst>
+          </p:cNvPr>
+          <p:cNvSpPr>
+            <a:spLocks noGrp="1"/>
+          </p:cNvSpPr>
+          <p:nvPr>
+            <p:ph type="title"/>
+          </p:nvPr>
+        </p:nvSpPr>
+        <p:spPr>
+          <a:xfrm>
+            <a:off x="1097280" y="956733"/>
+            <a:ext cx="10058400" cy="780627"/>
+          </a:xfrm>
+        </p:spPr>
+        <p:txBody>
+          <a:bodyPr>
+            <a:normAutofit/>
+          </a:bodyPr>
+          <a:lstStyle/>
+          <a:p>
+            <a:r>
+              <a:rPr lang="en-US" sz="3600" dirty="0">
+                <a:latin typeface="SF Compact Display" panose="02000000000000000000" pitchFamily="50" charset="0"/>
+              </a:rPr>
+              <a:t>Worship with feeling</a:t>
+            </a:r>
+            <a:endParaRPr lang="vi-VN" sz="3600" dirty="0">
+              <a:latin typeface="SF Compact Display" panose="02000000000000000000" pitchFamily="50" charset="0"/>
+            </a:endParaRPr>
+          </a:p>
+        </p:txBody>
+      </p:sp>
+      <p:sp>
+        <p:nvSpPr>
+          <p:cNvPr id="7" name="TextBox 6">
+            <a:extLst>
+              <a:ext uri="{FF2B5EF4-FFF2-40B4-BE49-F238E27FC236}">
+                <a16:creationId xmlns:a16="http://schemas.microsoft.com/office/drawing/2014/main" id="{66D361DF-4053-70F3-3A59-1858DCB0B4A2}"/>
+              </a:ext>
+            </a:extLst>
+          </p:cNvPr>
+          <p:cNvSpPr txBox="1"/>
+          <p:nvPr/>
+        </p:nvSpPr>
+        <p:spPr>
+          <a:xfrm>
+            <a:off x="1097280" y="1826736"/>
+            <a:ext cx="10058400" cy="3352456"/>
+          </a:xfrm>
+          <a:prstGeom prst="rect">
+            <a:avLst/>
+          </a:prstGeom>
+          <a:noFill/>
+        </p:spPr>
+        <p:txBody>
+          <a:bodyPr wrap="square">
+            <a:spAutoFit/>
+          </a:bodyPr>
+          <a:lstStyle/>
+          <a:p>
+            <a:pPr algn="just">
+              <a:lnSpc>
+                <a:spcPct val="150000"/>
+              </a:lnSpc>
+            </a:pPr>
+            <a:r>
+              <a:rPr lang="en-US" sz="2400" b="1" dirty="0">
+                <a:solidFill>
+                  <a:srgbClr val="000000"/>
+                </a:solidFill>
+                <a:latin typeface="SF Compact Text" panose="02000000000000000000" pitchFamily="50" charset="0"/>
+                <a:cs typeface="SF Mono Heavy" panose="02000000000000000000" pitchFamily="50" charset="0"/>
+              </a:rPr>
+              <a:t>Genuine worship involves feeling</a:t>
+            </a:r>
+            <a:r>
+              <a:rPr lang="en-US" sz="2400" dirty="0">
+                <a:solidFill>
+                  <a:srgbClr val="000000"/>
+                </a:solidFill>
+                <a:latin typeface="SF Compact Text" panose="02000000000000000000" pitchFamily="50" charset="0"/>
+                <a:cs typeface="SF Mono Heavy" panose="02000000000000000000" pitchFamily="50" charset="0"/>
+              </a:rPr>
+              <a:t>:</a:t>
+            </a:r>
+          </a:p>
+          <a:p>
+            <a:pPr algn="just">
+              <a:lnSpc>
+                <a:spcPct val="150000"/>
+              </a:lnSpc>
+            </a:pPr>
+            <a:r>
+              <a:rPr lang="en-US" sz="2400" dirty="0">
+                <a:latin typeface="SF Compact Text" panose="02000000000000000000" pitchFamily="50" charset="0"/>
+                <a:cs typeface="SF Mono Heavy" panose="02000000000000000000" pitchFamily="50" charset="0"/>
+              </a:rPr>
+              <a:t>Worship is to feel in the heart! In the Christian faith, we should be able to use the word feel boldly and without apology.</a:t>
+            </a:r>
+          </a:p>
+          <a:p>
+            <a:pPr algn="just">
+              <a:lnSpc>
+                <a:spcPct val="150000"/>
+              </a:lnSpc>
+            </a:pPr>
+            <a:r>
+              <a:rPr lang="en-US" sz="2400" dirty="0">
+                <a:latin typeface="SF Compact Text" panose="02000000000000000000" pitchFamily="50" charset="0"/>
+                <a:cs typeface="SF Mono Heavy" panose="02000000000000000000" pitchFamily="50" charset="0"/>
+              </a:rPr>
+              <a:t>Worship must always come from an inward attitude. It embodies a number of factors, including the mental, spiritual and emotional</a:t>
+            </a:r>
+          </a:p>
+          <a:p>
+            <a:pPr algn="just">
+              <a:lnSpc>
+                <a:spcPct val="150000"/>
+              </a:lnSpc>
+            </a:pPr>
+            <a:r>
+              <a:rPr lang="en-US" sz="2400" i="1" dirty="0">
+                <a:latin typeface="SF Compact Text" panose="02000000000000000000" pitchFamily="50" charset="0"/>
+                <a:cs typeface="SF Mono Heavy" panose="02000000000000000000" pitchFamily="50" charset="0"/>
+              </a:rPr>
+              <a:t>Worship – A W Tozer</a:t>
+            </a:r>
+            <a:endParaRPr lang="vi-VN" sz="2400" i="1" dirty="0">
+              <a:latin typeface="SF Compact Text" panose="02000000000000000000" pitchFamily="50" charset="0"/>
+              <a:cs typeface="SF Mono Heavy" panose="02000000000000000000" pitchFamily="50" charset="0"/>
+            </a:endParaRPr>
+          </a:p>
+        </p:txBody>
+      </p:sp>
+      <p:sp>
+        <p:nvSpPr>
+          <p:cNvPr id="4" name="Title 1">
+            <a:extLst>
+              <a:ext uri="{FF2B5EF4-FFF2-40B4-BE49-F238E27FC236}">
+                <a16:creationId xmlns:a16="http://schemas.microsoft.com/office/drawing/2014/main" id="{CA898552-904F-FBAC-AADE-58BB375A8B18}"/>
+              </a:ext>
+            </a:extLst>
+          </p:cNvPr>
+          <p:cNvSpPr txBox="1">
+            <a:spLocks/>
+          </p:cNvSpPr>
+          <p:nvPr/>
+        </p:nvSpPr>
+        <p:spPr>
+          <a:xfrm>
+            <a:off x="321733" y="86730"/>
+            <a:ext cx="10058400" cy="780627"/>
+          </a:xfrm>
+          <a:prstGeom prst="rect">
+            <a:avLst/>
+          </a:prstGeom>
+        </p:spPr>
+        <p:txBody>
+          <a:bodyPr vert="horz" lIns="91440" tIns="45720" rIns="91440" bIns="45720" rtlCol="0" anchor="b">
+            <a:normAutofit/>
+          </a:bodyPr>
+          <a:lstStyle>
+            <a:lvl1pPr marL="0" algn="l" defTabSz="914400" rtl="0" eaLnBrk="1" latinLnBrk="0" hangingPunct="1">
+              <a:lnSpc>
+                <a:spcPct val="85000"/>
+              </a:lnSpc>
+              <a:spcBef>
+                <a:spcPct val="0"/>
+              </a:spcBef>
+              <a:buNone/>
+              <a:defRPr sz="4800" kern="1200" spc="-50" baseline="0">
+                <a:solidFill>
+                  <a:schemeClr val="tx1">
+                    <a:lumMod val="75000"/>
+                    <a:lumOff val="25000"/>
+                  </a:schemeClr>
+                </a:solidFill>
+                <a:latin typeface="+mj-lt"/>
+                <a:ea typeface="+mj-ea"/>
+                <a:cs typeface="+mj-cs"/>
+              </a:defRPr>
+            </a:lvl1pPr>
+          </a:lstStyle>
+          <a:p>
+            <a:r>
+              <a:rPr lang="en-US" b="1" dirty="0">
+                <a:latin typeface="SF Compact Display" panose="02000000000000000000" pitchFamily="50" charset="0"/>
+              </a:rPr>
+              <a:t>To be worshiper</a:t>
+            </a:r>
+            <a:endParaRPr lang="vi-VN" b="1" dirty="0">
+              <a:latin typeface="SF Compact Display" panose="02000000000000000000" pitchFamily="50" charset="0"/>
+            </a:endParaRPr>
+          </a:p>
+        </p:txBody>
+      </p:sp>
+      <p:sp>
+        <p:nvSpPr>
+          <p:cNvPr id="5" name="Rectangle 4">
+            <a:extLst>
+              <a:ext uri="{FF2B5EF4-FFF2-40B4-BE49-F238E27FC236}">
+                <a16:creationId xmlns:a16="http://schemas.microsoft.com/office/drawing/2014/main" id="{4E611A24-FAE7-F22A-664C-F25B609B83E7}"/>
+              </a:ext>
+            </a:extLst>
+          </p:cNvPr>
+          <p:cNvSpPr/>
+          <p:nvPr/>
+        </p:nvSpPr>
+        <p:spPr>
+          <a:xfrm>
+            <a:off x="321733" y="825022"/>
+            <a:ext cx="11667067" cy="36000"/>
+          </a:xfrm>
+          <a:prstGeom prst="rect">
+            <a:avLst/>
+          </a:prstGeom>
+          <a:ln w="6350">
+            <a:noFill/>
+          </a:ln>
+        </p:spPr>
+        <p:style>
+          <a:lnRef idx="2">
+            <a:schemeClr val="accent1">
+              <a:shade val="15000"/>
+            </a:schemeClr>
+          </a:lnRef>
+          <a:fillRef idx="1">
+            <a:schemeClr val="accent1"/>
+          </a:fillRef>
+          <a:effectRef idx="0">
+            <a:schemeClr val="accent1"/>
+          </a:effectRef>
+          <a:fontRef idx="minor">
+            <a:schemeClr val="lt1"/>
+          </a:fontRef>
+        </p:style>
+        <p:txBody>
+          <a:bodyPr rtlCol="0" anchor="ctr"/>
+          <a:lstStyle/>
+          <a:p>
+            <a:pPr algn="ctr"/>
+            <a:endParaRPr lang="vi-VN"/>
+          </a:p>
+        </p:txBody>
+      </p:sp>
+    </p:spTree>
+    <p:extLst>
+      <p:ext uri="{BB962C8B-B14F-4D97-AF65-F5344CB8AC3E}">
+        <p14:creationId xmlns:p14="http://schemas.microsoft.com/office/powerpoint/2010/main" val="1044481701"/>
+      </p:ext>
+    </p:extLst>
+  </p:cSld>
+  <p:clrMapOvr>
+    <a:masterClrMapping/>
+  </p:clrMapOvr>
+</p:sld>
+</file>
+
+<file path=ppt/slides/slide14.xml><?xml version="1.0" encoding="utf-8"?>
+<p:sld xmlns:a="http://schemas.openxmlformats.org/drawingml/2006/main" xmlns:r="http://schemas.openxmlformats.org/officeDocument/2006/relationships" xmlns:p="http://schemas.openxmlformats.org/presentationml/2006/main">
+  <p:cSld>
+    <p:spTree>
+      <p:nvGrpSpPr>
+        <p:cNvPr id="1" name=""/>
+        <p:cNvGrpSpPr/>
+        <p:nvPr/>
+      </p:nvGrpSpPr>
+      <p:grpSpPr>
+        <a:xfrm>
+          <a:off x="0" y="0"/>
+          <a:ext cx="0" cy="0"/>
+          <a:chOff x="0" y="0"/>
+          <a:chExt cx="0" cy="0"/>
+        </a:xfrm>
+      </p:grpSpPr>
+      <p:sp>
+        <p:nvSpPr>
+          <p:cNvPr id="2" name="Title 1">
+            <a:extLst>
+              <a:ext uri="{FF2B5EF4-FFF2-40B4-BE49-F238E27FC236}">
+                <a16:creationId xmlns:a16="http://schemas.microsoft.com/office/drawing/2014/main" id="{589F7C0B-8BA5-3BD7-4A2C-FA4BBC3B74B5}"/>
+              </a:ext>
+            </a:extLst>
+          </p:cNvPr>
+          <p:cNvSpPr>
+            <a:spLocks noGrp="1"/>
+          </p:cNvSpPr>
+          <p:nvPr>
+            <p:ph type="title"/>
+          </p:nvPr>
+        </p:nvSpPr>
+        <p:spPr>
+          <a:xfrm>
+            <a:off x="1097280" y="956733"/>
+            <a:ext cx="10058400" cy="780627"/>
+          </a:xfrm>
+        </p:spPr>
+        <p:txBody>
+          <a:bodyPr>
+            <a:normAutofit/>
+          </a:bodyPr>
+          <a:lstStyle/>
+          <a:p>
+            <a:r>
+              <a:rPr lang="en-US" sz="3600" dirty="0">
+                <a:latin typeface="SF Compact Display" panose="02000000000000000000" pitchFamily="50" charset="0"/>
+              </a:rPr>
+              <a:t>Summary from the text</a:t>
+            </a:r>
+            <a:endParaRPr lang="vi-VN" sz="3600" dirty="0">
+              <a:latin typeface="SF Compact Display" panose="02000000000000000000" pitchFamily="50" charset="0"/>
+            </a:endParaRPr>
+          </a:p>
+        </p:txBody>
+      </p:sp>
+      <p:sp>
+        <p:nvSpPr>
+          <p:cNvPr id="7" name="TextBox 6">
+            <a:extLst>
+              <a:ext uri="{FF2B5EF4-FFF2-40B4-BE49-F238E27FC236}">
+                <a16:creationId xmlns:a16="http://schemas.microsoft.com/office/drawing/2014/main" id="{66D361DF-4053-70F3-3A59-1858DCB0B4A2}"/>
+              </a:ext>
+            </a:extLst>
+          </p:cNvPr>
+          <p:cNvSpPr txBox="1"/>
+          <p:nvPr/>
+        </p:nvSpPr>
+        <p:spPr>
+          <a:xfrm>
+            <a:off x="1097280" y="1826736"/>
+            <a:ext cx="10058400" cy="582467"/>
+          </a:xfrm>
+          <a:prstGeom prst="rect">
+            <a:avLst/>
+          </a:prstGeom>
+          <a:noFill/>
+        </p:spPr>
+        <p:txBody>
+          <a:bodyPr wrap="square">
+            <a:spAutoFit/>
+          </a:bodyPr>
+          <a:lstStyle/>
+          <a:p>
+            <a:pPr algn="just">
+              <a:lnSpc>
+                <a:spcPct val="150000"/>
+              </a:lnSpc>
+            </a:pPr>
+            <a:r>
+              <a:rPr lang="en-US" sz="2400" dirty="0">
+                <a:latin typeface="SF Compact Text" panose="02000000000000000000" pitchFamily="50" charset="0"/>
+                <a:cs typeface="SF Mono Heavy" panose="02000000000000000000" pitchFamily="50" charset="0"/>
+              </a:rPr>
+              <a:t>Worship is …</a:t>
+            </a:r>
+            <a:endParaRPr lang="vi-VN" sz="2400" dirty="0">
+              <a:latin typeface="SF Compact Text" panose="02000000000000000000" pitchFamily="50" charset="0"/>
+              <a:cs typeface="SF Mono Heavy" panose="02000000000000000000" pitchFamily="50" charset="0"/>
+            </a:endParaRPr>
+          </a:p>
+        </p:txBody>
+      </p:sp>
+      <p:sp>
+        <p:nvSpPr>
+          <p:cNvPr id="4" name="Title 1">
+            <a:extLst>
+              <a:ext uri="{FF2B5EF4-FFF2-40B4-BE49-F238E27FC236}">
+                <a16:creationId xmlns:a16="http://schemas.microsoft.com/office/drawing/2014/main" id="{CA898552-904F-FBAC-AADE-58BB375A8B18}"/>
+              </a:ext>
+            </a:extLst>
+          </p:cNvPr>
+          <p:cNvSpPr txBox="1">
+            <a:spLocks/>
+          </p:cNvSpPr>
+          <p:nvPr/>
+        </p:nvSpPr>
+        <p:spPr>
+          <a:xfrm>
+            <a:off x="321733" y="86730"/>
+            <a:ext cx="10058400" cy="780627"/>
+          </a:xfrm>
+          <a:prstGeom prst="rect">
+            <a:avLst/>
+          </a:prstGeom>
+        </p:spPr>
+        <p:txBody>
+          <a:bodyPr vert="horz" lIns="91440" tIns="45720" rIns="91440" bIns="45720" rtlCol="0" anchor="b">
+            <a:normAutofit/>
+          </a:bodyPr>
+          <a:lstStyle>
+            <a:lvl1pPr marL="0" algn="l" defTabSz="914400" rtl="0" eaLnBrk="1" latinLnBrk="0" hangingPunct="1">
+              <a:lnSpc>
+                <a:spcPct val="85000"/>
+              </a:lnSpc>
+              <a:spcBef>
+                <a:spcPct val="0"/>
+              </a:spcBef>
+              <a:buNone/>
+              <a:defRPr sz="4800" kern="1200" spc="-50" baseline="0">
+                <a:solidFill>
+                  <a:schemeClr val="tx1">
+                    <a:lumMod val="75000"/>
+                    <a:lumOff val="25000"/>
+                  </a:schemeClr>
+                </a:solidFill>
+                <a:latin typeface="+mj-lt"/>
+                <a:ea typeface="+mj-ea"/>
+                <a:cs typeface="+mj-cs"/>
+              </a:defRPr>
+            </a:lvl1pPr>
+          </a:lstStyle>
+          <a:p>
+            <a:r>
+              <a:rPr lang="en-US" b="1" dirty="0">
+                <a:latin typeface="SF Compact Display" panose="02000000000000000000" pitchFamily="50" charset="0"/>
+              </a:rPr>
+              <a:t>To be worshiper</a:t>
+            </a:r>
+            <a:endParaRPr lang="vi-VN" b="1" dirty="0">
+              <a:latin typeface="SF Compact Display" panose="02000000000000000000" pitchFamily="50" charset="0"/>
+            </a:endParaRPr>
+          </a:p>
+        </p:txBody>
+      </p:sp>
+      <p:sp>
+        <p:nvSpPr>
+          <p:cNvPr id="5" name="Rectangle 4">
+            <a:extLst>
+              <a:ext uri="{FF2B5EF4-FFF2-40B4-BE49-F238E27FC236}">
+                <a16:creationId xmlns:a16="http://schemas.microsoft.com/office/drawing/2014/main" id="{0AD3A70E-0EB6-00C2-F33F-045C421DA2FA}"/>
+              </a:ext>
+            </a:extLst>
+          </p:cNvPr>
+          <p:cNvSpPr/>
+          <p:nvPr/>
+        </p:nvSpPr>
+        <p:spPr>
+          <a:xfrm>
+            <a:off x="321733" y="825022"/>
+            <a:ext cx="11667067" cy="36000"/>
+          </a:xfrm>
+          <a:prstGeom prst="rect">
+            <a:avLst/>
+          </a:prstGeom>
+          <a:ln w="6350">
+            <a:noFill/>
+          </a:ln>
+        </p:spPr>
+        <p:style>
+          <a:lnRef idx="2">
+            <a:schemeClr val="accent1">
+              <a:shade val="15000"/>
+            </a:schemeClr>
+          </a:lnRef>
+          <a:fillRef idx="1">
+            <a:schemeClr val="accent1"/>
+          </a:fillRef>
+          <a:effectRef idx="0">
+            <a:schemeClr val="accent1"/>
+          </a:effectRef>
+          <a:fontRef idx="minor">
+            <a:schemeClr val="lt1"/>
+          </a:fontRef>
+        </p:style>
+        <p:txBody>
+          <a:bodyPr rtlCol="0" anchor="ctr"/>
+          <a:lstStyle/>
+          <a:p>
+            <a:pPr algn="ctr"/>
+            <a:endParaRPr lang="vi-VN"/>
+          </a:p>
+        </p:txBody>
+      </p:sp>
+    </p:spTree>
+    <p:extLst>
+      <p:ext uri="{BB962C8B-B14F-4D97-AF65-F5344CB8AC3E}">
+        <p14:creationId xmlns:p14="http://schemas.microsoft.com/office/powerpoint/2010/main" val="3531179428"/>
+      </p:ext>
+    </p:extLst>
+  </p:cSld>
+  <p:clrMapOvr>
+    <a:masterClrMapping/>
+  </p:clrMapOvr>
+</p:sld>
+</file>
+
+<file path=ppt/slides/slide15.xml><?xml version="1.0" encoding="utf-8"?>
+<p:sld xmlns:a="http://schemas.openxmlformats.org/drawingml/2006/main" xmlns:r="http://schemas.openxmlformats.org/officeDocument/2006/relationships" xmlns:p="http://schemas.openxmlformats.org/presentationml/2006/main">
+  <p:cSld>
+    <p:spTree>
+      <p:nvGrpSpPr>
+        <p:cNvPr id="1" name=""/>
+        <p:cNvGrpSpPr/>
+        <p:nvPr/>
+      </p:nvGrpSpPr>
+      <p:grpSpPr>
+        <a:xfrm>
+          <a:off x="0" y="0"/>
+          <a:ext cx="0" cy="0"/>
+          <a:chOff x="0" y="0"/>
+          <a:chExt cx="0" cy="0"/>
+        </a:xfrm>
+      </p:grpSpPr>
+      <p:pic>
+        <p:nvPicPr>
+          <p:cNvPr id="2050" name="Picture 2" descr="Worship Leaders Hit with Pandemic Burnout - Christianity Today">
+            <a:extLst>
+              <a:ext uri="{FF2B5EF4-FFF2-40B4-BE49-F238E27FC236}">
+                <a16:creationId xmlns:a16="http://schemas.microsoft.com/office/drawing/2014/main" id="{9C9E3673-28EC-CAF8-E827-0EAAA8047C57}"/>
+              </a:ext>
+            </a:extLst>
+          </p:cNvPr>
+          <p:cNvPicPr>
+            <a:picLocks noChangeAspect="1" noChangeArrowheads="1"/>
+          </p:cNvPicPr>
+          <p:nvPr/>
+        </p:nvPicPr>
+        <p:blipFill>
+          <a:blip r:embed="rId2">
+            <a:extLst>
+              <a:ext uri="{28A0092B-C50C-407E-A947-70E740481C1C}">
+                <a14:useLocalDpi xmlns:a14="http://schemas.microsoft.com/office/drawing/2010/main" val="0"/>
+              </a:ext>
+            </a:extLst>
+          </a:blip>
+          <a:srcRect/>
+          <a:stretch>
+            <a:fillRect/>
+          </a:stretch>
+        </p:blipFill>
+        <p:spPr bwMode="auto">
+          <a:xfrm>
+            <a:off x="494718" y="2581766"/>
+            <a:ext cx="6133890" cy="3451212"/>
+          </a:xfrm>
+          <a:prstGeom prst="rect">
+            <a:avLst/>
+          </a:prstGeom>
+          <a:noFill/>
+          <a:extLst>
+            <a:ext uri="{909E8E84-426E-40DD-AFC4-6F175D3DCCD1}">
+              <a14:hiddenFill xmlns:a14="http://schemas.microsoft.com/office/drawing/2010/main">
+                <a:solidFill>
+                  <a:srgbClr val="FFFFFF"/>
+                </a:solidFill>
+              </a14:hiddenFill>
+            </a:ext>
+          </a:extLst>
+        </p:spPr>
+      </p:pic>
+      <p:sp>
+        <p:nvSpPr>
+          <p:cNvPr id="6" name="Title 1">
+            <a:extLst>
+              <a:ext uri="{FF2B5EF4-FFF2-40B4-BE49-F238E27FC236}">
+                <a16:creationId xmlns:a16="http://schemas.microsoft.com/office/drawing/2014/main" id="{A5DF57C8-1FD8-1BAD-837B-C79156909BFF}"/>
+              </a:ext>
+            </a:extLst>
+          </p:cNvPr>
+          <p:cNvSpPr txBox="1">
+            <a:spLocks/>
+          </p:cNvSpPr>
+          <p:nvPr/>
+        </p:nvSpPr>
+        <p:spPr>
+          <a:xfrm>
+            <a:off x="321733" y="86730"/>
+            <a:ext cx="10058400" cy="780627"/>
+          </a:xfrm>
+          <a:prstGeom prst="rect">
+            <a:avLst/>
+          </a:prstGeom>
+        </p:spPr>
+        <p:txBody>
+          <a:bodyPr vert="horz" lIns="91440" tIns="45720" rIns="91440" bIns="45720" rtlCol="0" anchor="b">
+            <a:normAutofit/>
+          </a:bodyPr>
+          <a:lstStyle>
+            <a:lvl1pPr marL="0" algn="l" defTabSz="914400" rtl="0" eaLnBrk="1" latinLnBrk="0" hangingPunct="1">
+              <a:lnSpc>
+                <a:spcPct val="85000"/>
+              </a:lnSpc>
+              <a:spcBef>
+                <a:spcPct val="0"/>
+              </a:spcBef>
+              <a:buNone/>
+              <a:defRPr sz="4800" kern="1200" spc="-50" baseline="0">
+                <a:solidFill>
+                  <a:schemeClr val="tx1">
+                    <a:lumMod val="75000"/>
+                    <a:lumOff val="25000"/>
+                  </a:schemeClr>
+                </a:solidFill>
+                <a:latin typeface="+mj-lt"/>
+                <a:ea typeface="+mj-ea"/>
+                <a:cs typeface="+mj-cs"/>
+              </a:defRPr>
+            </a:lvl1pPr>
+          </a:lstStyle>
+          <a:p>
+            <a:r>
+              <a:rPr lang="en-US" b="1" dirty="0">
+                <a:latin typeface="SF Compact Display" panose="02000000000000000000" pitchFamily="50" charset="0"/>
+              </a:rPr>
+              <a:t>Worship Leader</a:t>
+            </a:r>
+            <a:endParaRPr lang="vi-VN" b="1" dirty="0">
+              <a:latin typeface="SF Compact Display" panose="02000000000000000000" pitchFamily="50" charset="0"/>
+            </a:endParaRPr>
+          </a:p>
+        </p:txBody>
+      </p:sp>
+      <p:sp>
+        <p:nvSpPr>
+          <p:cNvPr id="7" name="Rectangle 6">
+            <a:extLst>
+              <a:ext uri="{FF2B5EF4-FFF2-40B4-BE49-F238E27FC236}">
+                <a16:creationId xmlns:a16="http://schemas.microsoft.com/office/drawing/2014/main" id="{2C9FC61B-464F-B6A9-75D3-75A7F7108CED}"/>
+              </a:ext>
+            </a:extLst>
+          </p:cNvPr>
+          <p:cNvSpPr/>
+          <p:nvPr/>
+        </p:nvSpPr>
+        <p:spPr>
+          <a:xfrm>
+            <a:off x="321733" y="825022"/>
+            <a:ext cx="11667067" cy="36000"/>
+          </a:xfrm>
+          <a:prstGeom prst="rect">
+            <a:avLst/>
+          </a:prstGeom>
+          <a:ln w="6350">
+            <a:noFill/>
+          </a:ln>
+        </p:spPr>
+        <p:style>
+          <a:lnRef idx="2">
+            <a:schemeClr val="accent1">
+              <a:shade val="15000"/>
+            </a:schemeClr>
+          </a:lnRef>
+          <a:fillRef idx="1">
+            <a:schemeClr val="accent1"/>
+          </a:fillRef>
+          <a:effectRef idx="0">
+            <a:schemeClr val="accent1"/>
+          </a:effectRef>
+          <a:fontRef idx="minor">
+            <a:schemeClr val="lt1"/>
+          </a:fontRef>
+        </p:style>
+        <p:txBody>
+          <a:bodyPr rtlCol="0" anchor="ctr"/>
+          <a:lstStyle/>
+          <a:p>
+            <a:pPr algn="ctr"/>
+            <a:endParaRPr lang="vi-VN"/>
+          </a:p>
+        </p:txBody>
+      </p:sp>
+    </p:spTree>
+    <p:extLst>
+      <p:ext uri="{BB962C8B-B14F-4D97-AF65-F5344CB8AC3E}">
+        <p14:creationId xmlns:p14="http://schemas.microsoft.com/office/powerpoint/2010/main" val="1634945246"/>
       </p:ext>
     </p:extLst>
   </p:cSld>
@@ -3934,7 +5632,7 @@
               <a:rPr lang="en-US" b="1" dirty="0">
                 <a:latin typeface="SF Compact Text" panose="02000000000000000000" pitchFamily="50" charset="0"/>
               </a:rPr>
-              <a:t>Structure</a:t>
+              <a:t>Agenda</a:t>
             </a:r>
             <a:endParaRPr lang="vi-VN" b="1" dirty="0">
               <a:latin typeface="SF Compact Text" panose="02000000000000000000" pitchFamily="50" charset="0"/>
@@ -4010,7 +5708,7 @@
             <a:lstStyle/>
             <a:p>
               <a:r>
-                <a:rPr kumimoji="0" lang="en-US" sz="2800" b="0" i="0" u="none" strike="noStrike" kern="1200" cap="none" spc="0" normalizeH="0" baseline="0" noProof="0" dirty="0">
+                <a:rPr kumimoji="0" lang="en-US" sz="2800" b="1" i="0" u="none" strike="noStrike" kern="1200" cap="none" spc="0" normalizeH="0" baseline="0" noProof="0" dirty="0">
                   <a:ln>
                     <a:noFill/>
                   </a:ln>
@@ -4029,7 +5727,7 @@
                 </a:rPr>
                 <a:t>Worship</a:t>
               </a:r>
-              <a:endParaRPr lang="vi-VN" dirty="0"/>
+              <a:endParaRPr lang="vi-VN" b="1" dirty="0"/>
             </a:p>
           </p:txBody>
         </p:sp>
@@ -4243,7 +5941,7 @@
           <p:spPr>
             <a:xfrm>
               <a:off x="1249680" y="3928535"/>
-              <a:ext cx="2848187" cy="516467"/>
+              <a:ext cx="3005667" cy="516467"/>
             </a:xfrm>
             <a:prstGeom prst="snip1Rect">
               <a:avLst/>
@@ -4276,7 +5974,7 @@
             <a:lstStyle/>
             <a:p>
               <a:r>
-                <a:rPr kumimoji="0" lang="en-US" sz="2800" b="0" i="0" u="none" strike="noStrike" kern="1200" cap="none" spc="0" normalizeH="0" baseline="0" noProof="0" dirty="0">
+                <a:rPr kumimoji="0" lang="en-US" sz="2800" b="1" i="0" u="none" strike="noStrike" kern="1200" cap="none" spc="0" normalizeH="0" baseline="0" noProof="0" dirty="0">
                   <a:ln>
                     <a:noFill/>
                   </a:ln>
@@ -4295,7 +5993,7 @@
                 </a:rPr>
                 <a:t>Worship Leader</a:t>
               </a:r>
-              <a:endParaRPr lang="vi-VN" dirty="0"/>
+              <a:endParaRPr lang="vi-VN" b="1" dirty="0"/>
             </a:p>
           </p:txBody>
         </p:sp>
@@ -4538,7 +6236,7 @@
                 <a:defRPr/>
               </a:pPr>
               <a:r>
-                <a:rPr kumimoji="0" lang="en-US" sz="1800" b="0" i="0" u="none" strike="noStrike" kern="1200" cap="none" spc="0" normalizeH="0" baseline="0" noProof="0" dirty="0" err="1">
+                <a:rPr kumimoji="0" lang="en-US" sz="1800" b="0" i="0" u="none" strike="noStrike" kern="1200" cap="none" spc="0" normalizeH="0" baseline="0" noProof="0" dirty="0">
                   <a:ln>
                     <a:noFill/>
                   </a:ln>
@@ -4555,37 +6253,8 @@
                   <a:ea typeface="+mn-ea"/>
                   <a:cs typeface="+mn-cs"/>
                 </a:rPr>
-                <a:t>Prac</a:t>
+                <a:t>Leading worship</a:t>
               </a:r>
-              <a:r>
-                <a:rPr lang="en-US" dirty="0">
-                  <a:solidFill>
-                    <a:srgbClr val="000000">
-                      <a:lumMod val="75000"/>
-                      <a:lumOff val="25000"/>
-                    </a:srgbClr>
-                  </a:solidFill>
-                  <a:latin typeface="SF Compact Text" panose="02000000000000000000" pitchFamily="50" charset="0"/>
-                </a:rPr>
-                <a:t>tice Time</a:t>
-              </a:r>
-              <a:endParaRPr kumimoji="0" lang="en-US" sz="1800" b="0" i="0" u="none" strike="noStrike" kern="1200" cap="none" spc="0" normalizeH="0" baseline="0" noProof="0" dirty="0">
-                <a:ln>
-                  <a:noFill/>
-                </a:ln>
-                <a:solidFill>
-                  <a:srgbClr val="000000">
-                    <a:lumMod val="75000"/>
-                    <a:lumOff val="25000"/>
-                  </a:srgbClr>
-                </a:solidFill>
-                <a:effectLst/>
-                <a:uLnTx/>
-                <a:uFillTx/>
-                <a:latin typeface="SF Compact Text" panose="02000000000000000000" pitchFamily="50" charset="0"/>
-                <a:ea typeface="+mn-ea"/>
-                <a:cs typeface="+mn-cs"/>
-              </a:endParaRPr>
             </a:p>
           </p:txBody>
         </p:sp>
@@ -4735,16 +6404,18 @@
           </a:xfrm>
         </p:spPr>
         <p:txBody>
-          <a:bodyPr/>
+          <a:bodyPr>
+            <a:normAutofit/>
+          </a:bodyPr>
           <a:lstStyle/>
           <a:p>
             <a:r>
-              <a:rPr lang="en-US" dirty="0">
+              <a:rPr lang="en-US" sz="3600" dirty="0">
                 <a:latin typeface="SF Compact Display" panose="02000000000000000000" pitchFamily="50" charset="0"/>
               </a:rPr>
               <a:t>The fact of the Church nowadays</a:t>
             </a:r>
-            <a:endParaRPr lang="vi-VN" dirty="0">
+            <a:endParaRPr lang="vi-VN" sz="3600" dirty="0">
               <a:latin typeface="SF Compact Display" panose="02000000000000000000" pitchFamily="50" charset="0"/>
             </a:endParaRPr>
           </a:p>
@@ -4765,7 +6436,7 @@
         <p:spPr>
           <a:xfrm>
             <a:off x="1097280" y="1826736"/>
-            <a:ext cx="10058400" cy="3895810"/>
+            <a:ext cx="10058400" cy="2798458"/>
           </a:xfrm>
           <a:prstGeom prst="rect">
             <a:avLst/>
@@ -4784,7 +6455,7 @@
               </a:lnSpc>
             </a:pPr>
             <a:r>
-              <a:rPr lang="en-US" sz="2800" i="0" dirty="0">
+              <a:rPr lang="en-US" sz="2400" i="0" dirty="0">
                 <a:solidFill>
                   <a:srgbClr val="000000"/>
                 </a:solidFill>
@@ -4792,9 +6463,9 @@
                 <a:latin typeface="SF Compact Text" panose="02000000000000000000" pitchFamily="50" charset="0"/>
                 <a:cs typeface="SF Mono Heavy" panose="02000000000000000000" pitchFamily="50" charset="0"/>
               </a:rPr>
-              <a:t>It certainly is true that hardly anything is missing from our churches these days— except the most important thing. We are missing the genuine and sacred offering of ourselves and our worship to the God and Father of our Lord Jesus Christ</a:t>
-            </a:r>
-            <a:endParaRPr lang="en-US" sz="2800" dirty="0">
+              <a:t>It certainly is true that hardly anything is missing from our churches these days — except the most important thing. We are missing the genuine and sacred offering of ourselves and our worship to the God and Father of our Lord Jesus Christ</a:t>
+            </a:r>
+            <a:endParaRPr lang="en-US" sz="2400" dirty="0">
               <a:latin typeface="SF Mono Heavy" panose="02000000000000000000" pitchFamily="50" charset="0"/>
               <a:cs typeface="SF Mono Heavy" panose="02000000000000000000" pitchFamily="50" charset="0"/>
             </a:endParaRPr>
@@ -4806,13 +6477,13 @@
               </a:lnSpc>
             </a:pPr>
             <a:r>
-              <a:rPr lang="en-US" sz="2800" dirty="0">
+              <a:rPr lang="en-US" sz="2400" i="1" dirty="0">
                 <a:latin typeface="SF Mono Heavy" panose="02000000000000000000" pitchFamily="50" charset="0"/>
                 <a:cs typeface="SF Mono Heavy" panose="02000000000000000000" pitchFamily="50" charset="0"/>
               </a:rPr>
               <a:t>Worship - A.W Tozer</a:t>
             </a:r>
-            <a:endParaRPr lang="vi-VN" sz="2800" dirty="0">
+            <a:endParaRPr lang="vi-VN" sz="2400" i="1" dirty="0">
               <a:latin typeface="SF Mono Heavy" panose="02000000000000000000" pitchFamily="50" charset="0"/>
               <a:cs typeface="SF Mono Heavy" panose="02000000000000000000" pitchFamily="50" charset="0"/>
             </a:endParaRPr>
@@ -4833,12 +6504,15 @@
         </p:nvSpPr>
         <p:spPr>
           <a:xfrm>
-            <a:off x="321733" y="867357"/>
-            <a:ext cx="11667067" cy="79958"/>
+            <a:off x="321733" y="825022"/>
+            <a:ext cx="11667067" cy="36000"/>
           </a:xfrm>
           <a:prstGeom prst="rect">
             <a:avLst/>
           </a:prstGeom>
+          <a:ln w="6350">
+            <a:noFill/>
+          </a:ln>
         </p:spPr>
         <p:style>
           <a:lnRef idx="2">
@@ -4919,7 +6593,7 @@
               <a:rPr lang="en-US" b="1" dirty="0">
                 <a:latin typeface="SF Compact Display" panose="02000000000000000000" pitchFamily="50" charset="0"/>
               </a:rPr>
-              <a:t>Worship</a:t>
+              <a:t>To be worshiper</a:t>
             </a:r>
             <a:endParaRPr lang="vi-VN" b="1" dirty="0">
               <a:latin typeface="SF Compact Display" panose="02000000000000000000" pitchFamily="50" charset="0"/>
@@ -4931,6 +6605,2030 @@
     <p:extLst>
       <p:ext uri="{BB962C8B-B14F-4D97-AF65-F5344CB8AC3E}">
         <p14:creationId xmlns:p14="http://schemas.microsoft.com/office/powerpoint/2010/main" val="2958769957"/>
+      </p:ext>
+    </p:extLst>
+  </p:cSld>
+  <p:clrMapOvr>
+    <a:masterClrMapping/>
+  </p:clrMapOvr>
+</p:sld>
+</file>
+
+<file path=ppt/slides/slide4.xml><?xml version="1.0" encoding="utf-8"?>
+<p:sld xmlns:a="http://schemas.openxmlformats.org/drawingml/2006/main" xmlns:r="http://schemas.openxmlformats.org/officeDocument/2006/relationships" xmlns:p="http://schemas.openxmlformats.org/presentationml/2006/main">
+  <p:cSld>
+    <p:spTree>
+      <p:nvGrpSpPr>
+        <p:cNvPr id="1" name=""/>
+        <p:cNvGrpSpPr/>
+        <p:nvPr/>
+      </p:nvGrpSpPr>
+      <p:grpSpPr>
+        <a:xfrm>
+          <a:off x="0" y="0"/>
+          <a:ext cx="0" cy="0"/>
+          <a:chOff x="0" y="0"/>
+          <a:chExt cx="0" cy="0"/>
+        </a:xfrm>
+      </p:grpSpPr>
+      <p:sp>
+        <p:nvSpPr>
+          <p:cNvPr id="2" name="Title 1">
+            <a:extLst>
+              <a:ext uri="{FF2B5EF4-FFF2-40B4-BE49-F238E27FC236}">
+                <a16:creationId xmlns:a16="http://schemas.microsoft.com/office/drawing/2014/main" id="{589F7C0B-8BA5-3BD7-4A2C-FA4BBC3B74B5}"/>
+              </a:ext>
+            </a:extLst>
+          </p:cNvPr>
+          <p:cNvSpPr>
+            <a:spLocks noGrp="1"/>
+          </p:cNvSpPr>
+          <p:nvPr>
+            <p:ph type="title"/>
+          </p:nvPr>
+        </p:nvSpPr>
+        <p:spPr>
+          <a:xfrm>
+            <a:off x="1097280" y="956733"/>
+            <a:ext cx="10058400" cy="780627"/>
+          </a:xfrm>
+        </p:spPr>
+        <p:txBody>
+          <a:bodyPr>
+            <a:normAutofit/>
+          </a:bodyPr>
+          <a:lstStyle/>
+          <a:p>
+            <a:r>
+              <a:rPr lang="en-US" sz="3600" dirty="0">
+                <a:latin typeface="SF Compact Display" panose="02000000000000000000" pitchFamily="50" charset="0"/>
+              </a:rPr>
+              <a:t>Worship to You</a:t>
+            </a:r>
+            <a:endParaRPr lang="vi-VN" sz="3600" dirty="0">
+              <a:latin typeface="SF Compact Display" panose="02000000000000000000" pitchFamily="50" charset="0"/>
+            </a:endParaRPr>
+          </a:p>
+        </p:txBody>
+      </p:sp>
+      <p:sp>
+        <p:nvSpPr>
+          <p:cNvPr id="3" name="Rectangle 2">
+            <a:extLst>
+              <a:ext uri="{FF2B5EF4-FFF2-40B4-BE49-F238E27FC236}">
+                <a16:creationId xmlns:a16="http://schemas.microsoft.com/office/drawing/2014/main" id="{ACD3F802-E698-A02D-B86A-FFAA681B311F}"/>
+              </a:ext>
+            </a:extLst>
+          </p:cNvPr>
+          <p:cNvSpPr/>
+          <p:nvPr/>
+        </p:nvSpPr>
+        <p:spPr>
+          <a:xfrm>
+            <a:off x="321733" y="825022"/>
+            <a:ext cx="11667067" cy="36000"/>
+          </a:xfrm>
+          <a:prstGeom prst="rect">
+            <a:avLst/>
+          </a:prstGeom>
+          <a:ln w="6350">
+            <a:noFill/>
+          </a:ln>
+        </p:spPr>
+        <p:style>
+          <a:lnRef idx="2">
+            <a:schemeClr val="accent1">
+              <a:shade val="15000"/>
+            </a:schemeClr>
+          </a:lnRef>
+          <a:fillRef idx="1">
+            <a:schemeClr val="accent1"/>
+          </a:fillRef>
+          <a:effectRef idx="0">
+            <a:schemeClr val="accent1"/>
+          </a:effectRef>
+          <a:fontRef idx="minor">
+            <a:schemeClr val="lt1"/>
+          </a:fontRef>
+        </p:style>
+        <p:txBody>
+          <a:bodyPr rtlCol="0" anchor="ctr"/>
+          <a:lstStyle/>
+          <a:p>
+            <a:pPr algn="ctr"/>
+            <a:endParaRPr lang="vi-VN"/>
+          </a:p>
+        </p:txBody>
+      </p:sp>
+      <p:sp>
+        <p:nvSpPr>
+          <p:cNvPr id="4" name="Title 1">
+            <a:extLst>
+              <a:ext uri="{FF2B5EF4-FFF2-40B4-BE49-F238E27FC236}">
+                <a16:creationId xmlns:a16="http://schemas.microsoft.com/office/drawing/2014/main" id="{CA898552-904F-FBAC-AADE-58BB375A8B18}"/>
+              </a:ext>
+            </a:extLst>
+          </p:cNvPr>
+          <p:cNvSpPr txBox="1">
+            <a:spLocks/>
+          </p:cNvSpPr>
+          <p:nvPr/>
+        </p:nvSpPr>
+        <p:spPr>
+          <a:xfrm>
+            <a:off x="321733" y="86730"/>
+            <a:ext cx="10058400" cy="780627"/>
+          </a:xfrm>
+          <a:prstGeom prst="rect">
+            <a:avLst/>
+          </a:prstGeom>
+        </p:spPr>
+        <p:txBody>
+          <a:bodyPr vert="horz" lIns="91440" tIns="45720" rIns="91440" bIns="45720" rtlCol="0" anchor="b">
+            <a:normAutofit/>
+          </a:bodyPr>
+          <a:lstStyle>
+            <a:lvl1pPr marL="0" algn="l" defTabSz="914400" rtl="0" eaLnBrk="1" latinLnBrk="0" hangingPunct="1">
+              <a:lnSpc>
+                <a:spcPct val="85000"/>
+              </a:lnSpc>
+              <a:spcBef>
+                <a:spcPct val="0"/>
+              </a:spcBef>
+              <a:buNone/>
+              <a:defRPr sz="4800" kern="1200" spc="-50" baseline="0">
+                <a:solidFill>
+                  <a:schemeClr val="tx1">
+                    <a:lumMod val="75000"/>
+                    <a:lumOff val="25000"/>
+                  </a:schemeClr>
+                </a:solidFill>
+                <a:latin typeface="+mj-lt"/>
+                <a:ea typeface="+mj-ea"/>
+                <a:cs typeface="+mj-cs"/>
+              </a:defRPr>
+            </a:lvl1pPr>
+          </a:lstStyle>
+          <a:p>
+            <a:r>
+              <a:rPr lang="en-US" b="1" dirty="0">
+                <a:latin typeface="SF Compact Display" panose="02000000000000000000" pitchFamily="50" charset="0"/>
+              </a:rPr>
+              <a:t>To be worshiper</a:t>
+            </a:r>
+            <a:endParaRPr lang="vi-VN" b="1" dirty="0">
+              <a:latin typeface="SF Compact Display" panose="02000000000000000000" pitchFamily="50" charset="0"/>
+            </a:endParaRPr>
+          </a:p>
+        </p:txBody>
+      </p:sp>
+      <p:sp>
+        <p:nvSpPr>
+          <p:cNvPr id="5" name="Title 1">
+            <a:extLst>
+              <a:ext uri="{FF2B5EF4-FFF2-40B4-BE49-F238E27FC236}">
+                <a16:creationId xmlns:a16="http://schemas.microsoft.com/office/drawing/2014/main" id="{D5A1F1D4-87BE-D927-A14A-CB3B28B1F60D}"/>
+              </a:ext>
+            </a:extLst>
+          </p:cNvPr>
+          <p:cNvSpPr txBox="1">
+            <a:spLocks/>
+          </p:cNvSpPr>
+          <p:nvPr/>
+        </p:nvSpPr>
+        <p:spPr>
+          <a:xfrm>
+            <a:off x="3088639" y="1916112"/>
+            <a:ext cx="6133253" cy="780627"/>
+          </a:xfrm>
+          <a:prstGeom prst="rect">
+            <a:avLst/>
+          </a:prstGeom>
+        </p:spPr>
+        <p:txBody>
+          <a:bodyPr vert="horz" lIns="91440" tIns="45720" rIns="91440" bIns="45720" rtlCol="0" anchor="ctr">
+            <a:normAutofit/>
+          </a:bodyPr>
+          <a:lstStyle>
+            <a:lvl1pPr marL="0" algn="l" defTabSz="914400" rtl="0" eaLnBrk="1" latinLnBrk="0" hangingPunct="1">
+              <a:lnSpc>
+                <a:spcPct val="85000"/>
+              </a:lnSpc>
+              <a:spcBef>
+                <a:spcPct val="0"/>
+              </a:spcBef>
+              <a:buNone/>
+              <a:defRPr sz="4800" kern="1200" spc="-50" baseline="0">
+                <a:solidFill>
+                  <a:schemeClr val="tx1">
+                    <a:lumMod val="75000"/>
+                    <a:lumOff val="25000"/>
+                  </a:schemeClr>
+                </a:solidFill>
+                <a:latin typeface="+mj-lt"/>
+                <a:ea typeface="+mj-ea"/>
+                <a:cs typeface="+mj-cs"/>
+              </a:defRPr>
+            </a:lvl1pPr>
+          </a:lstStyle>
+          <a:p>
+            <a:r>
+              <a:rPr lang="en-US" sz="2400" dirty="0">
+                <a:latin typeface="SF Compact Display" panose="02000000000000000000" pitchFamily="50" charset="0"/>
+              </a:rPr>
+              <a:t>What does “worship” mean to you?</a:t>
+            </a:r>
+            <a:endParaRPr lang="vi-VN" sz="2400" dirty="0">
+              <a:latin typeface="SF Compact Display" panose="02000000000000000000" pitchFamily="50" charset="0"/>
+            </a:endParaRPr>
+          </a:p>
+        </p:txBody>
+      </p:sp>
+      <p:pic>
+        <p:nvPicPr>
+          <p:cNvPr id="1026" name="Picture 2" descr="Question Mark PNGs for Free Download">
+            <a:extLst>
+              <a:ext uri="{FF2B5EF4-FFF2-40B4-BE49-F238E27FC236}">
+                <a16:creationId xmlns:a16="http://schemas.microsoft.com/office/drawing/2014/main" id="{2CAFE274-1441-58FE-5CD5-8C51B62A2428}"/>
+              </a:ext>
+            </a:extLst>
+          </p:cNvPr>
+          <p:cNvPicPr>
+            <a:picLocks noChangeAspect="1" noChangeArrowheads="1"/>
+          </p:cNvPicPr>
+          <p:nvPr/>
+        </p:nvPicPr>
+        <p:blipFill>
+          <a:blip r:embed="rId2">
+            <a:extLst>
+              <a:ext uri="{28A0092B-C50C-407E-A947-70E740481C1C}">
+                <a14:useLocalDpi xmlns:a14="http://schemas.microsoft.com/office/drawing/2010/main" val="0"/>
+              </a:ext>
+            </a:extLst>
+          </a:blip>
+          <a:srcRect/>
+          <a:stretch>
+            <a:fillRect/>
+          </a:stretch>
+        </p:blipFill>
+        <p:spPr bwMode="auto">
+          <a:xfrm>
+            <a:off x="618066" y="1826736"/>
+            <a:ext cx="2861734" cy="2861734"/>
+          </a:xfrm>
+          <a:prstGeom prst="rect">
+            <a:avLst/>
+          </a:prstGeom>
+          <a:noFill/>
+          <a:extLst>
+            <a:ext uri="{909E8E84-426E-40DD-AFC4-6F175D3DCCD1}">
+              <a14:hiddenFill xmlns:a14="http://schemas.microsoft.com/office/drawing/2010/main">
+                <a:solidFill>
+                  <a:srgbClr val="FFFFFF"/>
+                </a:solidFill>
+              </a14:hiddenFill>
+            </a:ext>
+          </a:extLst>
+        </p:spPr>
+      </p:pic>
+      <p:sp>
+        <p:nvSpPr>
+          <p:cNvPr id="6" name="Title 1">
+            <a:extLst>
+              <a:ext uri="{FF2B5EF4-FFF2-40B4-BE49-F238E27FC236}">
+                <a16:creationId xmlns:a16="http://schemas.microsoft.com/office/drawing/2014/main" id="{08FFAE53-3782-ECC9-1D62-B7E5D62F435B}"/>
+              </a:ext>
+            </a:extLst>
+          </p:cNvPr>
+          <p:cNvSpPr txBox="1">
+            <a:spLocks/>
+          </p:cNvSpPr>
+          <p:nvPr/>
+        </p:nvSpPr>
+        <p:spPr>
+          <a:xfrm>
+            <a:off x="3088639" y="3907843"/>
+            <a:ext cx="7291494" cy="780627"/>
+          </a:xfrm>
+          <a:prstGeom prst="rect">
+            <a:avLst/>
+          </a:prstGeom>
+        </p:spPr>
+        <p:txBody>
+          <a:bodyPr vert="horz" lIns="91440" tIns="45720" rIns="91440" bIns="45720" rtlCol="0" anchor="ctr">
+            <a:normAutofit/>
+          </a:bodyPr>
+          <a:lstStyle>
+            <a:lvl1pPr marL="0" algn="l" defTabSz="914400" rtl="0" eaLnBrk="1" latinLnBrk="0" hangingPunct="1">
+              <a:lnSpc>
+                <a:spcPct val="85000"/>
+              </a:lnSpc>
+              <a:spcBef>
+                <a:spcPct val="0"/>
+              </a:spcBef>
+              <a:buNone/>
+              <a:defRPr sz="4800" kern="1200" spc="-50" baseline="0">
+                <a:solidFill>
+                  <a:schemeClr val="tx1">
+                    <a:lumMod val="75000"/>
+                    <a:lumOff val="25000"/>
+                  </a:schemeClr>
+                </a:solidFill>
+                <a:latin typeface="+mj-lt"/>
+                <a:ea typeface="+mj-ea"/>
+                <a:cs typeface="+mj-cs"/>
+              </a:defRPr>
+            </a:lvl1pPr>
+          </a:lstStyle>
+          <a:p>
+            <a:r>
+              <a:rPr lang="en-US" sz="2400" dirty="0">
+                <a:latin typeface="SF Compact Display" panose="02000000000000000000" pitchFamily="50" charset="0"/>
+              </a:rPr>
+              <a:t>What are you doing to worship the LORD?</a:t>
+            </a:r>
+            <a:endParaRPr lang="vi-VN" sz="2400" dirty="0">
+              <a:latin typeface="SF Compact Display" panose="02000000000000000000" pitchFamily="50" charset="0"/>
+            </a:endParaRPr>
+          </a:p>
+        </p:txBody>
+      </p:sp>
+      <p:sp>
+        <p:nvSpPr>
+          <p:cNvPr id="10" name="Title 1">
+            <a:extLst>
+              <a:ext uri="{FF2B5EF4-FFF2-40B4-BE49-F238E27FC236}">
+                <a16:creationId xmlns:a16="http://schemas.microsoft.com/office/drawing/2014/main" id="{1DA2CCCA-2F81-496B-1A7D-3BC4F3496442}"/>
+              </a:ext>
+            </a:extLst>
+          </p:cNvPr>
+          <p:cNvSpPr txBox="1">
+            <a:spLocks/>
+          </p:cNvSpPr>
+          <p:nvPr/>
+        </p:nvSpPr>
+        <p:spPr>
+          <a:xfrm>
+            <a:off x="3088639" y="2911978"/>
+            <a:ext cx="6133253" cy="780627"/>
+          </a:xfrm>
+          <a:prstGeom prst="rect">
+            <a:avLst/>
+          </a:prstGeom>
+        </p:spPr>
+        <p:txBody>
+          <a:bodyPr vert="horz" lIns="91440" tIns="45720" rIns="91440" bIns="45720" rtlCol="0" anchor="ctr">
+            <a:normAutofit/>
+          </a:bodyPr>
+          <a:lstStyle>
+            <a:lvl1pPr marL="0" algn="l" defTabSz="914400" rtl="0" eaLnBrk="1" latinLnBrk="0" hangingPunct="1">
+              <a:lnSpc>
+                <a:spcPct val="85000"/>
+              </a:lnSpc>
+              <a:spcBef>
+                <a:spcPct val="0"/>
+              </a:spcBef>
+              <a:buNone/>
+              <a:defRPr sz="4800" kern="1200" spc="-50" baseline="0">
+                <a:solidFill>
+                  <a:schemeClr val="tx1">
+                    <a:lumMod val="75000"/>
+                    <a:lumOff val="25000"/>
+                  </a:schemeClr>
+                </a:solidFill>
+                <a:latin typeface="+mj-lt"/>
+                <a:ea typeface="+mj-ea"/>
+                <a:cs typeface="+mj-cs"/>
+              </a:defRPr>
+            </a:lvl1pPr>
+          </a:lstStyle>
+          <a:p>
+            <a:r>
+              <a:rPr lang="en-US" sz="2400" dirty="0">
+                <a:latin typeface="SF Compact Display" panose="02000000000000000000" pitchFamily="50" charset="0"/>
+              </a:rPr>
+              <a:t>What is requirement to worship?</a:t>
+            </a:r>
+            <a:endParaRPr lang="vi-VN" sz="2400" dirty="0">
+              <a:latin typeface="SF Compact Display" panose="02000000000000000000" pitchFamily="50" charset="0"/>
+            </a:endParaRPr>
+          </a:p>
+        </p:txBody>
+      </p:sp>
+    </p:spTree>
+    <p:extLst>
+      <p:ext uri="{BB962C8B-B14F-4D97-AF65-F5344CB8AC3E}">
+        <p14:creationId xmlns:p14="http://schemas.microsoft.com/office/powerpoint/2010/main" val="3158136281"/>
+      </p:ext>
+    </p:extLst>
+  </p:cSld>
+  <p:clrMapOvr>
+    <a:masterClrMapping/>
+  </p:clrMapOvr>
+</p:sld>
+</file>
+
+<file path=ppt/slides/slide5.xml><?xml version="1.0" encoding="utf-8"?>
+<p:sld xmlns:a="http://schemas.openxmlformats.org/drawingml/2006/main" xmlns:r="http://schemas.openxmlformats.org/officeDocument/2006/relationships" xmlns:p="http://schemas.openxmlformats.org/presentationml/2006/main">
+  <p:cSld>
+    <p:spTree>
+      <p:nvGrpSpPr>
+        <p:cNvPr id="1" name=""/>
+        <p:cNvGrpSpPr/>
+        <p:nvPr/>
+      </p:nvGrpSpPr>
+      <p:grpSpPr>
+        <a:xfrm>
+          <a:off x="0" y="0"/>
+          <a:ext cx="0" cy="0"/>
+          <a:chOff x="0" y="0"/>
+          <a:chExt cx="0" cy="0"/>
+        </a:xfrm>
+      </p:grpSpPr>
+      <p:sp>
+        <p:nvSpPr>
+          <p:cNvPr id="2" name="Title 1">
+            <a:extLst>
+              <a:ext uri="{FF2B5EF4-FFF2-40B4-BE49-F238E27FC236}">
+                <a16:creationId xmlns:a16="http://schemas.microsoft.com/office/drawing/2014/main" id="{589F7C0B-8BA5-3BD7-4A2C-FA4BBC3B74B5}"/>
+              </a:ext>
+            </a:extLst>
+          </p:cNvPr>
+          <p:cNvSpPr>
+            <a:spLocks noGrp="1"/>
+          </p:cNvSpPr>
+          <p:nvPr>
+            <p:ph type="title"/>
+          </p:nvPr>
+        </p:nvSpPr>
+        <p:spPr>
+          <a:xfrm>
+            <a:off x="1097280" y="956733"/>
+            <a:ext cx="10058400" cy="780627"/>
+          </a:xfrm>
+        </p:spPr>
+        <p:txBody>
+          <a:bodyPr>
+            <a:normAutofit/>
+          </a:bodyPr>
+          <a:lstStyle/>
+          <a:p>
+            <a:r>
+              <a:rPr lang="en-US" sz="3600" dirty="0">
+                <a:latin typeface="SF Compact Display" panose="02000000000000000000" pitchFamily="50" charset="0"/>
+              </a:rPr>
+              <a:t>Some definitions</a:t>
+            </a:r>
+            <a:endParaRPr lang="vi-VN" sz="3600" dirty="0">
+              <a:latin typeface="SF Compact Display" panose="02000000000000000000" pitchFamily="50" charset="0"/>
+            </a:endParaRPr>
+          </a:p>
+        </p:txBody>
+      </p:sp>
+      <p:sp>
+        <p:nvSpPr>
+          <p:cNvPr id="4" name="Title 1">
+            <a:extLst>
+              <a:ext uri="{FF2B5EF4-FFF2-40B4-BE49-F238E27FC236}">
+                <a16:creationId xmlns:a16="http://schemas.microsoft.com/office/drawing/2014/main" id="{CA898552-904F-FBAC-AADE-58BB375A8B18}"/>
+              </a:ext>
+            </a:extLst>
+          </p:cNvPr>
+          <p:cNvSpPr txBox="1">
+            <a:spLocks/>
+          </p:cNvSpPr>
+          <p:nvPr/>
+        </p:nvSpPr>
+        <p:spPr>
+          <a:xfrm>
+            <a:off x="321733" y="86730"/>
+            <a:ext cx="10058400" cy="780627"/>
+          </a:xfrm>
+          <a:prstGeom prst="rect">
+            <a:avLst/>
+          </a:prstGeom>
+        </p:spPr>
+        <p:txBody>
+          <a:bodyPr vert="horz" lIns="91440" tIns="45720" rIns="91440" bIns="45720" rtlCol="0" anchor="b">
+            <a:normAutofit/>
+          </a:bodyPr>
+          <a:lstStyle>
+            <a:lvl1pPr marL="0" algn="l" defTabSz="914400" rtl="0" eaLnBrk="1" latinLnBrk="0" hangingPunct="1">
+              <a:lnSpc>
+                <a:spcPct val="85000"/>
+              </a:lnSpc>
+              <a:spcBef>
+                <a:spcPct val="0"/>
+              </a:spcBef>
+              <a:buNone/>
+              <a:defRPr sz="4800" kern="1200" spc="-50" baseline="0">
+                <a:solidFill>
+                  <a:schemeClr val="tx1">
+                    <a:lumMod val="75000"/>
+                    <a:lumOff val="25000"/>
+                  </a:schemeClr>
+                </a:solidFill>
+                <a:latin typeface="+mj-lt"/>
+                <a:ea typeface="+mj-ea"/>
+                <a:cs typeface="+mj-cs"/>
+              </a:defRPr>
+            </a:lvl1pPr>
+          </a:lstStyle>
+          <a:p>
+            <a:r>
+              <a:rPr lang="en-US" b="1" dirty="0">
+                <a:latin typeface="SF Compact Display" panose="02000000000000000000" pitchFamily="50" charset="0"/>
+              </a:rPr>
+              <a:t>To be worshiper</a:t>
+            </a:r>
+            <a:endParaRPr lang="vi-VN" b="1" dirty="0">
+              <a:latin typeface="SF Compact Display" panose="02000000000000000000" pitchFamily="50" charset="0"/>
+            </a:endParaRPr>
+          </a:p>
+        </p:txBody>
+      </p:sp>
+      <p:sp>
+        <p:nvSpPr>
+          <p:cNvPr id="5" name="Rectangle 4">
+            <a:extLst>
+              <a:ext uri="{FF2B5EF4-FFF2-40B4-BE49-F238E27FC236}">
+                <a16:creationId xmlns:a16="http://schemas.microsoft.com/office/drawing/2014/main" id="{4EADD43D-E784-79CA-F056-D5B2983044E3}"/>
+              </a:ext>
+            </a:extLst>
+          </p:cNvPr>
+          <p:cNvSpPr/>
+          <p:nvPr/>
+        </p:nvSpPr>
+        <p:spPr>
+          <a:xfrm>
+            <a:off x="321733" y="825022"/>
+            <a:ext cx="11667067" cy="36000"/>
+          </a:xfrm>
+          <a:prstGeom prst="rect">
+            <a:avLst/>
+          </a:prstGeom>
+          <a:ln w="6350">
+            <a:noFill/>
+          </a:ln>
+        </p:spPr>
+        <p:style>
+          <a:lnRef idx="2">
+            <a:schemeClr val="accent1">
+              <a:shade val="15000"/>
+            </a:schemeClr>
+          </a:lnRef>
+          <a:fillRef idx="1">
+            <a:schemeClr val="accent1"/>
+          </a:fillRef>
+          <a:effectRef idx="0">
+            <a:schemeClr val="accent1"/>
+          </a:effectRef>
+          <a:fontRef idx="minor">
+            <a:schemeClr val="lt1"/>
+          </a:fontRef>
+        </p:style>
+        <p:txBody>
+          <a:bodyPr rtlCol="0" anchor="ctr"/>
+          <a:lstStyle/>
+          <a:p>
+            <a:pPr algn="ctr"/>
+            <a:endParaRPr lang="vi-VN"/>
+          </a:p>
+        </p:txBody>
+      </p:sp>
+      <p:sp>
+        <p:nvSpPr>
+          <p:cNvPr id="8" name="TextBox 7">
+            <a:extLst>
+              <a:ext uri="{FF2B5EF4-FFF2-40B4-BE49-F238E27FC236}">
+                <a16:creationId xmlns:a16="http://schemas.microsoft.com/office/drawing/2014/main" id="{716ADB5C-5A63-CFDA-2185-901B7111A13A}"/>
+              </a:ext>
+            </a:extLst>
+          </p:cNvPr>
+          <p:cNvSpPr txBox="1"/>
+          <p:nvPr/>
+        </p:nvSpPr>
+        <p:spPr>
+          <a:xfrm>
+            <a:off x="1097279" y="1826736"/>
+            <a:ext cx="10058399" cy="646331"/>
+          </a:xfrm>
+          <a:prstGeom prst="rect">
+            <a:avLst/>
+          </a:prstGeom>
+          <a:noFill/>
+        </p:spPr>
+        <p:txBody>
+          <a:bodyPr wrap="square">
+            <a:spAutoFit/>
+          </a:bodyPr>
+          <a:lstStyle/>
+          <a:p>
+            <a:pPr algn="just"/>
+            <a:r>
+              <a:rPr lang="en-US" b="0" i="1" dirty="0">
+                <a:solidFill>
+                  <a:srgbClr val="3E4C59"/>
+                </a:solidFill>
+                <a:effectLst/>
+                <a:latin typeface="SF Compact Text" panose="02000000000000000000" pitchFamily="50" charset="0"/>
+              </a:rPr>
+              <a:t>“Biblical worship is an act of exalting God to a place of honor and reverence because He is worthy”</a:t>
+            </a:r>
+            <a:r>
+              <a:rPr lang="en-US" i="1" dirty="0">
+                <a:solidFill>
+                  <a:srgbClr val="3E4C59"/>
+                </a:solidFill>
+                <a:latin typeface="SF Compact Text" panose="02000000000000000000" pitchFamily="50" charset="0"/>
+              </a:rPr>
+              <a:t> – life, love &amp; Jesus</a:t>
+            </a:r>
+          </a:p>
+        </p:txBody>
+      </p:sp>
+      <p:sp>
+        <p:nvSpPr>
+          <p:cNvPr id="9" name="TextBox 8">
+            <a:extLst>
+              <a:ext uri="{FF2B5EF4-FFF2-40B4-BE49-F238E27FC236}">
+                <a16:creationId xmlns:a16="http://schemas.microsoft.com/office/drawing/2014/main" id="{EC194959-EB7A-B755-A2AB-942CE8510E7B}"/>
+              </a:ext>
+            </a:extLst>
+          </p:cNvPr>
+          <p:cNvSpPr txBox="1"/>
+          <p:nvPr/>
+        </p:nvSpPr>
+        <p:spPr>
+          <a:xfrm>
+            <a:off x="1126066" y="2562443"/>
+            <a:ext cx="10058399" cy="923330"/>
+          </a:xfrm>
+          <a:prstGeom prst="rect">
+            <a:avLst/>
+          </a:prstGeom>
+          <a:noFill/>
+        </p:spPr>
+        <p:txBody>
+          <a:bodyPr wrap="square">
+            <a:spAutoFit/>
+          </a:bodyPr>
+          <a:lstStyle/>
+          <a:p>
+            <a:pPr algn="just"/>
+            <a:r>
+              <a:rPr lang="en-US" b="0" i="1" dirty="0">
+                <a:solidFill>
+                  <a:srgbClr val="3E4C59"/>
+                </a:solidFill>
+                <a:effectLst/>
+                <a:latin typeface="SF Compact Text" panose="02000000000000000000" pitchFamily="50" charset="0"/>
+              </a:rPr>
+              <a:t>“Worship is an expression of praise from the depths of our hearts toward a God who is understood through His Word. If we do not have the truth of the Bible, we do not know God and we cannot be truly worshiping.”</a:t>
+            </a:r>
+            <a:r>
+              <a:rPr lang="en-US" i="1" dirty="0">
+                <a:solidFill>
+                  <a:srgbClr val="3E4C59"/>
+                </a:solidFill>
+                <a:latin typeface="SF Compact Text" panose="02000000000000000000" pitchFamily="50" charset="0"/>
+              </a:rPr>
+              <a:t> – </a:t>
+            </a:r>
+            <a:r>
+              <a:rPr lang="en-US" i="1" dirty="0" err="1">
+                <a:solidFill>
+                  <a:srgbClr val="3E4C59"/>
+                </a:solidFill>
+                <a:latin typeface="SF Compact Text" panose="02000000000000000000" pitchFamily="50" charset="0"/>
+              </a:rPr>
+              <a:t>gotQuestions</a:t>
+            </a:r>
+            <a:endParaRPr lang="en-US" i="1" dirty="0">
+              <a:solidFill>
+                <a:srgbClr val="3E4C59"/>
+              </a:solidFill>
+              <a:latin typeface="SF Compact Text" panose="02000000000000000000" pitchFamily="50" charset="0"/>
+            </a:endParaRPr>
+          </a:p>
+        </p:txBody>
+      </p:sp>
+    </p:spTree>
+    <p:extLst>
+      <p:ext uri="{BB962C8B-B14F-4D97-AF65-F5344CB8AC3E}">
+        <p14:creationId xmlns:p14="http://schemas.microsoft.com/office/powerpoint/2010/main" val="1979643980"/>
+      </p:ext>
+    </p:extLst>
+  </p:cSld>
+  <p:clrMapOvr>
+    <a:masterClrMapping/>
+  </p:clrMapOvr>
+</p:sld>
+</file>
+
+<file path=ppt/slides/slide6.xml><?xml version="1.0" encoding="utf-8"?>
+<p:sld xmlns:a="http://schemas.openxmlformats.org/drawingml/2006/main" xmlns:r="http://schemas.openxmlformats.org/officeDocument/2006/relationships" xmlns:p="http://schemas.openxmlformats.org/presentationml/2006/main">
+  <p:cSld>
+    <p:spTree>
+      <p:nvGrpSpPr>
+        <p:cNvPr id="1" name=""/>
+        <p:cNvGrpSpPr/>
+        <p:nvPr/>
+      </p:nvGrpSpPr>
+      <p:grpSpPr>
+        <a:xfrm>
+          <a:off x="0" y="0"/>
+          <a:ext cx="0" cy="0"/>
+          <a:chOff x="0" y="0"/>
+          <a:chExt cx="0" cy="0"/>
+        </a:xfrm>
+      </p:grpSpPr>
+      <p:sp>
+        <p:nvSpPr>
+          <p:cNvPr id="2" name="Title 1">
+            <a:extLst>
+              <a:ext uri="{FF2B5EF4-FFF2-40B4-BE49-F238E27FC236}">
+                <a16:creationId xmlns:a16="http://schemas.microsoft.com/office/drawing/2014/main" id="{589F7C0B-8BA5-3BD7-4A2C-FA4BBC3B74B5}"/>
+              </a:ext>
+            </a:extLst>
+          </p:cNvPr>
+          <p:cNvSpPr>
+            <a:spLocks noGrp="1"/>
+          </p:cNvSpPr>
+          <p:nvPr>
+            <p:ph type="title"/>
+          </p:nvPr>
+        </p:nvSpPr>
+        <p:spPr>
+          <a:xfrm>
+            <a:off x="1097280" y="956733"/>
+            <a:ext cx="10058400" cy="780627"/>
+          </a:xfrm>
+        </p:spPr>
+        <p:txBody>
+          <a:bodyPr>
+            <a:normAutofit/>
+          </a:bodyPr>
+          <a:lstStyle/>
+          <a:p>
+            <a:r>
+              <a:rPr lang="en-US" sz="3600" dirty="0">
+                <a:latin typeface="SF Compact Display" panose="02000000000000000000" pitchFamily="50" charset="0"/>
+              </a:rPr>
+              <a:t>How the term “worship” is used in Old Testament?</a:t>
+            </a:r>
+            <a:endParaRPr lang="vi-VN" sz="3600" dirty="0">
+              <a:latin typeface="SF Compact Display" panose="02000000000000000000" pitchFamily="50" charset="0"/>
+            </a:endParaRPr>
+          </a:p>
+        </p:txBody>
+      </p:sp>
+      <p:sp>
+        <p:nvSpPr>
+          <p:cNvPr id="7" name="TextBox 6">
+            <a:extLst>
+              <a:ext uri="{FF2B5EF4-FFF2-40B4-BE49-F238E27FC236}">
+                <a16:creationId xmlns:a16="http://schemas.microsoft.com/office/drawing/2014/main" id="{66D361DF-4053-70F3-3A59-1858DCB0B4A2}"/>
+              </a:ext>
+            </a:extLst>
+          </p:cNvPr>
+          <p:cNvSpPr txBox="1"/>
+          <p:nvPr/>
+        </p:nvSpPr>
+        <p:spPr>
+          <a:xfrm>
+            <a:off x="1097280" y="1826736"/>
+            <a:ext cx="10058400" cy="4460452"/>
+          </a:xfrm>
+          <a:prstGeom prst="rect">
+            <a:avLst/>
+          </a:prstGeom>
+          <a:noFill/>
+        </p:spPr>
+        <p:txBody>
+          <a:bodyPr wrap="square">
+            <a:spAutoFit/>
+          </a:bodyPr>
+          <a:lstStyle/>
+          <a:p>
+            <a:pPr algn="just">
+              <a:lnSpc>
+                <a:spcPct val="150000"/>
+              </a:lnSpc>
+            </a:pPr>
+            <a:r>
+              <a:rPr lang="en-US" sz="2400" b="1" dirty="0">
+                <a:solidFill>
+                  <a:srgbClr val="000000"/>
+                </a:solidFill>
+                <a:latin typeface="SF Compact Text" panose="02000000000000000000" pitchFamily="50" charset="0"/>
+                <a:cs typeface="SF Mono Heavy" panose="02000000000000000000" pitchFamily="50" charset="0"/>
+              </a:rPr>
+              <a:t>The presence of the LORD</a:t>
+            </a:r>
+            <a:r>
+              <a:rPr lang="en-US" sz="2400" dirty="0">
+                <a:solidFill>
+                  <a:srgbClr val="000000"/>
+                </a:solidFill>
+                <a:latin typeface="SF Compact Text" panose="02000000000000000000" pitchFamily="50" charset="0"/>
+                <a:cs typeface="SF Mono Heavy" panose="02000000000000000000" pitchFamily="50" charset="0"/>
+              </a:rPr>
+              <a:t>:</a:t>
+            </a:r>
+          </a:p>
+          <a:p>
+            <a:pPr algn="just">
+              <a:lnSpc>
+                <a:spcPct val="150000"/>
+              </a:lnSpc>
+            </a:pPr>
+            <a:r>
+              <a:rPr lang="en-US" sz="2400" dirty="0">
+                <a:latin typeface="SF Compact Text" panose="02000000000000000000" pitchFamily="50" charset="0"/>
+                <a:cs typeface="SF Mono Heavy" panose="02000000000000000000" pitchFamily="50" charset="0"/>
+              </a:rPr>
+              <a:t>“Exalt the Lord our God, And worship at </a:t>
+            </a:r>
+            <a:r>
+              <a:rPr lang="en-US" sz="2400" dirty="0">
+                <a:solidFill>
+                  <a:srgbClr val="0070C0"/>
+                </a:solidFill>
+                <a:latin typeface="SF Compact Text" panose="02000000000000000000" pitchFamily="50" charset="0"/>
+                <a:cs typeface="SF Mono Heavy" panose="02000000000000000000" pitchFamily="50" charset="0"/>
+              </a:rPr>
+              <a:t>His holy hill</a:t>
+            </a:r>
+            <a:r>
+              <a:rPr lang="en-US" sz="2400" dirty="0">
+                <a:latin typeface="SF Compact Text" panose="02000000000000000000" pitchFamily="50" charset="0"/>
+                <a:cs typeface="SF Mono Heavy" panose="02000000000000000000" pitchFamily="50" charset="0"/>
+              </a:rPr>
+              <a:t>; For the </a:t>
+            </a:r>
+            <a:r>
+              <a:rPr lang="en-US" sz="2400" dirty="0">
+                <a:solidFill>
+                  <a:srgbClr val="0070C0"/>
+                </a:solidFill>
+                <a:latin typeface="SF Compact Text" panose="02000000000000000000" pitchFamily="50" charset="0"/>
+                <a:cs typeface="SF Mono Heavy" panose="02000000000000000000" pitchFamily="50" charset="0"/>
+              </a:rPr>
+              <a:t>Lord our God is holy</a:t>
+            </a:r>
+            <a:r>
+              <a:rPr lang="en-US" sz="2400" dirty="0">
+                <a:latin typeface="SF Compact Text" panose="02000000000000000000" pitchFamily="50" charset="0"/>
+                <a:cs typeface="SF Mono Heavy" panose="02000000000000000000" pitchFamily="50" charset="0"/>
+              </a:rPr>
+              <a:t>.” </a:t>
+            </a:r>
+          </a:p>
+          <a:p>
+            <a:pPr algn="just">
+              <a:lnSpc>
+                <a:spcPct val="150000"/>
+              </a:lnSpc>
+            </a:pPr>
+            <a:r>
+              <a:rPr lang="en-US" sz="2400" i="1" dirty="0">
+                <a:latin typeface="SF Compact Text" panose="02000000000000000000" pitchFamily="50" charset="0"/>
+                <a:cs typeface="SF Mono Heavy" panose="02000000000000000000" pitchFamily="50" charset="0"/>
+              </a:rPr>
+              <a:t>- Psalm 99:9</a:t>
+            </a:r>
+          </a:p>
+          <a:p>
+            <a:pPr algn="just">
+              <a:lnSpc>
+                <a:spcPct val="150000"/>
+              </a:lnSpc>
+            </a:pPr>
+            <a:r>
+              <a:rPr lang="en-US" sz="2400" dirty="0">
+                <a:latin typeface="SF Compact Text" panose="02000000000000000000" pitchFamily="50" charset="0"/>
+                <a:cs typeface="SF Mono Heavy" panose="02000000000000000000" pitchFamily="50" charset="0"/>
+              </a:rPr>
+              <a:t>“You </a:t>
+            </a:r>
+            <a:r>
+              <a:rPr lang="en-US" sz="2400" dirty="0">
+                <a:solidFill>
+                  <a:srgbClr val="FF0000"/>
+                </a:solidFill>
+                <a:latin typeface="SF Compact Text" panose="02000000000000000000" pitchFamily="50" charset="0"/>
+                <a:cs typeface="SF Mono Heavy" panose="02000000000000000000" pitchFamily="50" charset="0"/>
+              </a:rPr>
+              <a:t>shall not worship the Lord your God with such things</a:t>
+            </a:r>
+            <a:r>
+              <a:rPr lang="en-US" sz="2400" dirty="0">
+                <a:latin typeface="SF Compact Text" panose="02000000000000000000" pitchFamily="50" charset="0"/>
+                <a:cs typeface="SF Mono Heavy" panose="02000000000000000000" pitchFamily="50" charset="0"/>
+              </a:rPr>
+              <a:t>. But </a:t>
+            </a:r>
+            <a:r>
+              <a:rPr lang="en-US" sz="2400" dirty="0">
+                <a:solidFill>
+                  <a:srgbClr val="0070C0"/>
+                </a:solidFill>
+                <a:latin typeface="SF Compact Text" panose="02000000000000000000" pitchFamily="50" charset="0"/>
+                <a:cs typeface="SF Mono Heavy" panose="02000000000000000000" pitchFamily="50" charset="0"/>
+              </a:rPr>
+              <a:t>you shall seek the place where the Lord your God chooses</a:t>
+            </a:r>
+            <a:r>
+              <a:rPr lang="en-US" sz="2400" dirty="0">
+                <a:latin typeface="SF Compact Text" panose="02000000000000000000" pitchFamily="50" charset="0"/>
+                <a:cs typeface="SF Mono Heavy" panose="02000000000000000000" pitchFamily="50" charset="0"/>
+              </a:rPr>
+              <a:t>, out of all your tribes, </a:t>
+            </a:r>
+            <a:r>
+              <a:rPr lang="en-US" sz="2400" dirty="0">
+                <a:solidFill>
+                  <a:srgbClr val="0070C0"/>
+                </a:solidFill>
+                <a:latin typeface="SF Compact Text" panose="02000000000000000000" pitchFamily="50" charset="0"/>
+                <a:cs typeface="SF Mono Heavy" panose="02000000000000000000" pitchFamily="50" charset="0"/>
+              </a:rPr>
+              <a:t>to put His name for His dwelling place</a:t>
+            </a:r>
+            <a:r>
+              <a:rPr lang="en-US" sz="2400" dirty="0">
+                <a:latin typeface="SF Compact Text" panose="02000000000000000000" pitchFamily="50" charset="0"/>
+                <a:cs typeface="SF Mono Heavy" panose="02000000000000000000" pitchFamily="50" charset="0"/>
+              </a:rPr>
+              <a:t>; and there you shall go.” </a:t>
+            </a:r>
+            <a:r>
+              <a:rPr lang="en-US" sz="2400" i="1" dirty="0">
+                <a:latin typeface="SF Compact Text" panose="02000000000000000000" pitchFamily="50" charset="0"/>
+                <a:cs typeface="SF Mono Heavy" panose="02000000000000000000" pitchFamily="50" charset="0"/>
+              </a:rPr>
+              <a:t>– Deuteronomy 12:4-5</a:t>
+            </a:r>
+            <a:endParaRPr lang="vi-VN" sz="2400" i="1" dirty="0">
+              <a:latin typeface="SF Compact Text" panose="02000000000000000000" pitchFamily="50" charset="0"/>
+              <a:cs typeface="SF Mono Heavy" panose="02000000000000000000" pitchFamily="50" charset="0"/>
+            </a:endParaRPr>
+          </a:p>
+        </p:txBody>
+      </p:sp>
+      <p:sp>
+        <p:nvSpPr>
+          <p:cNvPr id="4" name="Title 1">
+            <a:extLst>
+              <a:ext uri="{FF2B5EF4-FFF2-40B4-BE49-F238E27FC236}">
+                <a16:creationId xmlns:a16="http://schemas.microsoft.com/office/drawing/2014/main" id="{CA898552-904F-FBAC-AADE-58BB375A8B18}"/>
+              </a:ext>
+            </a:extLst>
+          </p:cNvPr>
+          <p:cNvSpPr txBox="1">
+            <a:spLocks/>
+          </p:cNvSpPr>
+          <p:nvPr/>
+        </p:nvSpPr>
+        <p:spPr>
+          <a:xfrm>
+            <a:off x="321733" y="86730"/>
+            <a:ext cx="10058400" cy="780627"/>
+          </a:xfrm>
+          <a:prstGeom prst="rect">
+            <a:avLst/>
+          </a:prstGeom>
+        </p:spPr>
+        <p:txBody>
+          <a:bodyPr vert="horz" lIns="91440" tIns="45720" rIns="91440" bIns="45720" rtlCol="0" anchor="b">
+            <a:normAutofit/>
+          </a:bodyPr>
+          <a:lstStyle>
+            <a:lvl1pPr marL="0" algn="l" defTabSz="914400" rtl="0" eaLnBrk="1" latinLnBrk="0" hangingPunct="1">
+              <a:lnSpc>
+                <a:spcPct val="85000"/>
+              </a:lnSpc>
+              <a:spcBef>
+                <a:spcPct val="0"/>
+              </a:spcBef>
+              <a:buNone/>
+              <a:defRPr sz="4800" kern="1200" spc="-50" baseline="0">
+                <a:solidFill>
+                  <a:schemeClr val="tx1">
+                    <a:lumMod val="75000"/>
+                    <a:lumOff val="25000"/>
+                  </a:schemeClr>
+                </a:solidFill>
+                <a:latin typeface="+mj-lt"/>
+                <a:ea typeface="+mj-ea"/>
+                <a:cs typeface="+mj-cs"/>
+              </a:defRPr>
+            </a:lvl1pPr>
+          </a:lstStyle>
+          <a:p>
+            <a:r>
+              <a:rPr lang="en-US" b="1" dirty="0">
+                <a:latin typeface="SF Compact Display" panose="02000000000000000000" pitchFamily="50" charset="0"/>
+              </a:rPr>
+              <a:t>To be worshiper</a:t>
+            </a:r>
+            <a:endParaRPr lang="vi-VN" b="1" dirty="0">
+              <a:latin typeface="SF Compact Display" panose="02000000000000000000" pitchFamily="50" charset="0"/>
+            </a:endParaRPr>
+          </a:p>
+        </p:txBody>
+      </p:sp>
+      <p:sp>
+        <p:nvSpPr>
+          <p:cNvPr id="5" name="Rectangle 4">
+            <a:extLst>
+              <a:ext uri="{FF2B5EF4-FFF2-40B4-BE49-F238E27FC236}">
+                <a16:creationId xmlns:a16="http://schemas.microsoft.com/office/drawing/2014/main" id="{4EADD43D-E784-79CA-F056-D5B2983044E3}"/>
+              </a:ext>
+            </a:extLst>
+          </p:cNvPr>
+          <p:cNvSpPr/>
+          <p:nvPr/>
+        </p:nvSpPr>
+        <p:spPr>
+          <a:xfrm>
+            <a:off x="321733" y="825022"/>
+            <a:ext cx="11667067" cy="36000"/>
+          </a:xfrm>
+          <a:prstGeom prst="rect">
+            <a:avLst/>
+          </a:prstGeom>
+          <a:ln w="6350">
+            <a:noFill/>
+          </a:ln>
+        </p:spPr>
+        <p:style>
+          <a:lnRef idx="2">
+            <a:schemeClr val="accent1">
+              <a:shade val="15000"/>
+            </a:schemeClr>
+          </a:lnRef>
+          <a:fillRef idx="1">
+            <a:schemeClr val="accent1"/>
+          </a:fillRef>
+          <a:effectRef idx="0">
+            <a:schemeClr val="accent1"/>
+          </a:effectRef>
+          <a:fontRef idx="minor">
+            <a:schemeClr val="lt1"/>
+          </a:fontRef>
+        </p:style>
+        <p:txBody>
+          <a:bodyPr rtlCol="0" anchor="ctr"/>
+          <a:lstStyle/>
+          <a:p>
+            <a:pPr algn="ctr"/>
+            <a:endParaRPr lang="vi-VN"/>
+          </a:p>
+        </p:txBody>
+      </p:sp>
+    </p:spTree>
+    <p:extLst>
+      <p:ext uri="{BB962C8B-B14F-4D97-AF65-F5344CB8AC3E}">
+        <p14:creationId xmlns:p14="http://schemas.microsoft.com/office/powerpoint/2010/main" val="4027009654"/>
+      </p:ext>
+    </p:extLst>
+  </p:cSld>
+  <p:clrMapOvr>
+    <a:masterClrMapping/>
+  </p:clrMapOvr>
+</p:sld>
+</file>
+
+<file path=ppt/slides/slide7.xml><?xml version="1.0" encoding="utf-8"?>
+<p:sld xmlns:a="http://schemas.openxmlformats.org/drawingml/2006/main" xmlns:r="http://schemas.openxmlformats.org/officeDocument/2006/relationships" xmlns:p="http://schemas.openxmlformats.org/presentationml/2006/main">
+  <p:cSld>
+    <p:spTree>
+      <p:nvGrpSpPr>
+        <p:cNvPr id="1" name=""/>
+        <p:cNvGrpSpPr/>
+        <p:nvPr/>
+      </p:nvGrpSpPr>
+      <p:grpSpPr>
+        <a:xfrm>
+          <a:off x="0" y="0"/>
+          <a:ext cx="0" cy="0"/>
+          <a:chOff x="0" y="0"/>
+          <a:chExt cx="0" cy="0"/>
+        </a:xfrm>
+      </p:grpSpPr>
+      <p:sp>
+        <p:nvSpPr>
+          <p:cNvPr id="2" name="Title 1">
+            <a:extLst>
+              <a:ext uri="{FF2B5EF4-FFF2-40B4-BE49-F238E27FC236}">
+                <a16:creationId xmlns:a16="http://schemas.microsoft.com/office/drawing/2014/main" id="{589F7C0B-8BA5-3BD7-4A2C-FA4BBC3B74B5}"/>
+              </a:ext>
+            </a:extLst>
+          </p:cNvPr>
+          <p:cNvSpPr>
+            <a:spLocks noGrp="1"/>
+          </p:cNvSpPr>
+          <p:nvPr>
+            <p:ph type="title"/>
+          </p:nvPr>
+        </p:nvSpPr>
+        <p:spPr>
+          <a:xfrm>
+            <a:off x="1097280" y="956733"/>
+            <a:ext cx="10058400" cy="780627"/>
+          </a:xfrm>
+        </p:spPr>
+        <p:txBody>
+          <a:bodyPr>
+            <a:normAutofit/>
+          </a:bodyPr>
+          <a:lstStyle/>
+          <a:p>
+            <a:r>
+              <a:rPr lang="en-US" sz="3600" dirty="0">
+                <a:latin typeface="SF Compact Display" panose="02000000000000000000" pitchFamily="50" charset="0"/>
+              </a:rPr>
+              <a:t>How the term “worship” is used in Old Testament?</a:t>
+            </a:r>
+            <a:endParaRPr lang="vi-VN" sz="3600" dirty="0">
+              <a:latin typeface="SF Compact Display" panose="02000000000000000000" pitchFamily="50" charset="0"/>
+            </a:endParaRPr>
+          </a:p>
+        </p:txBody>
+      </p:sp>
+      <p:sp>
+        <p:nvSpPr>
+          <p:cNvPr id="7" name="TextBox 6">
+            <a:extLst>
+              <a:ext uri="{FF2B5EF4-FFF2-40B4-BE49-F238E27FC236}">
+                <a16:creationId xmlns:a16="http://schemas.microsoft.com/office/drawing/2014/main" id="{66D361DF-4053-70F3-3A59-1858DCB0B4A2}"/>
+              </a:ext>
+            </a:extLst>
+          </p:cNvPr>
+          <p:cNvSpPr txBox="1"/>
+          <p:nvPr/>
+        </p:nvSpPr>
+        <p:spPr>
+          <a:xfrm>
+            <a:off x="1097280" y="1826736"/>
+            <a:ext cx="10058400" cy="2798458"/>
+          </a:xfrm>
+          <a:prstGeom prst="rect">
+            <a:avLst/>
+          </a:prstGeom>
+          <a:noFill/>
+        </p:spPr>
+        <p:txBody>
+          <a:bodyPr wrap="square">
+            <a:spAutoFit/>
+          </a:bodyPr>
+          <a:lstStyle/>
+          <a:p>
+            <a:pPr algn="just">
+              <a:lnSpc>
+                <a:spcPct val="150000"/>
+              </a:lnSpc>
+            </a:pPr>
+            <a:r>
+              <a:rPr lang="en-US" sz="2400" b="1" dirty="0">
+                <a:solidFill>
+                  <a:srgbClr val="000000"/>
+                </a:solidFill>
+                <a:latin typeface="SF Compact Text" panose="02000000000000000000" pitchFamily="50" charset="0"/>
+                <a:cs typeface="SF Mono Heavy" panose="02000000000000000000" pitchFamily="50" charset="0"/>
+              </a:rPr>
+              <a:t>The nature of the LORD</a:t>
+            </a:r>
+            <a:r>
+              <a:rPr lang="en-US" sz="2400" dirty="0">
+                <a:solidFill>
+                  <a:srgbClr val="000000"/>
+                </a:solidFill>
+                <a:latin typeface="SF Compact Text" panose="02000000000000000000" pitchFamily="50" charset="0"/>
+                <a:cs typeface="SF Mono Heavy" panose="02000000000000000000" pitchFamily="50" charset="0"/>
+              </a:rPr>
+              <a:t>:</a:t>
+            </a:r>
+          </a:p>
+          <a:p>
+            <a:pPr algn="just">
+              <a:lnSpc>
+                <a:spcPct val="150000"/>
+              </a:lnSpc>
+            </a:pPr>
+            <a:r>
+              <a:rPr lang="en-US" sz="2400" dirty="0">
+                <a:latin typeface="SF Compact Text" panose="02000000000000000000" pitchFamily="50" charset="0"/>
+                <a:cs typeface="SF Mono Heavy" panose="02000000000000000000" pitchFamily="50" charset="0"/>
+              </a:rPr>
+              <a:t>“Give unto the Lord the glory </a:t>
+            </a:r>
+            <a:r>
+              <a:rPr lang="en-US" sz="2400" dirty="0">
+                <a:solidFill>
+                  <a:srgbClr val="0070C0"/>
+                </a:solidFill>
+                <a:latin typeface="SF Compact Text" panose="02000000000000000000" pitchFamily="50" charset="0"/>
+                <a:cs typeface="SF Mono Heavy" panose="02000000000000000000" pitchFamily="50" charset="0"/>
+              </a:rPr>
+              <a:t>due to His name</a:t>
+            </a:r>
+            <a:r>
+              <a:rPr lang="en-US" sz="2400" dirty="0">
+                <a:latin typeface="SF Compact Text" panose="02000000000000000000" pitchFamily="50" charset="0"/>
+                <a:cs typeface="SF Mono Heavy" panose="02000000000000000000" pitchFamily="50" charset="0"/>
+              </a:rPr>
+              <a:t>; Worship the Lord </a:t>
+            </a:r>
+            <a:r>
+              <a:rPr lang="en-US" sz="2400" dirty="0">
+                <a:solidFill>
+                  <a:srgbClr val="0070C0"/>
+                </a:solidFill>
+                <a:latin typeface="SF Compact Text" panose="02000000000000000000" pitchFamily="50" charset="0"/>
+                <a:cs typeface="SF Mono Heavy" panose="02000000000000000000" pitchFamily="50" charset="0"/>
+              </a:rPr>
+              <a:t>in the beauty of holiness</a:t>
+            </a:r>
+            <a:r>
+              <a:rPr lang="en-US" sz="2400" dirty="0">
+                <a:latin typeface="SF Compact Text" panose="02000000000000000000" pitchFamily="50" charset="0"/>
+                <a:cs typeface="SF Mono Heavy" panose="02000000000000000000" pitchFamily="50" charset="0"/>
+              </a:rPr>
+              <a:t>.” </a:t>
+            </a:r>
+          </a:p>
+          <a:p>
+            <a:pPr algn="just">
+              <a:lnSpc>
+                <a:spcPct val="150000"/>
+              </a:lnSpc>
+            </a:pPr>
+            <a:r>
+              <a:rPr lang="en-US" sz="2400" i="1" dirty="0">
+                <a:latin typeface="SF Compact Text" panose="02000000000000000000" pitchFamily="50" charset="0"/>
+                <a:cs typeface="SF Mono Heavy" panose="02000000000000000000" pitchFamily="50" charset="0"/>
+              </a:rPr>
+              <a:t>- Psalm 29:2</a:t>
+            </a:r>
+          </a:p>
+          <a:p>
+            <a:pPr algn="just">
+              <a:lnSpc>
+                <a:spcPct val="150000"/>
+              </a:lnSpc>
+            </a:pPr>
+            <a:endParaRPr lang="vi-VN" sz="2400" dirty="0">
+              <a:latin typeface="SF Compact Text" panose="02000000000000000000" pitchFamily="50" charset="0"/>
+              <a:cs typeface="SF Mono Heavy" panose="02000000000000000000" pitchFamily="50" charset="0"/>
+            </a:endParaRPr>
+          </a:p>
+        </p:txBody>
+      </p:sp>
+      <p:sp>
+        <p:nvSpPr>
+          <p:cNvPr id="4" name="Title 1">
+            <a:extLst>
+              <a:ext uri="{FF2B5EF4-FFF2-40B4-BE49-F238E27FC236}">
+                <a16:creationId xmlns:a16="http://schemas.microsoft.com/office/drawing/2014/main" id="{CA898552-904F-FBAC-AADE-58BB375A8B18}"/>
+              </a:ext>
+            </a:extLst>
+          </p:cNvPr>
+          <p:cNvSpPr txBox="1">
+            <a:spLocks/>
+          </p:cNvSpPr>
+          <p:nvPr/>
+        </p:nvSpPr>
+        <p:spPr>
+          <a:xfrm>
+            <a:off x="321733" y="86730"/>
+            <a:ext cx="10058400" cy="780627"/>
+          </a:xfrm>
+          <a:prstGeom prst="rect">
+            <a:avLst/>
+          </a:prstGeom>
+        </p:spPr>
+        <p:txBody>
+          <a:bodyPr vert="horz" lIns="91440" tIns="45720" rIns="91440" bIns="45720" rtlCol="0" anchor="b">
+            <a:normAutofit/>
+          </a:bodyPr>
+          <a:lstStyle>
+            <a:lvl1pPr marL="0" algn="l" defTabSz="914400" rtl="0" eaLnBrk="1" latinLnBrk="0" hangingPunct="1">
+              <a:lnSpc>
+                <a:spcPct val="85000"/>
+              </a:lnSpc>
+              <a:spcBef>
+                <a:spcPct val="0"/>
+              </a:spcBef>
+              <a:buNone/>
+              <a:defRPr sz="4800" kern="1200" spc="-50" baseline="0">
+                <a:solidFill>
+                  <a:schemeClr val="tx1">
+                    <a:lumMod val="75000"/>
+                    <a:lumOff val="25000"/>
+                  </a:schemeClr>
+                </a:solidFill>
+                <a:latin typeface="+mj-lt"/>
+                <a:ea typeface="+mj-ea"/>
+                <a:cs typeface="+mj-cs"/>
+              </a:defRPr>
+            </a:lvl1pPr>
+          </a:lstStyle>
+          <a:p>
+            <a:r>
+              <a:rPr lang="en-US" b="1" dirty="0">
+                <a:latin typeface="SF Compact Display" panose="02000000000000000000" pitchFamily="50" charset="0"/>
+              </a:rPr>
+              <a:t>To be worshiper</a:t>
+            </a:r>
+            <a:endParaRPr lang="vi-VN" b="1" dirty="0">
+              <a:latin typeface="SF Compact Display" panose="02000000000000000000" pitchFamily="50" charset="0"/>
+            </a:endParaRPr>
+          </a:p>
+        </p:txBody>
+      </p:sp>
+      <p:sp>
+        <p:nvSpPr>
+          <p:cNvPr id="5" name="Rectangle 4">
+            <a:extLst>
+              <a:ext uri="{FF2B5EF4-FFF2-40B4-BE49-F238E27FC236}">
+                <a16:creationId xmlns:a16="http://schemas.microsoft.com/office/drawing/2014/main" id="{0AD3A70E-0EB6-00C2-F33F-045C421DA2FA}"/>
+              </a:ext>
+            </a:extLst>
+          </p:cNvPr>
+          <p:cNvSpPr/>
+          <p:nvPr/>
+        </p:nvSpPr>
+        <p:spPr>
+          <a:xfrm>
+            <a:off x="321733" y="825022"/>
+            <a:ext cx="11667067" cy="36000"/>
+          </a:xfrm>
+          <a:prstGeom prst="rect">
+            <a:avLst/>
+          </a:prstGeom>
+          <a:ln w="6350">
+            <a:noFill/>
+          </a:ln>
+        </p:spPr>
+        <p:style>
+          <a:lnRef idx="2">
+            <a:schemeClr val="accent1">
+              <a:shade val="15000"/>
+            </a:schemeClr>
+          </a:lnRef>
+          <a:fillRef idx="1">
+            <a:schemeClr val="accent1"/>
+          </a:fillRef>
+          <a:effectRef idx="0">
+            <a:schemeClr val="accent1"/>
+          </a:effectRef>
+          <a:fontRef idx="minor">
+            <a:schemeClr val="lt1"/>
+          </a:fontRef>
+        </p:style>
+        <p:txBody>
+          <a:bodyPr rtlCol="0" anchor="ctr"/>
+          <a:lstStyle/>
+          <a:p>
+            <a:pPr algn="ctr"/>
+            <a:endParaRPr lang="vi-VN"/>
+          </a:p>
+        </p:txBody>
+      </p:sp>
+    </p:spTree>
+    <p:extLst>
+      <p:ext uri="{BB962C8B-B14F-4D97-AF65-F5344CB8AC3E}">
+        <p14:creationId xmlns:p14="http://schemas.microsoft.com/office/powerpoint/2010/main" val="479130075"/>
+      </p:ext>
+    </p:extLst>
+  </p:cSld>
+  <p:clrMapOvr>
+    <a:masterClrMapping/>
+  </p:clrMapOvr>
+</p:sld>
+</file>
+
+<file path=ppt/slides/slide8.xml><?xml version="1.0" encoding="utf-8"?>
+<p:sld xmlns:a="http://schemas.openxmlformats.org/drawingml/2006/main" xmlns:r="http://schemas.openxmlformats.org/officeDocument/2006/relationships" xmlns:p="http://schemas.openxmlformats.org/presentationml/2006/main">
+  <p:cSld>
+    <p:spTree>
+      <p:nvGrpSpPr>
+        <p:cNvPr id="1" name=""/>
+        <p:cNvGrpSpPr/>
+        <p:nvPr/>
+      </p:nvGrpSpPr>
+      <p:grpSpPr>
+        <a:xfrm>
+          <a:off x="0" y="0"/>
+          <a:ext cx="0" cy="0"/>
+          <a:chOff x="0" y="0"/>
+          <a:chExt cx="0" cy="0"/>
+        </a:xfrm>
+      </p:grpSpPr>
+      <p:sp>
+        <p:nvSpPr>
+          <p:cNvPr id="2" name="Title 1">
+            <a:extLst>
+              <a:ext uri="{FF2B5EF4-FFF2-40B4-BE49-F238E27FC236}">
+                <a16:creationId xmlns:a16="http://schemas.microsoft.com/office/drawing/2014/main" id="{589F7C0B-8BA5-3BD7-4A2C-FA4BBC3B74B5}"/>
+              </a:ext>
+            </a:extLst>
+          </p:cNvPr>
+          <p:cNvSpPr>
+            <a:spLocks noGrp="1"/>
+          </p:cNvSpPr>
+          <p:nvPr>
+            <p:ph type="title"/>
+          </p:nvPr>
+        </p:nvSpPr>
+        <p:spPr>
+          <a:xfrm>
+            <a:off x="1097280" y="956733"/>
+            <a:ext cx="10058400" cy="780627"/>
+          </a:xfrm>
+        </p:spPr>
+        <p:txBody>
+          <a:bodyPr>
+            <a:normAutofit/>
+          </a:bodyPr>
+          <a:lstStyle/>
+          <a:p>
+            <a:r>
+              <a:rPr lang="en-US" sz="3600" dirty="0">
+                <a:latin typeface="SF Compact Display" panose="02000000000000000000" pitchFamily="50" charset="0"/>
+              </a:rPr>
+              <a:t>How the term “worship” is used in Old Testament?</a:t>
+            </a:r>
+            <a:endParaRPr lang="vi-VN" sz="3600" dirty="0">
+              <a:latin typeface="SF Compact Display" panose="02000000000000000000" pitchFamily="50" charset="0"/>
+            </a:endParaRPr>
+          </a:p>
+        </p:txBody>
+      </p:sp>
+      <p:sp>
+        <p:nvSpPr>
+          <p:cNvPr id="7" name="TextBox 6">
+            <a:extLst>
+              <a:ext uri="{FF2B5EF4-FFF2-40B4-BE49-F238E27FC236}">
+                <a16:creationId xmlns:a16="http://schemas.microsoft.com/office/drawing/2014/main" id="{66D361DF-4053-70F3-3A59-1858DCB0B4A2}"/>
+              </a:ext>
+            </a:extLst>
+          </p:cNvPr>
+          <p:cNvSpPr txBox="1"/>
+          <p:nvPr/>
+        </p:nvSpPr>
+        <p:spPr>
+          <a:xfrm>
+            <a:off x="1097280" y="1826736"/>
+            <a:ext cx="10058400" cy="3352456"/>
+          </a:xfrm>
+          <a:prstGeom prst="rect">
+            <a:avLst/>
+          </a:prstGeom>
+          <a:noFill/>
+        </p:spPr>
+        <p:txBody>
+          <a:bodyPr wrap="square">
+            <a:spAutoFit/>
+          </a:bodyPr>
+          <a:lstStyle/>
+          <a:p>
+            <a:pPr algn="just">
+              <a:lnSpc>
+                <a:spcPct val="150000"/>
+              </a:lnSpc>
+            </a:pPr>
+            <a:r>
+              <a:rPr lang="en-US" sz="2400" b="1" dirty="0">
+                <a:solidFill>
+                  <a:srgbClr val="000000"/>
+                </a:solidFill>
+                <a:latin typeface="SF Compact Text" panose="02000000000000000000" pitchFamily="50" charset="0"/>
+                <a:cs typeface="SF Mono Heavy" panose="02000000000000000000" pitchFamily="50" charset="0"/>
+              </a:rPr>
+              <a:t>The nature of the LORD</a:t>
+            </a:r>
+            <a:r>
+              <a:rPr lang="en-US" sz="2400" dirty="0">
+                <a:solidFill>
+                  <a:srgbClr val="000000"/>
+                </a:solidFill>
+                <a:latin typeface="SF Compact Text" panose="02000000000000000000" pitchFamily="50" charset="0"/>
+                <a:cs typeface="SF Mono Heavy" panose="02000000000000000000" pitchFamily="50" charset="0"/>
+              </a:rPr>
+              <a:t>:</a:t>
+            </a:r>
+          </a:p>
+          <a:p>
+            <a:pPr algn="just">
+              <a:lnSpc>
+                <a:spcPct val="150000"/>
+              </a:lnSpc>
+            </a:pPr>
+            <a:r>
+              <a:rPr lang="en-US" sz="2400" dirty="0">
+                <a:latin typeface="SF Compact Text" panose="02000000000000000000" pitchFamily="50" charset="0"/>
+                <a:cs typeface="SF Mono Heavy" panose="02000000000000000000" pitchFamily="50" charset="0"/>
+              </a:rPr>
+              <a:t>“I will worship toward </a:t>
+            </a:r>
+            <a:r>
+              <a:rPr lang="en-US" sz="2400" dirty="0">
+                <a:solidFill>
+                  <a:srgbClr val="0070C0"/>
+                </a:solidFill>
+                <a:latin typeface="SF Compact Text" panose="02000000000000000000" pitchFamily="50" charset="0"/>
+                <a:cs typeface="SF Mono Heavy" panose="02000000000000000000" pitchFamily="50" charset="0"/>
+              </a:rPr>
+              <a:t>Your holy temple</a:t>
+            </a:r>
+            <a:r>
+              <a:rPr lang="en-US" sz="2400" dirty="0">
+                <a:latin typeface="SF Compact Text" panose="02000000000000000000" pitchFamily="50" charset="0"/>
+                <a:cs typeface="SF Mono Heavy" panose="02000000000000000000" pitchFamily="50" charset="0"/>
+              </a:rPr>
+              <a:t>, And praise Your name </a:t>
+            </a:r>
+            <a:r>
+              <a:rPr lang="en-US" sz="2400" dirty="0">
+                <a:solidFill>
+                  <a:srgbClr val="0070C0"/>
+                </a:solidFill>
+                <a:latin typeface="SF Compact Text" panose="02000000000000000000" pitchFamily="50" charset="0"/>
+                <a:cs typeface="SF Mono Heavy" panose="02000000000000000000" pitchFamily="50" charset="0"/>
+              </a:rPr>
+              <a:t>For Your lovingkindness and Your truth</a:t>
+            </a:r>
+            <a:r>
+              <a:rPr lang="en-US" sz="2400" dirty="0">
+                <a:latin typeface="SF Compact Text" panose="02000000000000000000" pitchFamily="50" charset="0"/>
+                <a:cs typeface="SF Mono Heavy" panose="02000000000000000000" pitchFamily="50" charset="0"/>
+              </a:rPr>
+              <a:t>; </a:t>
+            </a:r>
+          </a:p>
+          <a:p>
+            <a:pPr algn="just">
+              <a:lnSpc>
+                <a:spcPct val="150000"/>
+              </a:lnSpc>
+            </a:pPr>
+            <a:r>
+              <a:rPr lang="en-US" sz="2400" dirty="0">
+                <a:latin typeface="SF Compact Text" panose="02000000000000000000" pitchFamily="50" charset="0"/>
+                <a:cs typeface="SF Mono Heavy" panose="02000000000000000000" pitchFamily="50" charset="0"/>
+              </a:rPr>
+              <a:t>For You have magnified Your word above all Your name.” </a:t>
+            </a:r>
+          </a:p>
+          <a:p>
+            <a:pPr algn="just">
+              <a:lnSpc>
+                <a:spcPct val="150000"/>
+              </a:lnSpc>
+            </a:pPr>
+            <a:r>
+              <a:rPr lang="en-US" sz="2400" i="1" dirty="0">
+                <a:latin typeface="SF Compact Text" panose="02000000000000000000" pitchFamily="50" charset="0"/>
+                <a:cs typeface="SF Mono Heavy" panose="02000000000000000000" pitchFamily="50" charset="0"/>
+              </a:rPr>
+              <a:t>- Psalm 138:2</a:t>
+            </a:r>
+          </a:p>
+          <a:p>
+            <a:pPr algn="just">
+              <a:lnSpc>
+                <a:spcPct val="150000"/>
+              </a:lnSpc>
+            </a:pPr>
+            <a:endParaRPr lang="vi-VN" sz="2400" dirty="0">
+              <a:latin typeface="SF Compact Text" panose="02000000000000000000" pitchFamily="50" charset="0"/>
+              <a:cs typeface="SF Mono Heavy" panose="02000000000000000000" pitchFamily="50" charset="0"/>
+            </a:endParaRPr>
+          </a:p>
+        </p:txBody>
+      </p:sp>
+      <p:sp>
+        <p:nvSpPr>
+          <p:cNvPr id="4" name="Title 1">
+            <a:extLst>
+              <a:ext uri="{FF2B5EF4-FFF2-40B4-BE49-F238E27FC236}">
+                <a16:creationId xmlns:a16="http://schemas.microsoft.com/office/drawing/2014/main" id="{CA898552-904F-FBAC-AADE-58BB375A8B18}"/>
+              </a:ext>
+            </a:extLst>
+          </p:cNvPr>
+          <p:cNvSpPr txBox="1">
+            <a:spLocks/>
+          </p:cNvSpPr>
+          <p:nvPr/>
+        </p:nvSpPr>
+        <p:spPr>
+          <a:xfrm>
+            <a:off x="321733" y="86730"/>
+            <a:ext cx="10058400" cy="780627"/>
+          </a:xfrm>
+          <a:prstGeom prst="rect">
+            <a:avLst/>
+          </a:prstGeom>
+        </p:spPr>
+        <p:txBody>
+          <a:bodyPr vert="horz" lIns="91440" tIns="45720" rIns="91440" bIns="45720" rtlCol="0" anchor="b">
+            <a:normAutofit/>
+          </a:bodyPr>
+          <a:lstStyle>
+            <a:lvl1pPr marL="0" algn="l" defTabSz="914400" rtl="0" eaLnBrk="1" latinLnBrk="0" hangingPunct="1">
+              <a:lnSpc>
+                <a:spcPct val="85000"/>
+              </a:lnSpc>
+              <a:spcBef>
+                <a:spcPct val="0"/>
+              </a:spcBef>
+              <a:buNone/>
+              <a:defRPr sz="4800" kern="1200" spc="-50" baseline="0">
+                <a:solidFill>
+                  <a:schemeClr val="tx1">
+                    <a:lumMod val="75000"/>
+                    <a:lumOff val="25000"/>
+                  </a:schemeClr>
+                </a:solidFill>
+                <a:latin typeface="+mj-lt"/>
+                <a:ea typeface="+mj-ea"/>
+                <a:cs typeface="+mj-cs"/>
+              </a:defRPr>
+            </a:lvl1pPr>
+          </a:lstStyle>
+          <a:p>
+            <a:r>
+              <a:rPr lang="en-US" b="1" dirty="0">
+                <a:latin typeface="SF Compact Display" panose="02000000000000000000" pitchFamily="50" charset="0"/>
+              </a:rPr>
+              <a:t>To be worshiper</a:t>
+            </a:r>
+            <a:endParaRPr lang="vi-VN" b="1" dirty="0">
+              <a:latin typeface="SF Compact Display" panose="02000000000000000000" pitchFamily="50" charset="0"/>
+            </a:endParaRPr>
+          </a:p>
+        </p:txBody>
+      </p:sp>
+      <p:sp>
+        <p:nvSpPr>
+          <p:cNvPr id="5" name="Rectangle 4">
+            <a:extLst>
+              <a:ext uri="{FF2B5EF4-FFF2-40B4-BE49-F238E27FC236}">
+                <a16:creationId xmlns:a16="http://schemas.microsoft.com/office/drawing/2014/main" id="{0AD3A70E-0EB6-00C2-F33F-045C421DA2FA}"/>
+              </a:ext>
+            </a:extLst>
+          </p:cNvPr>
+          <p:cNvSpPr/>
+          <p:nvPr/>
+        </p:nvSpPr>
+        <p:spPr>
+          <a:xfrm>
+            <a:off x="321733" y="825022"/>
+            <a:ext cx="11667067" cy="36000"/>
+          </a:xfrm>
+          <a:prstGeom prst="rect">
+            <a:avLst/>
+          </a:prstGeom>
+          <a:ln w="6350">
+            <a:noFill/>
+          </a:ln>
+        </p:spPr>
+        <p:style>
+          <a:lnRef idx="2">
+            <a:schemeClr val="accent1">
+              <a:shade val="15000"/>
+            </a:schemeClr>
+          </a:lnRef>
+          <a:fillRef idx="1">
+            <a:schemeClr val="accent1"/>
+          </a:fillRef>
+          <a:effectRef idx="0">
+            <a:schemeClr val="accent1"/>
+          </a:effectRef>
+          <a:fontRef idx="minor">
+            <a:schemeClr val="lt1"/>
+          </a:fontRef>
+        </p:style>
+        <p:txBody>
+          <a:bodyPr rtlCol="0" anchor="ctr"/>
+          <a:lstStyle/>
+          <a:p>
+            <a:pPr algn="ctr"/>
+            <a:endParaRPr lang="vi-VN"/>
+          </a:p>
+        </p:txBody>
+      </p:sp>
+    </p:spTree>
+    <p:extLst>
+      <p:ext uri="{BB962C8B-B14F-4D97-AF65-F5344CB8AC3E}">
+        <p14:creationId xmlns:p14="http://schemas.microsoft.com/office/powerpoint/2010/main" val="597474107"/>
+      </p:ext>
+    </p:extLst>
+  </p:cSld>
+  <p:clrMapOvr>
+    <a:masterClrMapping/>
+  </p:clrMapOvr>
+</p:sld>
+</file>
+
+<file path=ppt/slides/slide9.xml><?xml version="1.0" encoding="utf-8"?>
+<p:sld xmlns:a="http://schemas.openxmlformats.org/drawingml/2006/main" xmlns:r="http://schemas.openxmlformats.org/officeDocument/2006/relationships" xmlns:p="http://schemas.openxmlformats.org/presentationml/2006/main">
+  <p:cSld>
+    <p:spTree>
+      <p:nvGrpSpPr>
+        <p:cNvPr id="1" name=""/>
+        <p:cNvGrpSpPr/>
+        <p:nvPr/>
+      </p:nvGrpSpPr>
+      <p:grpSpPr>
+        <a:xfrm>
+          <a:off x="0" y="0"/>
+          <a:ext cx="0" cy="0"/>
+          <a:chOff x="0" y="0"/>
+          <a:chExt cx="0" cy="0"/>
+        </a:xfrm>
+      </p:grpSpPr>
+      <p:sp>
+        <p:nvSpPr>
+          <p:cNvPr id="2" name="Title 1">
+            <a:extLst>
+              <a:ext uri="{FF2B5EF4-FFF2-40B4-BE49-F238E27FC236}">
+                <a16:creationId xmlns:a16="http://schemas.microsoft.com/office/drawing/2014/main" id="{589F7C0B-8BA5-3BD7-4A2C-FA4BBC3B74B5}"/>
+              </a:ext>
+            </a:extLst>
+          </p:cNvPr>
+          <p:cNvSpPr>
+            <a:spLocks noGrp="1"/>
+          </p:cNvSpPr>
+          <p:nvPr>
+            <p:ph type="title"/>
+          </p:nvPr>
+        </p:nvSpPr>
+        <p:spPr>
+          <a:xfrm>
+            <a:off x="1097280" y="956733"/>
+            <a:ext cx="10058400" cy="780627"/>
+          </a:xfrm>
+        </p:spPr>
+        <p:txBody>
+          <a:bodyPr>
+            <a:normAutofit/>
+          </a:bodyPr>
+          <a:lstStyle/>
+          <a:p>
+            <a:r>
+              <a:rPr lang="en-US" sz="3600" dirty="0">
+                <a:latin typeface="SF Compact Display" panose="02000000000000000000" pitchFamily="50" charset="0"/>
+              </a:rPr>
+              <a:t>How the term “worship” is used in New Testament?</a:t>
+            </a:r>
+            <a:endParaRPr lang="vi-VN" sz="3600" dirty="0">
+              <a:latin typeface="SF Compact Display" panose="02000000000000000000" pitchFamily="50" charset="0"/>
+            </a:endParaRPr>
+          </a:p>
+        </p:txBody>
+      </p:sp>
+      <p:sp>
+        <p:nvSpPr>
+          <p:cNvPr id="7" name="TextBox 6">
+            <a:extLst>
+              <a:ext uri="{FF2B5EF4-FFF2-40B4-BE49-F238E27FC236}">
+                <a16:creationId xmlns:a16="http://schemas.microsoft.com/office/drawing/2014/main" id="{66D361DF-4053-70F3-3A59-1858DCB0B4A2}"/>
+              </a:ext>
+            </a:extLst>
+          </p:cNvPr>
+          <p:cNvSpPr txBox="1"/>
+          <p:nvPr/>
+        </p:nvSpPr>
+        <p:spPr>
+          <a:xfrm>
+            <a:off x="1097280" y="1826736"/>
+            <a:ext cx="10058400" cy="3352456"/>
+          </a:xfrm>
+          <a:prstGeom prst="rect">
+            <a:avLst/>
+          </a:prstGeom>
+          <a:noFill/>
+        </p:spPr>
+        <p:txBody>
+          <a:bodyPr wrap="square">
+            <a:spAutoFit/>
+          </a:bodyPr>
+          <a:lstStyle/>
+          <a:p>
+            <a:pPr algn="just">
+              <a:lnSpc>
+                <a:spcPct val="150000"/>
+              </a:lnSpc>
+            </a:pPr>
+            <a:r>
+              <a:rPr lang="en-US" sz="2400" b="1" dirty="0">
+                <a:solidFill>
+                  <a:srgbClr val="000000"/>
+                </a:solidFill>
+                <a:latin typeface="SF Compact Text" panose="02000000000000000000" pitchFamily="50" charset="0"/>
+                <a:cs typeface="SF Mono Heavy" panose="02000000000000000000" pitchFamily="50" charset="0"/>
+              </a:rPr>
+              <a:t>The truth of the LORD</a:t>
+            </a:r>
+            <a:r>
+              <a:rPr lang="en-US" sz="2400" dirty="0">
+                <a:solidFill>
+                  <a:srgbClr val="000000"/>
+                </a:solidFill>
+                <a:latin typeface="SF Compact Text" panose="02000000000000000000" pitchFamily="50" charset="0"/>
+                <a:cs typeface="SF Mono Heavy" panose="02000000000000000000" pitchFamily="50" charset="0"/>
+              </a:rPr>
+              <a:t>:</a:t>
+            </a:r>
+          </a:p>
+          <a:p>
+            <a:pPr algn="just">
+              <a:lnSpc>
+                <a:spcPct val="150000"/>
+              </a:lnSpc>
+            </a:pPr>
+            <a:r>
+              <a:rPr lang="en-US" sz="2400" dirty="0">
+                <a:latin typeface="SF Compact Text" panose="02000000000000000000" pitchFamily="50" charset="0"/>
+                <a:cs typeface="SF Mono Heavy" panose="02000000000000000000" pitchFamily="50" charset="0"/>
+              </a:rPr>
+              <a:t>“But the hour is coming, and now is, when the true worshipers will worship the Father in spirit and truth; for the Father is seeking such to worship Him. </a:t>
+            </a:r>
+            <a:r>
+              <a:rPr lang="en-US" sz="2400" dirty="0">
+                <a:solidFill>
+                  <a:srgbClr val="00B050"/>
+                </a:solidFill>
+                <a:latin typeface="SF Compact Text" panose="02000000000000000000" pitchFamily="50" charset="0"/>
+                <a:cs typeface="SF Mono Heavy" panose="02000000000000000000" pitchFamily="50" charset="0"/>
+              </a:rPr>
+              <a:t>God is Spirit</a:t>
+            </a:r>
+            <a:r>
+              <a:rPr lang="en-US" sz="2400" dirty="0">
+                <a:latin typeface="SF Compact Text" panose="02000000000000000000" pitchFamily="50" charset="0"/>
+                <a:cs typeface="SF Mono Heavy" panose="02000000000000000000" pitchFamily="50" charset="0"/>
+              </a:rPr>
+              <a:t>, and those who worship Him </a:t>
+            </a:r>
+            <a:r>
+              <a:rPr lang="en-US" sz="2400" dirty="0">
+                <a:solidFill>
+                  <a:srgbClr val="0070C0"/>
+                </a:solidFill>
+                <a:latin typeface="SF Compact Text" panose="02000000000000000000" pitchFamily="50" charset="0"/>
+                <a:cs typeface="SF Mono Heavy" panose="02000000000000000000" pitchFamily="50" charset="0"/>
+              </a:rPr>
+              <a:t>must worship in spirit and truth</a:t>
+            </a:r>
+            <a:r>
+              <a:rPr lang="en-US" sz="2400" dirty="0">
+                <a:latin typeface="SF Compact Text" panose="02000000000000000000" pitchFamily="50" charset="0"/>
+                <a:cs typeface="SF Mono Heavy" panose="02000000000000000000" pitchFamily="50" charset="0"/>
+              </a:rPr>
+              <a:t>. ” </a:t>
+            </a:r>
+          </a:p>
+          <a:p>
+            <a:pPr algn="just">
+              <a:lnSpc>
+                <a:spcPct val="150000"/>
+              </a:lnSpc>
+            </a:pPr>
+            <a:r>
+              <a:rPr lang="en-US" sz="2400" i="1" dirty="0">
+                <a:latin typeface="SF Compact Text" panose="02000000000000000000" pitchFamily="50" charset="0"/>
+                <a:cs typeface="SF Mono Heavy" panose="02000000000000000000" pitchFamily="50" charset="0"/>
+              </a:rPr>
+              <a:t>– John 4:23-24</a:t>
+            </a:r>
+            <a:endParaRPr lang="vi-VN" sz="2400" i="1" dirty="0">
+              <a:latin typeface="SF Compact Text" panose="02000000000000000000" pitchFamily="50" charset="0"/>
+              <a:cs typeface="SF Mono Heavy" panose="02000000000000000000" pitchFamily="50" charset="0"/>
+            </a:endParaRPr>
+          </a:p>
+        </p:txBody>
+      </p:sp>
+      <p:sp>
+        <p:nvSpPr>
+          <p:cNvPr id="4" name="Title 1">
+            <a:extLst>
+              <a:ext uri="{FF2B5EF4-FFF2-40B4-BE49-F238E27FC236}">
+                <a16:creationId xmlns:a16="http://schemas.microsoft.com/office/drawing/2014/main" id="{CA898552-904F-FBAC-AADE-58BB375A8B18}"/>
+              </a:ext>
+            </a:extLst>
+          </p:cNvPr>
+          <p:cNvSpPr txBox="1">
+            <a:spLocks/>
+          </p:cNvSpPr>
+          <p:nvPr/>
+        </p:nvSpPr>
+        <p:spPr>
+          <a:xfrm>
+            <a:off x="321733" y="86730"/>
+            <a:ext cx="10058400" cy="780627"/>
+          </a:xfrm>
+          <a:prstGeom prst="rect">
+            <a:avLst/>
+          </a:prstGeom>
+        </p:spPr>
+        <p:txBody>
+          <a:bodyPr vert="horz" lIns="91440" tIns="45720" rIns="91440" bIns="45720" rtlCol="0" anchor="b">
+            <a:normAutofit/>
+          </a:bodyPr>
+          <a:lstStyle>
+            <a:lvl1pPr marL="0" algn="l" defTabSz="914400" rtl="0" eaLnBrk="1" latinLnBrk="0" hangingPunct="1">
+              <a:lnSpc>
+                <a:spcPct val="85000"/>
+              </a:lnSpc>
+              <a:spcBef>
+                <a:spcPct val="0"/>
+              </a:spcBef>
+              <a:buNone/>
+              <a:defRPr sz="4800" kern="1200" spc="-50" baseline="0">
+                <a:solidFill>
+                  <a:schemeClr val="tx1">
+                    <a:lumMod val="75000"/>
+                    <a:lumOff val="25000"/>
+                  </a:schemeClr>
+                </a:solidFill>
+                <a:latin typeface="+mj-lt"/>
+                <a:ea typeface="+mj-ea"/>
+                <a:cs typeface="+mj-cs"/>
+              </a:defRPr>
+            </a:lvl1pPr>
+          </a:lstStyle>
+          <a:p>
+            <a:r>
+              <a:rPr lang="en-US" b="1" dirty="0">
+                <a:latin typeface="SF Compact Display" panose="02000000000000000000" pitchFamily="50" charset="0"/>
+              </a:rPr>
+              <a:t>To be worshiper</a:t>
+            </a:r>
+            <a:endParaRPr lang="vi-VN" b="1" dirty="0">
+              <a:latin typeface="SF Compact Display" panose="02000000000000000000" pitchFamily="50" charset="0"/>
+            </a:endParaRPr>
+          </a:p>
+        </p:txBody>
+      </p:sp>
+      <p:sp>
+        <p:nvSpPr>
+          <p:cNvPr id="5" name="Rectangle 4">
+            <a:extLst>
+              <a:ext uri="{FF2B5EF4-FFF2-40B4-BE49-F238E27FC236}">
+                <a16:creationId xmlns:a16="http://schemas.microsoft.com/office/drawing/2014/main" id="{4E611A24-FAE7-F22A-664C-F25B609B83E7}"/>
+              </a:ext>
+            </a:extLst>
+          </p:cNvPr>
+          <p:cNvSpPr/>
+          <p:nvPr/>
+        </p:nvSpPr>
+        <p:spPr>
+          <a:xfrm>
+            <a:off x="321733" y="825022"/>
+            <a:ext cx="11667067" cy="36000"/>
+          </a:xfrm>
+          <a:prstGeom prst="rect">
+            <a:avLst/>
+          </a:prstGeom>
+          <a:ln w="6350">
+            <a:noFill/>
+          </a:ln>
+        </p:spPr>
+        <p:style>
+          <a:lnRef idx="2">
+            <a:schemeClr val="accent1">
+              <a:shade val="15000"/>
+            </a:schemeClr>
+          </a:lnRef>
+          <a:fillRef idx="1">
+            <a:schemeClr val="accent1"/>
+          </a:fillRef>
+          <a:effectRef idx="0">
+            <a:schemeClr val="accent1"/>
+          </a:effectRef>
+          <a:fontRef idx="minor">
+            <a:schemeClr val="lt1"/>
+          </a:fontRef>
+        </p:style>
+        <p:txBody>
+          <a:bodyPr rtlCol="0" anchor="ctr"/>
+          <a:lstStyle/>
+          <a:p>
+            <a:pPr algn="ctr"/>
+            <a:endParaRPr lang="vi-VN"/>
+          </a:p>
+        </p:txBody>
+      </p:sp>
+    </p:spTree>
+    <p:extLst>
+      <p:ext uri="{BB962C8B-B14F-4D97-AF65-F5344CB8AC3E}">
+        <p14:creationId xmlns:p14="http://schemas.microsoft.com/office/powerpoint/2010/main" val="4286927663"/>
       </p:ext>
     </p:extLst>
   </p:cSld>

--- a/Worship_Ref.pptx
+++ b/Worship_Ref.pptx
@@ -10,16 +10,18 @@
     <p:sldId id="257" r:id="rId4"/>
     <p:sldId id="263" r:id="rId5"/>
     <p:sldId id="260" r:id="rId6"/>
-    <p:sldId id="268" r:id="rId7"/>
-    <p:sldId id="261" r:id="rId8"/>
-    <p:sldId id="267" r:id="rId9"/>
-    <p:sldId id="262" r:id="rId10"/>
-    <p:sldId id="271" r:id="rId11"/>
-    <p:sldId id="270" r:id="rId12"/>
-    <p:sldId id="264" r:id="rId13"/>
-    <p:sldId id="266" r:id="rId14"/>
-    <p:sldId id="272" r:id="rId15"/>
-    <p:sldId id="269" r:id="rId16"/>
+    <p:sldId id="262" r:id="rId7"/>
+    <p:sldId id="274" r:id="rId8"/>
+    <p:sldId id="273" r:id="rId9"/>
+    <p:sldId id="268" r:id="rId10"/>
+    <p:sldId id="261" r:id="rId11"/>
+    <p:sldId id="267" r:id="rId12"/>
+    <p:sldId id="271" r:id="rId13"/>
+    <p:sldId id="270" r:id="rId14"/>
+    <p:sldId id="264" r:id="rId15"/>
+    <p:sldId id="266" r:id="rId16"/>
+    <p:sldId id="272" r:id="rId17"/>
+    <p:sldId id="269" r:id="rId18"/>
   </p:sldIdLst>
   <p:sldSz cx="12192000" cy="6858000"/>
   <p:notesSz cx="6858000" cy="9144000"/>
@@ -3953,7 +3955,7 @@
               <a:rPr lang="en-US" sz="3600" dirty="0">
                 <a:latin typeface="SF Compact Display" panose="02000000000000000000" pitchFamily="50" charset="0"/>
               </a:rPr>
-              <a:t>The action of worship</a:t>
+              <a:t>How the term “worship” is used in Old Testament?</a:t>
             </a:r>
             <a:endParaRPr lang="vi-VN" sz="3600" dirty="0">
               <a:latin typeface="SF Compact Display" panose="02000000000000000000" pitchFamily="50" charset="0"/>
@@ -3976,7 +3978,7 @@
         <p:spPr>
           <a:xfrm>
             <a:off x="1097280" y="1826736"/>
-            <a:ext cx="10058400" cy="2244461"/>
+            <a:ext cx="10058400" cy="2798458"/>
           </a:xfrm>
           <a:prstGeom prst="rect">
             <a:avLst/>
@@ -4026,7 +4028,41 @@
                 <a:latin typeface="SF Compact Text" panose="02000000000000000000" pitchFamily="50" charset="0"/>
                 <a:cs typeface="SF Mono Heavy" panose="02000000000000000000" pitchFamily="50" charset="0"/>
               </a:rPr>
-              <a:t>“I will extol the LORD at all times; his praise will always be on my lips.” </a:t>
+              <a:t>“Give unto the Lord the glory </a:t>
+            </a:r>
+            <a:r>
+              <a:rPr lang="en-US" sz="2400" dirty="0">
+                <a:solidFill>
+                  <a:srgbClr val="0070C0"/>
+                </a:solidFill>
+                <a:latin typeface="SF Compact Text" panose="02000000000000000000" pitchFamily="50" charset="0"/>
+                <a:cs typeface="SF Mono Heavy" panose="02000000000000000000" pitchFamily="50" charset="0"/>
+              </a:rPr>
+              <a:t>due to His name</a:t>
+            </a:r>
+            <a:r>
+              <a:rPr lang="en-US" sz="2400" dirty="0">
+                <a:latin typeface="SF Compact Text" panose="02000000000000000000" pitchFamily="50" charset="0"/>
+                <a:cs typeface="SF Mono Heavy" panose="02000000000000000000" pitchFamily="50" charset="0"/>
+              </a:rPr>
+              <a:t>; Worship the Lord </a:t>
+            </a:r>
+            <a:r>
+              <a:rPr lang="en-US" sz="2400" dirty="0">
+                <a:solidFill>
+                  <a:srgbClr val="0070C0"/>
+                </a:solidFill>
+                <a:latin typeface="SF Compact Text" panose="02000000000000000000" pitchFamily="50" charset="0"/>
+                <a:cs typeface="SF Mono Heavy" panose="02000000000000000000" pitchFamily="50" charset="0"/>
+              </a:rPr>
+              <a:t>in the beauty of holiness</a:t>
+            </a:r>
+            <a:r>
+              <a:rPr lang="en-US" sz="2400" dirty="0">
+                <a:latin typeface="SF Compact Text" panose="02000000000000000000" pitchFamily="50" charset="0"/>
+                <a:cs typeface="SF Mono Heavy" panose="02000000000000000000" pitchFamily="50" charset="0"/>
+              </a:rPr>
+              <a:t>.” </a:t>
             </a:r>
           </a:p>
           <a:p>
@@ -4040,7 +4076,7 @@
                 <a:latin typeface="SF Compact Text" panose="02000000000000000000" pitchFamily="50" charset="0"/>
                 <a:cs typeface="SF Mono Heavy" panose="02000000000000000000" pitchFamily="50" charset="0"/>
               </a:rPr>
-              <a:t>- Psalm 34:1</a:t>
+              <a:t>- Psalm 29:2</a:t>
             </a:r>
           </a:p>
           <a:p>
@@ -4170,6 +4206,606 @@
     </p:spTree>
     <p:extLst>
       <p:ext uri="{BB962C8B-B14F-4D97-AF65-F5344CB8AC3E}">
+        <p14:creationId xmlns:p14="http://schemas.microsoft.com/office/powerpoint/2010/main" val="479130075"/>
+      </p:ext>
+    </p:extLst>
+  </p:cSld>
+  <p:clrMapOvr>
+    <a:masterClrMapping/>
+  </p:clrMapOvr>
+</p:sld>
+</file>
+
+<file path=ppt/slides/slide11.xml><?xml version="1.0" encoding="utf-8"?>
+<p:sld xmlns:a="http://schemas.openxmlformats.org/drawingml/2006/main" xmlns:r="http://schemas.openxmlformats.org/officeDocument/2006/relationships" xmlns:p="http://schemas.openxmlformats.org/presentationml/2006/main">
+  <p:cSld>
+    <p:spTree>
+      <p:nvGrpSpPr>
+        <p:cNvPr id="1" name=""/>
+        <p:cNvGrpSpPr/>
+        <p:nvPr/>
+      </p:nvGrpSpPr>
+      <p:grpSpPr>
+        <a:xfrm>
+          <a:off x="0" y="0"/>
+          <a:ext cx="0" cy="0"/>
+          <a:chOff x="0" y="0"/>
+          <a:chExt cx="0" cy="0"/>
+        </a:xfrm>
+      </p:grpSpPr>
+      <p:sp>
+        <p:nvSpPr>
+          <p:cNvPr id="2" name="Title 1">
+            <a:extLst>
+              <a:ext uri="{FF2B5EF4-FFF2-40B4-BE49-F238E27FC236}">
+                <a16:creationId xmlns:a16="http://schemas.microsoft.com/office/drawing/2014/main" id="{589F7C0B-8BA5-3BD7-4A2C-FA4BBC3B74B5}"/>
+              </a:ext>
+            </a:extLst>
+          </p:cNvPr>
+          <p:cNvSpPr>
+            <a:spLocks noGrp="1"/>
+          </p:cNvSpPr>
+          <p:nvPr>
+            <p:ph type="title"/>
+          </p:nvPr>
+        </p:nvSpPr>
+        <p:spPr>
+          <a:xfrm>
+            <a:off x="1097280" y="956733"/>
+            <a:ext cx="10058400" cy="780627"/>
+          </a:xfrm>
+        </p:spPr>
+        <p:txBody>
+          <a:bodyPr>
+            <a:normAutofit/>
+          </a:bodyPr>
+          <a:lstStyle/>
+          <a:p>
+            <a:r>
+              <a:rPr lang="en-US" sz="3600" dirty="0">
+                <a:latin typeface="SF Compact Display" panose="02000000000000000000" pitchFamily="50" charset="0"/>
+              </a:rPr>
+              <a:t>How the term “worship” is used in Old Testament?</a:t>
+            </a:r>
+            <a:endParaRPr lang="vi-VN" sz="3600" dirty="0">
+              <a:latin typeface="SF Compact Display" panose="02000000000000000000" pitchFamily="50" charset="0"/>
+            </a:endParaRPr>
+          </a:p>
+        </p:txBody>
+      </p:sp>
+      <p:sp>
+        <p:nvSpPr>
+          <p:cNvPr id="7" name="TextBox 6">
+            <a:extLst>
+              <a:ext uri="{FF2B5EF4-FFF2-40B4-BE49-F238E27FC236}">
+                <a16:creationId xmlns:a16="http://schemas.microsoft.com/office/drawing/2014/main" id="{66D361DF-4053-70F3-3A59-1858DCB0B4A2}"/>
+              </a:ext>
+            </a:extLst>
+          </p:cNvPr>
+          <p:cNvSpPr txBox="1"/>
+          <p:nvPr/>
+        </p:nvSpPr>
+        <p:spPr>
+          <a:xfrm>
+            <a:off x="1097280" y="1826736"/>
+            <a:ext cx="10058400" cy="3352456"/>
+          </a:xfrm>
+          <a:prstGeom prst="rect">
+            <a:avLst/>
+          </a:prstGeom>
+          <a:noFill/>
+        </p:spPr>
+        <p:txBody>
+          <a:bodyPr wrap="square">
+            <a:spAutoFit/>
+          </a:bodyPr>
+          <a:lstStyle/>
+          <a:p>
+            <a:pPr algn="just">
+              <a:lnSpc>
+                <a:spcPct val="150000"/>
+              </a:lnSpc>
+            </a:pPr>
+            <a:r>
+              <a:rPr lang="en-US" sz="2400" b="1" dirty="0">
+                <a:solidFill>
+                  <a:srgbClr val="000000"/>
+                </a:solidFill>
+                <a:latin typeface="SF Compact Text" panose="02000000000000000000" pitchFamily="50" charset="0"/>
+                <a:cs typeface="SF Mono Heavy" panose="02000000000000000000" pitchFamily="50" charset="0"/>
+              </a:rPr>
+              <a:t>The nature of the LORD</a:t>
+            </a:r>
+            <a:r>
+              <a:rPr lang="en-US" sz="2400" dirty="0">
+                <a:solidFill>
+                  <a:srgbClr val="000000"/>
+                </a:solidFill>
+                <a:latin typeface="SF Compact Text" panose="02000000000000000000" pitchFamily="50" charset="0"/>
+                <a:cs typeface="SF Mono Heavy" panose="02000000000000000000" pitchFamily="50" charset="0"/>
+              </a:rPr>
+              <a:t>:</a:t>
+            </a:r>
+          </a:p>
+          <a:p>
+            <a:pPr algn="just">
+              <a:lnSpc>
+                <a:spcPct val="150000"/>
+              </a:lnSpc>
+            </a:pPr>
+            <a:r>
+              <a:rPr lang="en-US" sz="2400" dirty="0">
+                <a:latin typeface="SF Compact Text" panose="02000000000000000000" pitchFamily="50" charset="0"/>
+                <a:cs typeface="SF Mono Heavy" panose="02000000000000000000" pitchFamily="50" charset="0"/>
+              </a:rPr>
+              <a:t>“I will worship toward </a:t>
+            </a:r>
+            <a:r>
+              <a:rPr lang="en-US" sz="2400" dirty="0">
+                <a:solidFill>
+                  <a:srgbClr val="0070C0"/>
+                </a:solidFill>
+                <a:latin typeface="SF Compact Text" panose="02000000000000000000" pitchFamily="50" charset="0"/>
+                <a:cs typeface="SF Mono Heavy" panose="02000000000000000000" pitchFamily="50" charset="0"/>
+              </a:rPr>
+              <a:t>Your holy temple</a:t>
+            </a:r>
+            <a:r>
+              <a:rPr lang="en-US" sz="2400" dirty="0">
+                <a:latin typeface="SF Compact Text" panose="02000000000000000000" pitchFamily="50" charset="0"/>
+                <a:cs typeface="SF Mono Heavy" panose="02000000000000000000" pitchFamily="50" charset="0"/>
+              </a:rPr>
+              <a:t>, And praise Your name </a:t>
+            </a:r>
+            <a:r>
+              <a:rPr lang="en-US" sz="2400" dirty="0">
+                <a:solidFill>
+                  <a:srgbClr val="0070C0"/>
+                </a:solidFill>
+                <a:latin typeface="SF Compact Text" panose="02000000000000000000" pitchFamily="50" charset="0"/>
+                <a:cs typeface="SF Mono Heavy" panose="02000000000000000000" pitchFamily="50" charset="0"/>
+              </a:rPr>
+              <a:t>For Your lovingkindness and Your truth</a:t>
+            </a:r>
+            <a:r>
+              <a:rPr lang="en-US" sz="2400" dirty="0">
+                <a:latin typeface="SF Compact Text" panose="02000000000000000000" pitchFamily="50" charset="0"/>
+                <a:cs typeface="SF Mono Heavy" panose="02000000000000000000" pitchFamily="50" charset="0"/>
+              </a:rPr>
+              <a:t>; </a:t>
+            </a:r>
+          </a:p>
+          <a:p>
+            <a:pPr algn="just">
+              <a:lnSpc>
+                <a:spcPct val="150000"/>
+              </a:lnSpc>
+            </a:pPr>
+            <a:r>
+              <a:rPr lang="en-US" sz="2400" dirty="0">
+                <a:latin typeface="SF Compact Text" panose="02000000000000000000" pitchFamily="50" charset="0"/>
+                <a:cs typeface="SF Mono Heavy" panose="02000000000000000000" pitchFamily="50" charset="0"/>
+              </a:rPr>
+              <a:t>For You have magnified Your word above all Your name.” </a:t>
+            </a:r>
+          </a:p>
+          <a:p>
+            <a:pPr algn="just">
+              <a:lnSpc>
+                <a:spcPct val="150000"/>
+              </a:lnSpc>
+            </a:pPr>
+            <a:r>
+              <a:rPr lang="en-US" sz="2400" i="1" dirty="0">
+                <a:latin typeface="SF Compact Text" panose="02000000000000000000" pitchFamily="50" charset="0"/>
+                <a:cs typeface="SF Mono Heavy" panose="02000000000000000000" pitchFamily="50" charset="0"/>
+              </a:rPr>
+              <a:t>- Psalm 138:2</a:t>
+            </a:r>
+          </a:p>
+          <a:p>
+            <a:pPr algn="just">
+              <a:lnSpc>
+                <a:spcPct val="150000"/>
+              </a:lnSpc>
+            </a:pPr>
+            <a:endParaRPr lang="vi-VN" sz="2400" dirty="0">
+              <a:latin typeface="SF Compact Text" panose="02000000000000000000" pitchFamily="50" charset="0"/>
+              <a:cs typeface="SF Mono Heavy" panose="02000000000000000000" pitchFamily="50" charset="0"/>
+            </a:endParaRPr>
+          </a:p>
+        </p:txBody>
+      </p:sp>
+      <p:sp>
+        <p:nvSpPr>
+          <p:cNvPr id="4" name="Title 1">
+            <a:extLst>
+              <a:ext uri="{FF2B5EF4-FFF2-40B4-BE49-F238E27FC236}">
+                <a16:creationId xmlns:a16="http://schemas.microsoft.com/office/drawing/2014/main" id="{CA898552-904F-FBAC-AADE-58BB375A8B18}"/>
+              </a:ext>
+            </a:extLst>
+          </p:cNvPr>
+          <p:cNvSpPr txBox="1">
+            <a:spLocks/>
+          </p:cNvSpPr>
+          <p:nvPr/>
+        </p:nvSpPr>
+        <p:spPr>
+          <a:xfrm>
+            <a:off x="321733" y="86730"/>
+            <a:ext cx="10058400" cy="780627"/>
+          </a:xfrm>
+          <a:prstGeom prst="rect">
+            <a:avLst/>
+          </a:prstGeom>
+        </p:spPr>
+        <p:txBody>
+          <a:bodyPr vert="horz" lIns="91440" tIns="45720" rIns="91440" bIns="45720" rtlCol="0" anchor="b">
+            <a:normAutofit/>
+          </a:bodyPr>
+          <a:lstStyle>
+            <a:lvl1pPr marL="0" algn="l" defTabSz="914400" rtl="0" eaLnBrk="1" latinLnBrk="0" hangingPunct="1">
+              <a:lnSpc>
+                <a:spcPct val="85000"/>
+              </a:lnSpc>
+              <a:spcBef>
+                <a:spcPct val="0"/>
+              </a:spcBef>
+              <a:buNone/>
+              <a:defRPr sz="4800" kern="1200" spc="-50" baseline="0">
+                <a:solidFill>
+                  <a:schemeClr val="tx1">
+                    <a:lumMod val="75000"/>
+                    <a:lumOff val="25000"/>
+                  </a:schemeClr>
+                </a:solidFill>
+                <a:latin typeface="+mj-lt"/>
+                <a:ea typeface="+mj-ea"/>
+                <a:cs typeface="+mj-cs"/>
+              </a:defRPr>
+            </a:lvl1pPr>
+          </a:lstStyle>
+          <a:p>
+            <a:r>
+              <a:rPr lang="en-US" b="1" dirty="0">
+                <a:latin typeface="SF Compact Display" panose="02000000000000000000" pitchFamily="50" charset="0"/>
+              </a:rPr>
+              <a:t>To be worshiper</a:t>
+            </a:r>
+            <a:endParaRPr lang="vi-VN" b="1" dirty="0">
+              <a:latin typeface="SF Compact Display" panose="02000000000000000000" pitchFamily="50" charset="0"/>
+            </a:endParaRPr>
+          </a:p>
+        </p:txBody>
+      </p:sp>
+      <p:sp>
+        <p:nvSpPr>
+          <p:cNvPr id="5" name="Rectangle 4">
+            <a:extLst>
+              <a:ext uri="{FF2B5EF4-FFF2-40B4-BE49-F238E27FC236}">
+                <a16:creationId xmlns:a16="http://schemas.microsoft.com/office/drawing/2014/main" id="{0AD3A70E-0EB6-00C2-F33F-045C421DA2FA}"/>
+              </a:ext>
+            </a:extLst>
+          </p:cNvPr>
+          <p:cNvSpPr/>
+          <p:nvPr/>
+        </p:nvSpPr>
+        <p:spPr>
+          <a:xfrm>
+            <a:off x="321733" y="825022"/>
+            <a:ext cx="11667067" cy="36000"/>
+          </a:xfrm>
+          <a:prstGeom prst="rect">
+            <a:avLst/>
+          </a:prstGeom>
+          <a:ln w="6350">
+            <a:noFill/>
+          </a:ln>
+        </p:spPr>
+        <p:style>
+          <a:lnRef idx="2">
+            <a:schemeClr val="accent1">
+              <a:shade val="15000"/>
+            </a:schemeClr>
+          </a:lnRef>
+          <a:fillRef idx="1">
+            <a:schemeClr val="accent1"/>
+          </a:fillRef>
+          <a:effectRef idx="0">
+            <a:schemeClr val="accent1"/>
+          </a:effectRef>
+          <a:fontRef idx="minor">
+            <a:schemeClr val="lt1"/>
+          </a:fontRef>
+        </p:style>
+        <p:txBody>
+          <a:bodyPr rtlCol="0" anchor="ctr"/>
+          <a:lstStyle/>
+          <a:p>
+            <a:pPr algn="ctr"/>
+            <a:endParaRPr lang="vi-VN"/>
+          </a:p>
+        </p:txBody>
+      </p:sp>
+    </p:spTree>
+    <p:extLst>
+      <p:ext uri="{BB962C8B-B14F-4D97-AF65-F5344CB8AC3E}">
+        <p14:creationId xmlns:p14="http://schemas.microsoft.com/office/powerpoint/2010/main" val="597474107"/>
+      </p:ext>
+    </p:extLst>
+  </p:cSld>
+  <p:clrMapOvr>
+    <a:masterClrMapping/>
+  </p:clrMapOvr>
+</p:sld>
+</file>
+
+<file path=ppt/slides/slide12.xml><?xml version="1.0" encoding="utf-8"?>
+<p:sld xmlns:a="http://schemas.openxmlformats.org/drawingml/2006/main" xmlns:r="http://schemas.openxmlformats.org/officeDocument/2006/relationships" xmlns:p="http://schemas.openxmlformats.org/presentationml/2006/main">
+  <p:cSld>
+    <p:spTree>
+      <p:nvGrpSpPr>
+        <p:cNvPr id="1" name=""/>
+        <p:cNvGrpSpPr/>
+        <p:nvPr/>
+      </p:nvGrpSpPr>
+      <p:grpSpPr>
+        <a:xfrm>
+          <a:off x="0" y="0"/>
+          <a:ext cx="0" cy="0"/>
+          <a:chOff x="0" y="0"/>
+          <a:chExt cx="0" cy="0"/>
+        </a:xfrm>
+      </p:grpSpPr>
+      <p:sp>
+        <p:nvSpPr>
+          <p:cNvPr id="2" name="Title 1">
+            <a:extLst>
+              <a:ext uri="{FF2B5EF4-FFF2-40B4-BE49-F238E27FC236}">
+                <a16:creationId xmlns:a16="http://schemas.microsoft.com/office/drawing/2014/main" id="{589F7C0B-8BA5-3BD7-4A2C-FA4BBC3B74B5}"/>
+              </a:ext>
+            </a:extLst>
+          </p:cNvPr>
+          <p:cNvSpPr>
+            <a:spLocks noGrp="1"/>
+          </p:cNvSpPr>
+          <p:nvPr>
+            <p:ph type="title"/>
+          </p:nvPr>
+        </p:nvSpPr>
+        <p:spPr>
+          <a:xfrm>
+            <a:off x="1097280" y="956733"/>
+            <a:ext cx="10058400" cy="780627"/>
+          </a:xfrm>
+        </p:spPr>
+        <p:txBody>
+          <a:bodyPr>
+            <a:normAutofit/>
+          </a:bodyPr>
+          <a:lstStyle/>
+          <a:p>
+            <a:r>
+              <a:rPr lang="en-US" sz="3600" dirty="0">
+                <a:latin typeface="SF Compact Display" panose="02000000000000000000" pitchFamily="50" charset="0"/>
+              </a:rPr>
+              <a:t>The action of worship</a:t>
+            </a:r>
+            <a:endParaRPr lang="vi-VN" sz="3600" dirty="0">
+              <a:latin typeface="SF Compact Display" panose="02000000000000000000" pitchFamily="50" charset="0"/>
+            </a:endParaRPr>
+          </a:p>
+        </p:txBody>
+      </p:sp>
+      <p:sp>
+        <p:nvSpPr>
+          <p:cNvPr id="7" name="TextBox 6">
+            <a:extLst>
+              <a:ext uri="{FF2B5EF4-FFF2-40B4-BE49-F238E27FC236}">
+                <a16:creationId xmlns:a16="http://schemas.microsoft.com/office/drawing/2014/main" id="{66D361DF-4053-70F3-3A59-1858DCB0B4A2}"/>
+              </a:ext>
+            </a:extLst>
+          </p:cNvPr>
+          <p:cNvSpPr txBox="1"/>
+          <p:nvPr/>
+        </p:nvSpPr>
+        <p:spPr>
+          <a:xfrm>
+            <a:off x="1097280" y="1826736"/>
+            <a:ext cx="10058400" cy="2244461"/>
+          </a:xfrm>
+          <a:prstGeom prst="rect">
+            <a:avLst/>
+          </a:prstGeom>
+          <a:noFill/>
+        </p:spPr>
+        <p:txBody>
+          <a:bodyPr wrap="square">
+            <a:spAutoFit/>
+          </a:bodyPr>
+          <a:lstStyle/>
+          <a:p>
+            <a:pPr algn="just">
+              <a:lnSpc>
+                <a:spcPct val="150000"/>
+              </a:lnSpc>
+            </a:pPr>
+            <a:r>
+              <a:rPr lang="en-US" sz="2400" b="1" dirty="0">
+                <a:solidFill>
+                  <a:srgbClr val="000000"/>
+                </a:solidFill>
+                <a:latin typeface="SF Compact Text" panose="02000000000000000000" pitchFamily="50" charset="0"/>
+                <a:cs typeface="SF Mono Heavy" panose="02000000000000000000" pitchFamily="50" charset="0"/>
+              </a:rPr>
+              <a:t>The nature of the LORD</a:t>
+            </a:r>
+            <a:r>
+              <a:rPr lang="en-US" sz="2400" dirty="0">
+                <a:solidFill>
+                  <a:srgbClr val="000000"/>
+                </a:solidFill>
+                <a:latin typeface="SF Compact Text" panose="02000000000000000000" pitchFamily="50" charset="0"/>
+                <a:cs typeface="SF Mono Heavy" panose="02000000000000000000" pitchFamily="50" charset="0"/>
+              </a:rPr>
+              <a:t>:</a:t>
+            </a:r>
+          </a:p>
+          <a:p>
+            <a:pPr algn="just">
+              <a:lnSpc>
+                <a:spcPct val="150000"/>
+              </a:lnSpc>
+            </a:pPr>
+            <a:r>
+              <a:rPr lang="en-US" sz="2400" dirty="0">
+                <a:latin typeface="SF Compact Text" panose="02000000000000000000" pitchFamily="50" charset="0"/>
+                <a:cs typeface="SF Mono Heavy" panose="02000000000000000000" pitchFamily="50" charset="0"/>
+              </a:rPr>
+              <a:t>“I will extol the LORD at all times; his praise will always be on my lips.” </a:t>
+            </a:r>
+          </a:p>
+          <a:p>
+            <a:pPr algn="just">
+              <a:lnSpc>
+                <a:spcPct val="150000"/>
+              </a:lnSpc>
+            </a:pPr>
+            <a:r>
+              <a:rPr lang="en-US" sz="2400" i="1" dirty="0">
+                <a:latin typeface="SF Compact Text" panose="02000000000000000000" pitchFamily="50" charset="0"/>
+                <a:cs typeface="SF Mono Heavy" panose="02000000000000000000" pitchFamily="50" charset="0"/>
+              </a:rPr>
+              <a:t>- Psalm 34:1</a:t>
+            </a:r>
+          </a:p>
+          <a:p>
+            <a:pPr algn="just">
+              <a:lnSpc>
+                <a:spcPct val="150000"/>
+              </a:lnSpc>
+            </a:pPr>
+            <a:endParaRPr lang="vi-VN" sz="2400" dirty="0">
+              <a:latin typeface="SF Compact Text" panose="02000000000000000000" pitchFamily="50" charset="0"/>
+              <a:cs typeface="SF Mono Heavy" panose="02000000000000000000" pitchFamily="50" charset="0"/>
+            </a:endParaRPr>
+          </a:p>
+        </p:txBody>
+      </p:sp>
+      <p:sp>
+        <p:nvSpPr>
+          <p:cNvPr id="4" name="Title 1">
+            <a:extLst>
+              <a:ext uri="{FF2B5EF4-FFF2-40B4-BE49-F238E27FC236}">
+                <a16:creationId xmlns:a16="http://schemas.microsoft.com/office/drawing/2014/main" id="{CA898552-904F-FBAC-AADE-58BB375A8B18}"/>
+              </a:ext>
+            </a:extLst>
+          </p:cNvPr>
+          <p:cNvSpPr txBox="1">
+            <a:spLocks/>
+          </p:cNvSpPr>
+          <p:nvPr/>
+        </p:nvSpPr>
+        <p:spPr>
+          <a:xfrm>
+            <a:off x="321733" y="86730"/>
+            <a:ext cx="10058400" cy="780627"/>
+          </a:xfrm>
+          <a:prstGeom prst="rect">
+            <a:avLst/>
+          </a:prstGeom>
+        </p:spPr>
+        <p:txBody>
+          <a:bodyPr vert="horz" lIns="91440" tIns="45720" rIns="91440" bIns="45720" rtlCol="0" anchor="b">
+            <a:normAutofit/>
+          </a:bodyPr>
+          <a:lstStyle>
+            <a:lvl1pPr marL="0" algn="l" defTabSz="914400" rtl="0" eaLnBrk="1" latinLnBrk="0" hangingPunct="1">
+              <a:lnSpc>
+                <a:spcPct val="85000"/>
+              </a:lnSpc>
+              <a:spcBef>
+                <a:spcPct val="0"/>
+              </a:spcBef>
+              <a:buNone/>
+              <a:defRPr sz="4800" kern="1200" spc="-50" baseline="0">
+                <a:solidFill>
+                  <a:schemeClr val="tx1">
+                    <a:lumMod val="75000"/>
+                    <a:lumOff val="25000"/>
+                  </a:schemeClr>
+                </a:solidFill>
+                <a:latin typeface="+mj-lt"/>
+                <a:ea typeface="+mj-ea"/>
+                <a:cs typeface="+mj-cs"/>
+              </a:defRPr>
+            </a:lvl1pPr>
+          </a:lstStyle>
+          <a:p>
+            <a:r>
+              <a:rPr lang="en-US" b="1" dirty="0">
+                <a:latin typeface="SF Compact Display" panose="02000000000000000000" pitchFamily="50" charset="0"/>
+              </a:rPr>
+              <a:t>To be worshiper</a:t>
+            </a:r>
+            <a:endParaRPr lang="vi-VN" b="1" dirty="0">
+              <a:latin typeface="SF Compact Display" panose="02000000000000000000" pitchFamily="50" charset="0"/>
+            </a:endParaRPr>
+          </a:p>
+        </p:txBody>
+      </p:sp>
+      <p:sp>
+        <p:nvSpPr>
+          <p:cNvPr id="5" name="Rectangle 4">
+            <a:extLst>
+              <a:ext uri="{FF2B5EF4-FFF2-40B4-BE49-F238E27FC236}">
+                <a16:creationId xmlns:a16="http://schemas.microsoft.com/office/drawing/2014/main" id="{0AD3A70E-0EB6-00C2-F33F-045C421DA2FA}"/>
+              </a:ext>
+            </a:extLst>
+          </p:cNvPr>
+          <p:cNvSpPr/>
+          <p:nvPr/>
+        </p:nvSpPr>
+        <p:spPr>
+          <a:xfrm>
+            <a:off x="321733" y="825022"/>
+            <a:ext cx="11667067" cy="36000"/>
+          </a:xfrm>
+          <a:prstGeom prst="rect">
+            <a:avLst/>
+          </a:prstGeom>
+          <a:ln w="6350">
+            <a:noFill/>
+          </a:ln>
+        </p:spPr>
+        <p:style>
+          <a:lnRef idx="2">
+            <a:schemeClr val="accent1">
+              <a:shade val="15000"/>
+            </a:schemeClr>
+          </a:lnRef>
+          <a:fillRef idx="1">
+            <a:schemeClr val="accent1"/>
+          </a:fillRef>
+          <a:effectRef idx="0">
+            <a:schemeClr val="accent1"/>
+          </a:effectRef>
+          <a:fontRef idx="minor">
+            <a:schemeClr val="lt1"/>
+          </a:fontRef>
+        </p:style>
+        <p:txBody>
+          <a:bodyPr rtlCol="0" anchor="ctr"/>
+          <a:lstStyle/>
+          <a:p>
+            <a:pPr algn="ctr"/>
+            <a:endParaRPr lang="vi-VN"/>
+          </a:p>
+        </p:txBody>
+      </p:sp>
+    </p:spTree>
+    <p:extLst>
+      <p:ext uri="{BB962C8B-B14F-4D97-AF65-F5344CB8AC3E}">
         <p14:creationId xmlns:p14="http://schemas.microsoft.com/office/powerpoint/2010/main" val="2606184118"/>
       </p:ext>
     </p:extLst>
@@ -4180,7 +4816,7 @@
 </p:sld>
 </file>
 
-<file path=ppt/slides/slide11.xml><?xml version="1.0" encoding="utf-8"?>
+<file path=ppt/slides/slide13.xml><?xml version="1.0" encoding="utf-8"?>
 <p:sld xmlns:a="http://schemas.openxmlformats.org/drawingml/2006/main" xmlns:r="http://schemas.openxmlformats.org/officeDocument/2006/relationships" xmlns:p="http://schemas.openxmlformats.org/presentationml/2006/main">
   <p:cSld>
     <p:spTree>
@@ -4594,7 +5230,7 @@
 </p:sld>
 </file>
 
-<file path=ppt/slides/slide12.xml><?xml version="1.0" encoding="utf-8"?>
+<file path=ppt/slides/slide14.xml><?xml version="1.0" encoding="utf-8"?>
 <p:sld xmlns:a="http://schemas.openxmlformats.org/drawingml/2006/main" xmlns:r="http://schemas.openxmlformats.org/officeDocument/2006/relationships" xmlns:p="http://schemas.openxmlformats.org/presentationml/2006/main">
   <p:cSld>
     <p:spTree>
@@ -4891,7 +5527,7 @@
 </p:sld>
 </file>
 
-<file path=ppt/slides/slide13.xml><?xml version="1.0" encoding="utf-8"?>
+<file path=ppt/slides/slide15.xml><?xml version="1.0" encoding="utf-8"?>
 <p:sld xmlns:a="http://schemas.openxmlformats.org/drawingml/2006/main" xmlns:r="http://schemas.openxmlformats.org/officeDocument/2006/relationships" xmlns:p="http://schemas.openxmlformats.org/presentationml/2006/main">
   <p:cSld>
     <p:spTree>
@@ -5174,7 +5810,7 @@
 </p:sld>
 </file>
 
-<file path=ppt/slides/slide14.xml><?xml version="1.0" encoding="utf-8"?>
+<file path=ppt/slides/slide16.xml><?xml version="1.0" encoding="utf-8"?>
 <p:sld xmlns:a="http://schemas.openxmlformats.org/drawingml/2006/main" xmlns:r="http://schemas.openxmlformats.org/officeDocument/2006/relationships" xmlns:p="http://schemas.openxmlformats.org/presentationml/2006/main">
   <p:cSld>
     <p:spTree>
@@ -5402,7 +6038,7 @@
 </p:sld>
 </file>
 
-<file path=ppt/slides/slide15.xml><?xml version="1.0" encoding="utf-8"?>
+<file path=ppt/slides/slide17.xml><?xml version="1.0" encoding="utf-8"?>
 <p:sld xmlns:a="http://schemas.openxmlformats.org/drawingml/2006/main" xmlns:r="http://schemas.openxmlformats.org/officeDocument/2006/relationships" xmlns:p="http://schemas.openxmlformats.org/presentationml/2006/main">
   <p:cSld>
     <p:spTree>
@@ -5725,7 +6361,7 @@
                   <a:ea typeface="+mn-ea"/>
                   <a:cs typeface="+mn-cs"/>
                 </a:rPr>
-                <a:t>Worship</a:t>
+                <a:t>Be Worshiper</a:t>
               </a:r>
               <a:endParaRPr lang="vi-VN" b="1" dirty="0"/>
             </a:p>
@@ -5941,7 +6577,7 @@
           <p:spPr>
             <a:xfrm>
               <a:off x="1249680" y="3928535"/>
-              <a:ext cx="3005667" cy="516467"/>
+              <a:ext cx="3987801" cy="516467"/>
             </a:xfrm>
             <a:prstGeom prst="snip1Rect">
               <a:avLst/>
@@ -5991,7 +6627,7 @@
                   <a:ea typeface="+mn-ea"/>
                   <a:cs typeface="+mn-cs"/>
                 </a:rPr>
-                <a:t>Worship Leader</a:t>
+                <a:t>Be Worship Leader</a:t>
               </a:r>
               <a:endParaRPr lang="vi-VN" b="1" dirty="0"/>
             </a:p>
@@ -7210,8 +7846,8 @@
         </p:nvSpPr>
         <p:spPr>
           <a:xfrm>
-            <a:off x="1097279" y="1826736"/>
-            <a:ext cx="10058399" cy="646331"/>
+            <a:off x="1097279" y="1929136"/>
+            <a:ext cx="10058399" cy="830997"/>
           </a:xfrm>
           <a:prstGeom prst="rect">
             <a:avLst/>
@@ -7226,7 +7862,7 @@
           <a:p>
             <a:pPr algn="just"/>
             <a:r>
-              <a:rPr lang="en-US" b="0" i="1" dirty="0">
+              <a:rPr lang="en-US" sz="2400" b="0" i="1" dirty="0">
                 <a:solidFill>
                   <a:srgbClr val="3E4C59"/>
                 </a:solidFill>
@@ -7236,7 +7872,7 @@
               <a:t>“Biblical worship is an act of exalting God to a place of honor and reverence because He is worthy”</a:t>
             </a:r>
             <a:r>
-              <a:rPr lang="en-US" i="1" dirty="0">
+              <a:rPr lang="en-US" sz="2400" i="1" dirty="0">
                 <a:solidFill>
                   <a:srgbClr val="3E4C59"/>
                 </a:solidFill>
@@ -7261,8 +7897,8 @@
         </p:nvSpPr>
         <p:spPr>
           <a:xfrm>
-            <a:off x="1126066" y="2562443"/>
-            <a:ext cx="10058399" cy="923330"/>
+            <a:off x="1097279" y="2951910"/>
+            <a:ext cx="10058399" cy="1569660"/>
           </a:xfrm>
           <a:prstGeom prst="rect">
             <a:avLst/>
@@ -7277,7 +7913,7 @@
           <a:p>
             <a:pPr algn="just"/>
             <a:r>
-              <a:rPr lang="en-US" b="0" i="1" dirty="0">
+              <a:rPr lang="en-US" sz="2400" b="0" i="1" dirty="0">
                 <a:solidFill>
                   <a:srgbClr val="3E4C59"/>
                 </a:solidFill>
@@ -7287,29 +7923,14 @@
               <a:t>“Worship is an expression of praise from the depths of our hearts toward a God who is understood through His Word. If we do not have the truth of the Bible, we do not know God and we cannot be truly worshiping.”</a:t>
             </a:r>
             <a:r>
-              <a:rPr lang="en-US" i="1" dirty="0">
+              <a:rPr lang="en-US" sz="2400" i="1" dirty="0">
                 <a:solidFill>
                   <a:srgbClr val="3E4C59"/>
                 </a:solidFill>
                 <a:latin typeface="SF Compact Text" panose="02000000000000000000" pitchFamily="50" charset="0"/>
               </a:rPr>
-              <a:t> – </a:t>
-            </a:r>
-            <a:r>
-              <a:rPr lang="en-US" i="1" dirty="0" err="1">
-                <a:solidFill>
-                  <a:srgbClr val="3E4C59"/>
-                </a:solidFill>
-                <a:latin typeface="SF Compact Text" panose="02000000000000000000" pitchFamily="50" charset="0"/>
-              </a:rPr>
-              <a:t>gotQuestions</a:t>
-            </a:r>
-            <a:endParaRPr lang="en-US" i="1" dirty="0">
-              <a:solidFill>
-                <a:srgbClr val="3E4C59"/>
-              </a:solidFill>
-              <a:latin typeface="SF Compact Text" panose="02000000000000000000" pitchFamily="50" charset="0"/>
-            </a:endParaRPr>
+              <a:t> – got Questions</a:t>
+            </a:r>
           </a:p>
         </p:txBody>
       </p:sp>
@@ -7375,7 +7996,7 @@
               <a:rPr lang="en-US" sz="3600" dirty="0">
                 <a:latin typeface="SF Compact Display" panose="02000000000000000000" pitchFamily="50" charset="0"/>
               </a:rPr>
-              <a:t>How the term “worship” is used in Old Testament?</a:t>
+              <a:t>True Worshiper</a:t>
             </a:r>
             <a:endParaRPr lang="vi-VN" sz="3600" dirty="0">
               <a:latin typeface="SF Compact Display" panose="02000000000000000000" pitchFamily="50" charset="0"/>
@@ -7398,7 +8019,7 @@
         <p:spPr>
           <a:xfrm>
             <a:off x="1097280" y="1826736"/>
-            <a:ext cx="10058400" cy="4460452"/>
+            <a:ext cx="10058400" cy="3352456"/>
           </a:xfrm>
           <a:prstGeom prst="rect">
             <a:avLst/>
@@ -7424,7 +8045,7 @@
                 <a:latin typeface="SF Compact Text" panose="02000000000000000000" pitchFamily="50" charset="0"/>
                 <a:cs typeface="SF Mono Heavy" panose="02000000000000000000" pitchFamily="50" charset="0"/>
               </a:rPr>
-              <a:t>The presence of the LORD</a:t>
+              <a:t>The truth of the LORD</a:t>
             </a:r>
             <a:r>
               <a:rPr lang="en-US" sz="2400" dirty="0">
@@ -7448,7 +8069,17 @@
                 <a:latin typeface="SF Compact Text" panose="02000000000000000000" pitchFamily="50" charset="0"/>
                 <a:cs typeface="SF Mono Heavy" panose="02000000000000000000" pitchFamily="50" charset="0"/>
               </a:rPr>
-              <a:t>“Exalt the Lord our God, And worship at </a:t>
+              <a:t>“But the hour is coming, and now is, when </a:t>
+            </a:r>
+            <a:r>
+              <a:rPr lang="en-US" sz="2400" dirty="0">
+                <a:solidFill>
+                  <a:srgbClr val="FF0000"/>
+                </a:solidFill>
+                <a:latin typeface="SF Compact Text" panose="02000000000000000000" pitchFamily="50" charset="0"/>
+                <a:cs typeface="SF Mono Heavy" panose="02000000000000000000" pitchFamily="50" charset="0"/>
+              </a:rPr>
+              <a:t>the true worshipers </a:t>
             </a:r>
             <a:r>
               <a:rPr lang="en-US" sz="2400" dirty="0">
@@ -7458,59 +8089,14 @@
                 <a:latin typeface="SF Compact Text" panose="02000000000000000000" pitchFamily="50" charset="0"/>
                 <a:cs typeface="SF Mono Heavy" panose="02000000000000000000" pitchFamily="50" charset="0"/>
               </a:rPr>
-              <a:t>His holy hill</a:t>
+              <a:t>will worship the Father in spirit and truth</a:t>
             </a:r>
             <a:r>
               <a:rPr lang="en-US" sz="2400" dirty="0">
                 <a:latin typeface="SF Compact Text" panose="02000000000000000000" pitchFamily="50" charset="0"/>
                 <a:cs typeface="SF Mono Heavy" panose="02000000000000000000" pitchFamily="50" charset="0"/>
               </a:rPr>
-              <a:t>; For the </a:t>
-            </a:r>
-            <a:r>
-              <a:rPr lang="en-US" sz="2400" dirty="0">
-                <a:solidFill>
-                  <a:srgbClr val="0070C0"/>
-                </a:solidFill>
-                <a:latin typeface="SF Compact Text" panose="02000000000000000000" pitchFamily="50" charset="0"/>
-                <a:cs typeface="SF Mono Heavy" panose="02000000000000000000" pitchFamily="50" charset="0"/>
-              </a:rPr>
-              <a:t>Lord our God is holy</a:t>
-            </a:r>
-            <a:r>
-              <a:rPr lang="en-US" sz="2400" dirty="0">
-                <a:latin typeface="SF Compact Text" panose="02000000000000000000" pitchFamily="50" charset="0"/>
-                <a:cs typeface="SF Mono Heavy" panose="02000000000000000000" pitchFamily="50" charset="0"/>
-              </a:rPr>
-              <a:t>.” </a:t>
-            </a:r>
-          </a:p>
-          <a:p>
-            <a:pPr algn="just">
-              <a:lnSpc>
-                <a:spcPct val="150000"/>
-              </a:lnSpc>
-            </a:pPr>
-            <a:r>
-              <a:rPr lang="en-US" sz="2400" i="1" dirty="0">
-                <a:latin typeface="SF Compact Text" panose="02000000000000000000" pitchFamily="50" charset="0"/>
-                <a:cs typeface="SF Mono Heavy" panose="02000000000000000000" pitchFamily="50" charset="0"/>
-              </a:rPr>
-              <a:t>- Psalm 99:9</a:t>
-            </a:r>
-          </a:p>
-          <a:p>
-            <a:pPr algn="just">
-              <a:lnSpc>
-                <a:spcPct val="150000"/>
-              </a:lnSpc>
-            </a:pPr>
-            <a:r>
-              <a:rPr lang="en-US" sz="2400" dirty="0">
-                <a:latin typeface="SF Compact Text" panose="02000000000000000000" pitchFamily="50" charset="0"/>
-                <a:cs typeface="SF Mono Heavy" panose="02000000000000000000" pitchFamily="50" charset="0"/>
-              </a:rPr>
-              <a:t>“You </a:t>
+              <a:t>; for </a:t>
             </a:r>
             <a:r>
               <a:rPr lang="en-US" sz="2400" dirty="0">
@@ -7520,55 +8106,28 @@
                 <a:latin typeface="SF Compact Text" panose="02000000000000000000" pitchFamily="50" charset="0"/>
                 <a:cs typeface="SF Mono Heavy" panose="02000000000000000000" pitchFamily="50" charset="0"/>
               </a:rPr>
-              <a:t>shall not worship the Lord your God with such things</a:t>
+              <a:t>the Father is seeking such to worship Him</a:t>
             </a:r>
             <a:r>
               <a:rPr lang="en-US" sz="2400" dirty="0">
                 <a:latin typeface="SF Compact Text" panose="02000000000000000000" pitchFamily="50" charset="0"/>
                 <a:cs typeface="SF Mono Heavy" panose="02000000000000000000" pitchFamily="50" charset="0"/>
               </a:rPr>
-              <a:t>. But </a:t>
-            </a:r>
-            <a:r>
-              <a:rPr lang="en-US" sz="2400" dirty="0">
-                <a:solidFill>
-                  <a:srgbClr val="0070C0"/>
-                </a:solidFill>
-                <a:latin typeface="SF Compact Text" panose="02000000000000000000" pitchFamily="50" charset="0"/>
-                <a:cs typeface="SF Mono Heavy" panose="02000000000000000000" pitchFamily="50" charset="0"/>
-              </a:rPr>
-              <a:t>you shall seek the place where the Lord your God chooses</a:t>
-            </a:r>
-            <a:r>
-              <a:rPr lang="en-US" sz="2400" dirty="0">
-                <a:latin typeface="SF Compact Text" panose="02000000000000000000" pitchFamily="50" charset="0"/>
-                <a:cs typeface="SF Mono Heavy" panose="02000000000000000000" pitchFamily="50" charset="0"/>
-              </a:rPr>
-              <a:t>, out of all your tribes, </a:t>
-            </a:r>
-            <a:r>
-              <a:rPr lang="en-US" sz="2400" dirty="0">
-                <a:solidFill>
-                  <a:srgbClr val="0070C0"/>
-                </a:solidFill>
-                <a:latin typeface="SF Compact Text" panose="02000000000000000000" pitchFamily="50" charset="0"/>
-                <a:cs typeface="SF Mono Heavy" panose="02000000000000000000" pitchFamily="50" charset="0"/>
-              </a:rPr>
-              <a:t>to put His name for His dwelling place</a:t>
-            </a:r>
-            <a:r>
-              <a:rPr lang="en-US" sz="2400" dirty="0">
-                <a:latin typeface="SF Compact Text" panose="02000000000000000000" pitchFamily="50" charset="0"/>
-                <a:cs typeface="SF Mono Heavy" panose="02000000000000000000" pitchFamily="50" charset="0"/>
-              </a:rPr>
-              <a:t>; and there you shall go.” </a:t>
-            </a:r>
+              <a:t>. God is Spirit, and those who worship Him must worship in spirit and truth. ” </a:t>
+            </a:r>
+          </a:p>
+          <a:p>
+            <a:pPr algn="just">
+              <a:lnSpc>
+                <a:spcPct val="150000"/>
+              </a:lnSpc>
+            </a:pPr>
             <a:r>
               <a:rPr lang="en-US" sz="2400" i="1" dirty="0">
                 <a:latin typeface="SF Compact Text" panose="02000000000000000000" pitchFamily="50" charset="0"/>
                 <a:cs typeface="SF Mono Heavy" panose="02000000000000000000" pitchFamily="50" charset="0"/>
               </a:rPr>
-              <a:t>– Deuteronomy 12:4-5</a:t>
+              <a:t>– John 4:23-24</a:t>
             </a:r>
             <a:endParaRPr lang="vi-VN" sz="2400" i="1" dirty="0">
               <a:latin typeface="SF Compact Text" panose="02000000000000000000" pitchFamily="50" charset="0"/>
@@ -7644,7 +8203,7 @@
           <p:cNvPr id="5" name="Rectangle 4">
             <a:extLst>
               <a:ext uri="{FF2B5EF4-FFF2-40B4-BE49-F238E27FC236}">
-                <a16:creationId xmlns:a16="http://schemas.microsoft.com/office/drawing/2014/main" id="{4EADD43D-E784-79CA-F056-D5B2983044E3}"/>
+                <a16:creationId xmlns:a16="http://schemas.microsoft.com/office/drawing/2014/main" id="{4E611A24-FAE7-F22A-664C-F25B609B83E7}"/>
               </a:ext>
             </a:extLst>
           </p:cNvPr>
@@ -7691,7 +8250,7 @@
     </p:spTree>
     <p:extLst>
       <p:ext uri="{BB962C8B-B14F-4D97-AF65-F5344CB8AC3E}">
-        <p14:creationId xmlns:p14="http://schemas.microsoft.com/office/powerpoint/2010/main" val="4027009654"/>
+        <p14:creationId xmlns:p14="http://schemas.microsoft.com/office/powerpoint/2010/main" val="4286927663"/>
       </p:ext>
     </p:extLst>
   </p:cSld>
@@ -7750,7 +8309,7 @@
               <a:rPr lang="en-US" sz="3600" dirty="0">
                 <a:latin typeface="SF Compact Display" panose="02000000000000000000" pitchFamily="50" charset="0"/>
               </a:rPr>
-              <a:t>How the term “worship” is used in Old Testament?</a:t>
+              <a:t>True Worshiper</a:t>
             </a:r>
             <a:endParaRPr lang="vi-VN" sz="3600" dirty="0">
               <a:latin typeface="SF Compact Display" panose="02000000000000000000" pitchFamily="50" charset="0"/>
@@ -7773,7 +8332,7 @@
         <p:spPr>
           <a:xfrm>
             <a:off x="1097280" y="1826736"/>
-            <a:ext cx="10058400" cy="2798458"/>
+            <a:ext cx="10058400" cy="3352456"/>
           </a:xfrm>
           <a:prstGeom prst="rect">
             <a:avLst/>
@@ -7799,7 +8358,7 @@
                 <a:latin typeface="SF Compact Text" panose="02000000000000000000" pitchFamily="50" charset="0"/>
                 <a:cs typeface="SF Mono Heavy" panose="02000000000000000000" pitchFamily="50" charset="0"/>
               </a:rPr>
-              <a:t>The nature of the LORD</a:t>
+              <a:t>The truth of the LORD</a:t>
             </a:r>
             <a:r>
               <a:rPr lang="en-US" sz="2400" dirty="0">
@@ -7823,7 +8382,17 @@
                 <a:latin typeface="SF Compact Text" panose="02000000000000000000" pitchFamily="50" charset="0"/>
                 <a:cs typeface="SF Mono Heavy" panose="02000000000000000000" pitchFamily="50" charset="0"/>
               </a:rPr>
-              <a:t>“Give unto the Lord the glory </a:t>
+              <a:t>“But the hour is coming, and now is, when </a:t>
+            </a:r>
+            <a:r>
+              <a:rPr lang="en-US" sz="2400" dirty="0">
+                <a:solidFill>
+                  <a:srgbClr val="FF0000"/>
+                </a:solidFill>
+                <a:latin typeface="SF Compact Text" panose="02000000000000000000" pitchFamily="50" charset="0"/>
+                <a:cs typeface="SF Mono Heavy" panose="02000000000000000000" pitchFamily="50" charset="0"/>
+              </a:rPr>
+              <a:t>the true worshipers </a:t>
             </a:r>
             <a:r>
               <a:rPr lang="en-US" sz="2400" dirty="0">
@@ -7833,14 +8402,65 @@
                 <a:latin typeface="SF Compact Text" panose="02000000000000000000" pitchFamily="50" charset="0"/>
                 <a:cs typeface="SF Mono Heavy" panose="02000000000000000000" pitchFamily="50" charset="0"/>
               </a:rPr>
-              <a:t>due to His name</a:t>
+              <a:t>will worship the Father in spirit and truth</a:t>
             </a:r>
             <a:r>
               <a:rPr lang="en-US" sz="2400" dirty="0">
                 <a:latin typeface="SF Compact Text" panose="02000000000000000000" pitchFamily="50" charset="0"/>
                 <a:cs typeface="SF Mono Heavy" panose="02000000000000000000" pitchFamily="50" charset="0"/>
               </a:rPr>
-              <a:t>; Worship the Lord </a:t>
+              <a:t>; for </a:t>
+            </a:r>
+            <a:r>
+              <a:rPr lang="en-US" sz="2400" dirty="0">
+                <a:solidFill>
+                  <a:srgbClr val="FF0000"/>
+                </a:solidFill>
+                <a:latin typeface="SF Compact Text" panose="02000000000000000000" pitchFamily="50" charset="0"/>
+                <a:cs typeface="SF Mono Heavy" panose="02000000000000000000" pitchFamily="50" charset="0"/>
+              </a:rPr>
+              <a:t>the</a:t>
+            </a:r>
+            <a:r>
+              <a:rPr lang="en-US" sz="2400" dirty="0">
+                <a:latin typeface="SF Compact Text" panose="02000000000000000000" pitchFamily="50" charset="0"/>
+                <a:cs typeface="SF Mono Heavy" panose="02000000000000000000" pitchFamily="50" charset="0"/>
+              </a:rPr>
+              <a:t> </a:t>
+            </a:r>
+            <a:r>
+              <a:rPr lang="en-US" sz="2400" dirty="0">
+                <a:solidFill>
+                  <a:srgbClr val="FF0000"/>
+                </a:solidFill>
+                <a:latin typeface="SF Compact Text" panose="02000000000000000000" pitchFamily="50" charset="0"/>
+                <a:cs typeface="SF Mono Heavy" panose="02000000000000000000" pitchFamily="50" charset="0"/>
+              </a:rPr>
+              <a:t>Father is seeking such to worship Him</a:t>
+            </a:r>
+            <a:r>
+              <a:rPr lang="en-US" sz="2400" dirty="0">
+                <a:latin typeface="SF Compact Text" panose="02000000000000000000" pitchFamily="50" charset="0"/>
+                <a:cs typeface="SF Mono Heavy" panose="02000000000000000000" pitchFamily="50" charset="0"/>
+              </a:rPr>
+              <a:t>. </a:t>
+            </a:r>
+            <a:r>
+              <a:rPr lang="en-US" sz="2400" dirty="0">
+                <a:solidFill>
+                  <a:srgbClr val="00B050"/>
+                </a:solidFill>
+                <a:latin typeface="SF Compact Text" panose="02000000000000000000" pitchFamily="50" charset="0"/>
+                <a:cs typeface="SF Mono Heavy" panose="02000000000000000000" pitchFamily="50" charset="0"/>
+              </a:rPr>
+              <a:t>God is Spirit</a:t>
+            </a:r>
+            <a:r>
+              <a:rPr lang="en-US" sz="2400" dirty="0">
+                <a:latin typeface="SF Compact Text" panose="02000000000000000000" pitchFamily="50" charset="0"/>
+                <a:cs typeface="SF Mono Heavy" panose="02000000000000000000" pitchFamily="50" charset="0"/>
+              </a:rPr>
+              <a:t>, and those who worship Him </a:t>
             </a:r>
             <a:r>
               <a:rPr lang="en-US" sz="2400" dirty="0">
@@ -7850,14 +8470,14 @@
                 <a:latin typeface="SF Compact Text" panose="02000000000000000000" pitchFamily="50" charset="0"/>
                 <a:cs typeface="SF Mono Heavy" panose="02000000000000000000" pitchFamily="50" charset="0"/>
               </a:rPr>
-              <a:t>in the beauty of holiness</a:t>
+              <a:t>must worship in spirit and truth</a:t>
             </a:r>
             <a:r>
               <a:rPr lang="en-US" sz="2400" dirty="0">
                 <a:latin typeface="SF Compact Text" panose="02000000000000000000" pitchFamily="50" charset="0"/>
                 <a:cs typeface="SF Mono Heavy" panose="02000000000000000000" pitchFamily="50" charset="0"/>
               </a:rPr>
-              <a:t>.” </a:t>
+              <a:t>. ” </a:t>
             </a:r>
           </a:p>
           <a:p>
@@ -7871,16 +8491,9 @@
                 <a:latin typeface="SF Compact Text" panose="02000000000000000000" pitchFamily="50" charset="0"/>
                 <a:cs typeface="SF Mono Heavy" panose="02000000000000000000" pitchFamily="50" charset="0"/>
               </a:rPr>
-              <a:t>- Psalm 29:2</a:t>
-            </a:r>
-          </a:p>
-          <a:p>
-            <a:pPr algn="just">
-              <a:lnSpc>
-                <a:spcPct val="150000"/>
-              </a:lnSpc>
-            </a:pPr>
-            <a:endParaRPr lang="vi-VN" sz="2400" dirty="0">
+              <a:t>– John 4:23-24</a:t>
+            </a:r>
+            <a:endParaRPr lang="vi-VN" sz="2400" i="1" dirty="0">
               <a:latin typeface="SF Compact Text" panose="02000000000000000000" pitchFamily="50" charset="0"/>
               <a:cs typeface="SF Mono Heavy" panose="02000000000000000000" pitchFamily="50" charset="0"/>
             </a:endParaRPr>
@@ -7954,7 +8567,7 @@
           <p:cNvPr id="5" name="Rectangle 4">
             <a:extLst>
               <a:ext uri="{FF2B5EF4-FFF2-40B4-BE49-F238E27FC236}">
-                <a16:creationId xmlns:a16="http://schemas.microsoft.com/office/drawing/2014/main" id="{0AD3A70E-0EB6-00C2-F33F-045C421DA2FA}"/>
+                <a16:creationId xmlns:a16="http://schemas.microsoft.com/office/drawing/2014/main" id="{4E611A24-FAE7-F22A-664C-F25B609B83E7}"/>
               </a:ext>
             </a:extLst>
           </p:cNvPr>
@@ -8001,7 +8614,7 @@
     </p:spTree>
     <p:extLst>
       <p:ext uri="{BB962C8B-B14F-4D97-AF65-F5344CB8AC3E}">
-        <p14:creationId xmlns:p14="http://schemas.microsoft.com/office/powerpoint/2010/main" val="479130075"/>
+        <p14:creationId xmlns:p14="http://schemas.microsoft.com/office/powerpoint/2010/main" val="3665484343"/>
       </p:ext>
     </p:extLst>
   </p:cSld>
@@ -8060,7 +8673,7 @@
               <a:rPr lang="en-US" sz="3600" dirty="0">
                 <a:latin typeface="SF Compact Display" panose="02000000000000000000" pitchFamily="50" charset="0"/>
               </a:rPr>
-              <a:t>How the term “worship” is used in Old Testament?</a:t>
+              <a:t>How the term “worship” is used in New Testament?</a:t>
             </a:r>
             <a:endParaRPr lang="vi-VN" sz="3600" dirty="0">
               <a:latin typeface="SF Compact Display" panose="02000000000000000000" pitchFamily="50" charset="0"/>
@@ -8083,7 +8696,7 @@
         <p:spPr>
           <a:xfrm>
             <a:off x="1097280" y="1826736"/>
-            <a:ext cx="10058400" cy="3352456"/>
+            <a:ext cx="10058400" cy="2798458"/>
           </a:xfrm>
           <a:prstGeom prst="rect">
             <a:avLst/>
@@ -8102,38 +8715,45 @@
               </a:lnSpc>
             </a:pPr>
             <a:r>
-              <a:rPr lang="en-US" sz="2400" b="1" dirty="0">
+              <a:rPr lang="en-US" sz="2400" dirty="0">
+                <a:latin typeface="SF Compact Text" panose="02000000000000000000" pitchFamily="50" charset="0"/>
+                <a:cs typeface="SF Mono Heavy" panose="02000000000000000000" pitchFamily="50" charset="0"/>
+              </a:rPr>
+              <a:t>“But the hour is coming, and now is, when </a:t>
+            </a:r>
+            <a:r>
+              <a:rPr lang="en-US" sz="2400" dirty="0">
                 <a:solidFill>
-                  <a:srgbClr val="000000"/>
+                  <a:srgbClr val="FF0000"/>
                 </a:solidFill>
                 <a:latin typeface="SF Compact Text" panose="02000000000000000000" pitchFamily="50" charset="0"/>
                 <a:cs typeface="SF Mono Heavy" panose="02000000000000000000" pitchFamily="50" charset="0"/>
               </a:rPr>
-              <a:t>The nature of the LORD</a:t>
+              <a:t>the true worshipers </a:t>
+            </a:r>
+            <a:r>
+              <a:rPr lang="en-US" sz="2400" dirty="0">
+                <a:latin typeface="SF Compact Text" panose="02000000000000000000" pitchFamily="50" charset="0"/>
+                <a:cs typeface="SF Mono Heavy" panose="02000000000000000000" pitchFamily="50" charset="0"/>
+              </a:rPr>
+              <a:t>will worship the Father in spirit and truth; for the Father is seeking such to worship Him. </a:t>
             </a:r>
             <a:r>
               <a:rPr lang="en-US" sz="2400" dirty="0">
                 <a:solidFill>
-                  <a:srgbClr val="000000"/>
+                  <a:srgbClr val="00B050"/>
                 </a:solidFill>
                 <a:latin typeface="SF Compact Text" panose="02000000000000000000" pitchFamily="50" charset="0"/>
                 <a:cs typeface="SF Mono Heavy" panose="02000000000000000000" pitchFamily="50" charset="0"/>
               </a:rPr>
-              <a:t>:</a:t>
-            </a:r>
-          </a:p>
-          <a:p>
-            <a:pPr algn="just">
-              <a:lnSpc>
-                <a:spcPct val="150000"/>
-              </a:lnSpc>
-            </a:pPr>
+              <a:t>God is Spirit</a:t>
+            </a:r>
             <a:r>
               <a:rPr lang="en-US" sz="2400" dirty="0">
                 <a:latin typeface="SF Compact Text" panose="02000000000000000000" pitchFamily="50" charset="0"/>
                 <a:cs typeface="SF Mono Heavy" panose="02000000000000000000" pitchFamily="50" charset="0"/>
               </a:rPr>
-              <a:t>“I will worship toward </a:t>
+              <a:t>, and those who worship Him </a:t>
             </a:r>
             <a:r>
               <a:rPr lang="en-US" sz="2400" dirty="0">
@@ -8143,31 +8763,14 @@
                 <a:latin typeface="SF Compact Text" panose="02000000000000000000" pitchFamily="50" charset="0"/>
                 <a:cs typeface="SF Mono Heavy" panose="02000000000000000000" pitchFamily="50" charset="0"/>
               </a:rPr>
-              <a:t>Your holy temple</a:t>
+              <a:t>must worship in spirit and truth</a:t>
             </a:r>
             <a:r>
               <a:rPr lang="en-US" sz="2400" dirty="0">
                 <a:latin typeface="SF Compact Text" panose="02000000000000000000" pitchFamily="50" charset="0"/>
                 <a:cs typeface="SF Mono Heavy" panose="02000000000000000000" pitchFamily="50" charset="0"/>
               </a:rPr>
-              <a:t>, And praise Your name </a:t>
-            </a:r>
-            <a:r>
-              <a:rPr lang="en-US" sz="2400" dirty="0">
-                <a:solidFill>
-                  <a:srgbClr val="0070C0"/>
-                </a:solidFill>
-                <a:latin typeface="SF Compact Text" panose="02000000000000000000" pitchFamily="50" charset="0"/>
-                <a:cs typeface="SF Mono Heavy" panose="02000000000000000000" pitchFamily="50" charset="0"/>
-              </a:rPr>
-              <a:t>For Your lovingkindness and Your truth</a:t>
-            </a:r>
-            <a:r>
-              <a:rPr lang="en-US" sz="2400" dirty="0">
-                <a:latin typeface="SF Compact Text" panose="02000000000000000000" pitchFamily="50" charset="0"/>
-                <a:cs typeface="SF Mono Heavy" panose="02000000000000000000" pitchFamily="50" charset="0"/>
-              </a:rPr>
-              <a:t>; </a:t>
+              <a:t>. ” </a:t>
             </a:r>
           </a:p>
           <a:p>
@@ -8177,34 +8780,13 @@
               </a:lnSpc>
             </a:pPr>
             <a:r>
-              <a:rPr lang="en-US" sz="2400" dirty="0">
-                <a:latin typeface="SF Compact Text" panose="02000000000000000000" pitchFamily="50" charset="0"/>
-                <a:cs typeface="SF Mono Heavy" panose="02000000000000000000" pitchFamily="50" charset="0"/>
-              </a:rPr>
-              <a:t>For You have magnified Your word above all Your name.” </a:t>
-            </a:r>
-          </a:p>
-          <a:p>
-            <a:pPr algn="just">
-              <a:lnSpc>
-                <a:spcPct val="150000"/>
-              </a:lnSpc>
-            </a:pPr>
-            <a:r>
               <a:rPr lang="en-US" sz="2400" i="1" dirty="0">
                 <a:latin typeface="SF Compact Text" panose="02000000000000000000" pitchFamily="50" charset="0"/>
                 <a:cs typeface="SF Mono Heavy" panose="02000000000000000000" pitchFamily="50" charset="0"/>
               </a:rPr>
-              <a:t>- Psalm 138:2</a:t>
-            </a:r>
-          </a:p>
-          <a:p>
-            <a:pPr algn="just">
-              <a:lnSpc>
-                <a:spcPct val="150000"/>
-              </a:lnSpc>
-            </a:pPr>
-            <a:endParaRPr lang="vi-VN" sz="2400" dirty="0">
+              <a:t>– John 4:23-24</a:t>
+            </a:r>
+            <a:endParaRPr lang="vi-VN" sz="2400" i="1" dirty="0">
               <a:latin typeface="SF Compact Text" panose="02000000000000000000" pitchFamily="50" charset="0"/>
               <a:cs typeface="SF Mono Heavy" panose="02000000000000000000" pitchFamily="50" charset="0"/>
             </a:endParaRPr>
@@ -8278,7 +8860,7 @@
           <p:cNvPr id="5" name="Rectangle 4">
             <a:extLst>
               <a:ext uri="{FF2B5EF4-FFF2-40B4-BE49-F238E27FC236}">
-                <a16:creationId xmlns:a16="http://schemas.microsoft.com/office/drawing/2014/main" id="{0AD3A70E-0EB6-00C2-F33F-045C421DA2FA}"/>
+                <a16:creationId xmlns:a16="http://schemas.microsoft.com/office/drawing/2014/main" id="{4E611A24-FAE7-F22A-664C-F25B609B83E7}"/>
               </a:ext>
             </a:extLst>
           </p:cNvPr>
@@ -8325,7 +8907,7 @@
     </p:spTree>
     <p:extLst>
       <p:ext uri="{BB962C8B-B14F-4D97-AF65-F5344CB8AC3E}">
-        <p14:creationId xmlns:p14="http://schemas.microsoft.com/office/powerpoint/2010/main" val="597474107"/>
+        <p14:creationId xmlns:p14="http://schemas.microsoft.com/office/powerpoint/2010/main" val="2765665353"/>
       </p:ext>
     </p:extLst>
   </p:cSld>
@@ -8384,7 +8966,7 @@
               <a:rPr lang="en-US" sz="3600" dirty="0">
                 <a:latin typeface="SF Compact Display" panose="02000000000000000000" pitchFamily="50" charset="0"/>
               </a:rPr>
-              <a:t>How the term “worship” is used in New Testament?</a:t>
+              <a:t>How the term “worship” is used in Old Testament?</a:t>
             </a:r>
             <a:endParaRPr lang="vi-VN" sz="3600" dirty="0">
               <a:latin typeface="SF Compact Display" panose="02000000000000000000" pitchFamily="50" charset="0"/>
@@ -8407,7 +8989,7 @@
         <p:spPr>
           <a:xfrm>
             <a:off x="1097280" y="1826736"/>
-            <a:ext cx="10058400" cy="3352456"/>
+            <a:ext cx="10058400" cy="4460452"/>
           </a:xfrm>
           <a:prstGeom prst="rect">
             <a:avLst/>
@@ -8433,7 +9015,7 @@
                 <a:latin typeface="SF Compact Text" panose="02000000000000000000" pitchFamily="50" charset="0"/>
                 <a:cs typeface="SF Mono Heavy" panose="02000000000000000000" pitchFamily="50" charset="0"/>
               </a:rPr>
-              <a:t>The truth of the LORD</a:t>
+              <a:t>The presence of the LORD</a:t>
             </a:r>
             <a:r>
               <a:rPr lang="en-US" sz="2400" dirty="0">
@@ -8457,24 +9039,7 @@
                 <a:latin typeface="SF Compact Text" panose="02000000000000000000" pitchFamily="50" charset="0"/>
                 <a:cs typeface="SF Mono Heavy" panose="02000000000000000000" pitchFamily="50" charset="0"/>
               </a:rPr>
-              <a:t>“But the hour is coming, and now is, when the true worshipers will worship the Father in spirit and truth; for the Father is seeking such to worship Him. </a:t>
-            </a:r>
-            <a:r>
-              <a:rPr lang="en-US" sz="2400" dirty="0">
-                <a:solidFill>
-                  <a:srgbClr val="00B050"/>
-                </a:solidFill>
-                <a:latin typeface="SF Compact Text" panose="02000000000000000000" pitchFamily="50" charset="0"/>
-                <a:cs typeface="SF Mono Heavy" panose="02000000000000000000" pitchFamily="50" charset="0"/>
-              </a:rPr>
-              <a:t>God is Spirit</a:t>
-            </a:r>
-            <a:r>
-              <a:rPr lang="en-US" sz="2400" dirty="0">
-                <a:latin typeface="SF Compact Text" panose="02000000000000000000" pitchFamily="50" charset="0"/>
-                <a:cs typeface="SF Mono Heavy" panose="02000000000000000000" pitchFamily="50" charset="0"/>
-              </a:rPr>
-              <a:t>, and those who worship Him </a:t>
+              <a:t>“Exalt the Lord our God, And worship at </a:t>
             </a:r>
             <a:r>
               <a:rPr lang="en-US" sz="2400" dirty="0">
@@ -8484,14 +9049,31 @@
                 <a:latin typeface="SF Compact Text" panose="02000000000000000000" pitchFamily="50" charset="0"/>
                 <a:cs typeface="SF Mono Heavy" panose="02000000000000000000" pitchFamily="50" charset="0"/>
               </a:rPr>
-              <a:t>must worship in spirit and truth</a:t>
+              <a:t>His holy hill</a:t>
             </a:r>
             <a:r>
               <a:rPr lang="en-US" sz="2400" dirty="0">
                 <a:latin typeface="SF Compact Text" panose="02000000000000000000" pitchFamily="50" charset="0"/>
                 <a:cs typeface="SF Mono Heavy" panose="02000000000000000000" pitchFamily="50" charset="0"/>
               </a:rPr>
-              <a:t>. ” </a:t>
+              <a:t>; For the </a:t>
+            </a:r>
+            <a:r>
+              <a:rPr lang="en-US" sz="2400" dirty="0">
+                <a:solidFill>
+                  <a:srgbClr val="0070C0"/>
+                </a:solidFill>
+                <a:latin typeface="SF Compact Text" panose="02000000000000000000" pitchFamily="50" charset="0"/>
+                <a:cs typeface="SF Mono Heavy" panose="02000000000000000000" pitchFamily="50" charset="0"/>
+              </a:rPr>
+              <a:t>Lord our God is holy</a:t>
+            </a:r>
+            <a:r>
+              <a:rPr lang="en-US" sz="2400" dirty="0">
+                <a:latin typeface="SF Compact Text" panose="02000000000000000000" pitchFamily="50" charset="0"/>
+                <a:cs typeface="SF Mono Heavy" panose="02000000000000000000" pitchFamily="50" charset="0"/>
+              </a:rPr>
+              <a:t>.” </a:t>
             </a:r>
           </a:p>
           <a:p>
@@ -8505,7 +9087,79 @@
                 <a:latin typeface="SF Compact Text" panose="02000000000000000000" pitchFamily="50" charset="0"/>
                 <a:cs typeface="SF Mono Heavy" panose="02000000000000000000" pitchFamily="50" charset="0"/>
               </a:rPr>
-              <a:t>– John 4:23-24</a:t>
+              <a:t>- Psalm 99:9</a:t>
+            </a:r>
+          </a:p>
+          <a:p>
+            <a:pPr algn="just">
+              <a:lnSpc>
+                <a:spcPct val="150000"/>
+              </a:lnSpc>
+            </a:pPr>
+            <a:r>
+              <a:rPr lang="en-US" sz="2400" dirty="0">
+                <a:latin typeface="SF Compact Text" panose="02000000000000000000" pitchFamily="50" charset="0"/>
+                <a:cs typeface="SF Mono Heavy" panose="02000000000000000000" pitchFamily="50" charset="0"/>
+              </a:rPr>
+              <a:t>“You </a:t>
+            </a:r>
+            <a:r>
+              <a:rPr lang="en-US" sz="2400" dirty="0">
+                <a:solidFill>
+                  <a:srgbClr val="FF0000"/>
+                </a:solidFill>
+                <a:latin typeface="SF Compact Text" panose="02000000000000000000" pitchFamily="50" charset="0"/>
+                <a:cs typeface="SF Mono Heavy" panose="02000000000000000000" pitchFamily="50" charset="0"/>
+              </a:rPr>
+              <a:t>shall not worship the Lord your God with such things</a:t>
+            </a:r>
+            <a:r>
+              <a:rPr lang="en-US" sz="2400" dirty="0">
+                <a:latin typeface="SF Compact Text" panose="02000000000000000000" pitchFamily="50" charset="0"/>
+                <a:cs typeface="SF Mono Heavy" panose="02000000000000000000" pitchFamily="50" charset="0"/>
+              </a:rPr>
+              <a:t>. But </a:t>
+            </a:r>
+            <a:r>
+              <a:rPr lang="en-US" sz="2400" dirty="0">
+                <a:solidFill>
+                  <a:srgbClr val="0070C0"/>
+                </a:solidFill>
+                <a:latin typeface="SF Compact Text" panose="02000000000000000000" pitchFamily="50" charset="0"/>
+                <a:cs typeface="SF Mono Heavy" panose="02000000000000000000" pitchFamily="50" charset="0"/>
+              </a:rPr>
+              <a:t>you shall seek the place where the Lord your God chooses</a:t>
+            </a:r>
+            <a:r>
+              <a:rPr lang="en-US" sz="2400" dirty="0">
+                <a:latin typeface="SF Compact Text" panose="02000000000000000000" pitchFamily="50" charset="0"/>
+                <a:cs typeface="SF Mono Heavy" panose="02000000000000000000" pitchFamily="50" charset="0"/>
+              </a:rPr>
+              <a:t>, out of all your tribes, </a:t>
+            </a:r>
+            <a:r>
+              <a:rPr lang="en-US" sz="2400" dirty="0">
+                <a:solidFill>
+                  <a:srgbClr val="0070C0"/>
+                </a:solidFill>
+                <a:latin typeface="SF Compact Text" panose="02000000000000000000" pitchFamily="50" charset="0"/>
+                <a:cs typeface="SF Mono Heavy" panose="02000000000000000000" pitchFamily="50" charset="0"/>
+              </a:rPr>
+              <a:t>to put His name for His dwelling place</a:t>
+            </a:r>
+            <a:r>
+              <a:rPr lang="en-US" sz="2400" dirty="0">
+                <a:latin typeface="SF Compact Text" panose="02000000000000000000" pitchFamily="50" charset="0"/>
+                <a:cs typeface="SF Mono Heavy" panose="02000000000000000000" pitchFamily="50" charset="0"/>
+              </a:rPr>
+              <a:t>; and there you shall go.” </a:t>
+            </a:r>
+            <a:r>
+              <a:rPr lang="en-US" sz="2400" i="1" dirty="0">
+                <a:latin typeface="SF Compact Text" panose="02000000000000000000" pitchFamily="50" charset="0"/>
+                <a:cs typeface="SF Mono Heavy" panose="02000000000000000000" pitchFamily="50" charset="0"/>
+              </a:rPr>
+              <a:t>– Deuteronomy 12:4-5</a:t>
             </a:r>
             <a:endParaRPr lang="vi-VN" sz="2400" i="1" dirty="0">
               <a:latin typeface="SF Compact Text" panose="02000000000000000000" pitchFamily="50" charset="0"/>
@@ -8581,7 +9235,7 @@
           <p:cNvPr id="5" name="Rectangle 4">
             <a:extLst>
               <a:ext uri="{FF2B5EF4-FFF2-40B4-BE49-F238E27FC236}">
-                <a16:creationId xmlns:a16="http://schemas.microsoft.com/office/drawing/2014/main" id="{4E611A24-FAE7-F22A-664C-F25B609B83E7}"/>
+                <a16:creationId xmlns:a16="http://schemas.microsoft.com/office/drawing/2014/main" id="{4EADD43D-E784-79CA-F056-D5B2983044E3}"/>
               </a:ext>
             </a:extLst>
           </p:cNvPr>
@@ -8628,7 +9282,7 @@
     </p:spTree>
     <p:extLst>
       <p:ext uri="{BB962C8B-B14F-4D97-AF65-F5344CB8AC3E}">
-        <p14:creationId xmlns:p14="http://schemas.microsoft.com/office/powerpoint/2010/main" val="4286927663"/>
+        <p14:creationId xmlns:p14="http://schemas.microsoft.com/office/powerpoint/2010/main" val="4027009654"/>
       </p:ext>
     </p:extLst>
   </p:cSld>
